--- a/Types Of Computers.pptx
+++ b/Types Of Computers.pptx
@@ -46,15 +46,27 @@
       <p:boldItalic r:id="rId26"/>
     </p:embeddedFont>
     <p:embeddedFont>
-      <p:font typeface="Roboto" panose="02000000000000000000" pitchFamily="2" charset="0"/>
+      <p:font typeface="Raleway" pitchFamily="2" charset="0"/>
       <p:regular r:id="rId27"/>
       <p:bold r:id="rId28"/>
       <p:italic r:id="rId29"/>
       <p:boldItalic r:id="rId30"/>
     </p:embeddedFont>
+    <p:embeddedFont>
+      <p:font typeface="Roboto" panose="02000000000000000000" pitchFamily="2" charset="0"/>
+      <p:regular r:id="rId31"/>
+      <p:bold r:id="rId32"/>
+      <p:italic r:id="rId33"/>
+      <p:boldItalic r:id="rId34"/>
+    </p:embeddedFont>
+    <p:embeddedFont>
+      <p:font typeface="Roboto Light" panose="02000000000000000000" pitchFamily="2" charset="0"/>
+      <p:regular r:id="rId35"/>
+      <p:italic r:id="rId36"/>
+    </p:embeddedFont>
   </p:embeddedFontLst>
   <p:custDataLst>
-    <p:tags r:id="rId31"/>
+    <p:tags r:id="rId37"/>
   </p:custDataLst>
   <p:defaultTextStyle>
     <a:defPPr marR="0" lvl="0" algn="l" rtl="0">
@@ -335,358 +347,6 @@
           <inkml:channelProperty channel="OE" name="resolution" value="1000" units="1/deg"/>
         </inkml:channelProperties>
       </inkml:inkSource>
-      <inkml:timestamp xml:id="ts0" timeString="2024-10-01T14:42:40.460"/>
-    </inkml:context>
-    <inkml:brush xml:id="br0">
-      <inkml:brushProperty name="width" value="0.35" units="cm"/>
-      <inkml:brushProperty name="height" value="0.35" units="cm"/>
-      <inkml:brushProperty name="color" value="#FFFFFF"/>
-    </inkml:brush>
-  </inkml:definitions>
-  <inkml:trace contextRef="#ctx0" brushRef="#br0">7328 19033 16383 0 0,'0'-7'0'0'0,"7"-2"0"0"0,9 0 0 0 0,9 2 0 0 0,8 2 0 0 0,4 2 0 0 0,4 1 0 0 0,1 1 0 0 0,8 1 0 0 0,3 1 0 0 0,5-1 0 0 0,8 1 0 0 0,6-1 0 0 0,13 0 0 0 0,5 0 0 0 0,8 7 0 0 0,9 3 0 0 0,14-1 0 0 0,8-2 0 0 0,3-2 0 0 0,6-2 0 0 0,9-1 0 0 0,0-2 0 0 0,-4 7 0 0 0,-5 2 0 0 0,-6 0 0 0 0,-3-2 0 0 0,-3-3 0 0 0,-2-1 0 0 0,-8-1 0 0 0,-17-2 0 0 0,-11 0 0 0 0,-13 0 0 0 0,-13 0 0 0 0,-31-1 0 0 0,-34 1 0 0 0,-31 0 0 0 0,-38 0 0 0 0,-35-7 0 0 0,-33-10 0 0 0,-29-8 0 0 0,-21 0 0 0 0,-12-3 0 0 0,-15 3 0 0 0,-5 6 0 0 0,-14-1 0 0 0,-9 3 0 0 0,2 5 0 0 0,8 4 0 0 0,15-4 0 0 0,17 1 0 0 0,16 1 0 0 0,24 4 0 0 0,20 1 0 0 0,20 3 0 0 0,17 1 0 0 0,19 1 0 0 0,32 0 0 0 0,32 1 0 0 0,27-1 0 0 0,19 1 0 0 0,21-1 0 0 0,16 0 0 0 0,13 0 0 0 0,7 0 0 0 0,11 0 0 0 0,11 0 0 0 0,10 0 0 0 0,13 0 0 0 0,14 0 0 0 0,11 0 0 0 0,9 0 0 0 0,4 0 0 0 0,3 0 0 0 0,-5 0 0 0 0,-3 0 0 0 0,0 0 0 0 0,-5 0 0 0 0,-8 0 0 0 0,-8 0 0 0 0,-6 0 0 0 0,-11 0 0 0 0,-12 0 0 0 0,-4 0 0 0 0,-12 0 0 0 0,-7 0 0 0 0,-12 0 0 0 0,-11 0 0 0 0,-23 0 0 0 0,-26 0 0 0 0,-21 0 0 0 0,-23 0 0 0 0,-29 0 0 0 0,-24 0 0 0 0,-19 0 0 0 0,-20 0 0 0 0,-24 0 0 0 0,-22 0 0 0 0,-25 0 0 0 0,-28 0 0 0 0,-18 0 0 0 0,-11 0 0 0 0,-5 0 0 0 0,14 0 0 0 0,19 0 0 0 0,20-7 0 0 0,24-2 0 0 0,20 0 0 0 0,17 2 0 0 0,18 2 0 0 0,24 2 0 0 0,21 1 0 0 0,18 1 0 0 0,25 1 0 0 0,27 1 0 0 0,21-1 0 0 0,23 0 0 0 0,27 1 0 0 0,23-1 0 0 0,33 0 0 0 0,24 0 0 0 0,23 0 0 0 0,25 0 0 0 0,23 0 0 0 0,17 0 0 0 0,12 0 0 0 0,6 0 0 0 0,10 0 0 0 0,11 0 0 0 0,8 0 0 0 0,7 0 0 0 0,3 0 0 0 0,-4 0 0 0 0,-16 0 0 0 0,-18 0 0 0 0,-16 0 0 0 0,-13 0 0 0 0,-23 0 0 0 0,-23 0 0 0 0,-14 0 0 0 0,-20 0 0 0 0,-19 0 0 0 0,-17 0 0 0 0,-19 0 0 0 0,-10 0 0 0 0,-10 0 0 0 0,-10 0 0 0 0,-21 0 0 0 0,-30 0 0 0 0,-30 0 0 0 0,-25 0 0 0 0,-17 0 0 0 0,-18 0 0 0 0,-16 0 0 0 0,-12 0 0 0 0,-14 0 0 0 0,-13 0 0 0 0,-4 0 0 0 0,1 0 0 0 0,-2 0 0 0 0,3 0 0 0 0,10 0 0 0 0,16 0 0 0 0,12 0 0 0 0,18 0 0 0 0,9 0 0 0 0,11 0 0 0 0,31 0 0 0 0,35 0 0 0 0,40 0 0 0 0,26 0 0 0 0,24 0 0 0 0,17 0 0 0 0,20 0 0 0 0,22 0 0 0 0,22 0 0 0 0,9 0 0 0 0,3 0 0 0 0,-1 0 0 0 0,-4 0 0 0 0,-4 0 0 0 0,-3 0 0 0 0,-3 0 0 0 0,-1 0 0 0 0,-8 0 0 0 0,-10 0 0 0 0,-17 0 0 0 0,-22 0 0 0 0,-17 0 0 0 0,-16 0 0 0 0,-15 0 0 0 0,-24 7 0 0 0,-26 2 0 0 0,-28 0 0 0 0,-26 5 0 0 0,-26 1 0 0 0,-16 4 0 0 0,-14-1 0 0 0,-18 4 0 0 0,-11-3 0 0 0,-11 4 0 0 0,-18-3 0 0 0,-16 2 0 0 0,0-2 0 0 0,1-5 0 0 0,16 2 0 0 0,20-2 0 0 0,13 4 0 0 0,12-1 0 0 0,19-5 0 0 0,18-3 0 0 0,14-4 0 0 0,25-3 0 0 0,25-2 0 0 0,21-2 0 0 0,23 1 0 0 0,20-1 0 0 0,21 0 0 0 0,13-6 0 0 0,11-3 0 0 0,11-6 0 0 0,14-1 0 0 0,8-4 0 0 0,1 1 0 0 0,8 5 0 0 0,-1 4 0 0 0,-2 4 0 0 0,-4 3 0 0 0,-10 3 0 0 0,-6 1 0 0 0,-9 1 0 0 0,-8 0 0 0 0,-8 0 0 0 0,-13-1 0 0 0,-12 1 0 0 0,-12-1 0 0 0,-7 0 0 0 0,-20 0 0 0 0,-28 0 0 0 0,-29 0 0 0 0,-38 0 0 0 0,-28 0 0 0 0,-26 0 0 0 0,-28 0 0 0 0,-24 0 0 0 0,-11 0 0 0 0,-9 0 0 0 0,0 0 0 0 0,-2 0 0 0 0,-4 0 0 0 0,4 0 0 0 0,7 0 0 0 0,1 0 0 0 0,3 0 0 0 0,19 0 0 0 0,23 0 0 0 0,22 0 0 0 0,24 0 0 0 0,21 0 0 0 0,30 0 0 0 0,37 0 0 0 0,33 0 0 0 0,34 0 0 0 0,20 0 0 0 0,25 0 0 0 0,22 0 0 0 0,18 0 0 0 0,13 0 0 0 0,6 0 0 0 0,5 0 0 0 0,1 0 0 0 0,13 0 0 0 0,4 0 0 0 0,6 0 0 0 0,4 0 0 0 0,-3 0 0 0 0,-6 0 0 0 0,-21 0 0 0 0,-12 0 0 0 0,-17 0 0 0 0,-11 0 0 0 0,-14 0 0 0 0,-12 0 0 0 0,-15 0 0 0 0,-30 0 0 0 0,-39 0 0 0 0,-36 0 0 0 0,-42 0 0 0 0,-26 0 0 0 0,-32 0 0 0 0,-25 0 0 0 0,-22 0 0 0 0,-26 0 0 0 0,-21 0 0 0 0,-18 0 0 0 0,-10 0 0 0 0,7 0 0 0 0,8 0 0 0 0,22 0 0 0 0,24 0 0 0 0,22 0 0 0 0,17 7 0 0 0,18 3 0 0 0,23-2 0 0 0,22 0 0 0 0,16-3 0 0 0,27-2 0 0 0,33-1 0 0 0,37-2 0 0 0,28 0 0 0 0,30 0 0 0 0,21 0 0 0 0,19-1 0 0 0,15 1 0 0 0,17 0 0 0 0,16-1 0 0 0,12 1 0 0 0,15 0 0 0 0,15 0 0 0 0,4 0 0 0 0,-1 0 0 0 0,2 7 0 0 0,-9 3 0 0 0,-13-1 0 0 0,-8-2 0 0 0,-15-2 0 0 0,-19-2 0 0 0,-22-1 0 0 0,-22 5 0 0 0,-17 3 0 0 0,-34-2 0 0 0,-48-1 0 0 0,-50-2 0 0 0,-41-2 0 0 0,-36-2 0 0 0,-28 0 0 0 0,-27-1 0 0 0,-21-1 0 0 0,-7 1 0 0 0,-14 0 0 0 0,-7-1 0 0 0,-4 1 0 0 0,8 0 0 0 0,10 0 0 0 0,10 0 0 0 0,23 0 0 0 0,18 0 0 0 0,13 0 0 0 0,15 0 0 0 0,20 0 0 0 0,12 0 0 0 0,15 0 0 0 0,25 0 0 0 0,34 0 0 0 0,27 0 0 0 0,24 0 0 0 0,20 0 0 0 0,13 0 0 0 0,15 0 0 0 0,15 0 0 0 0,16 0 0 0 0,17 0 0 0 0,14 0 0 0 0,1 0 0 0 0,-3 0 0 0 0,-6 0 0 0 0,-6 0 0 0 0,-5 0 0 0 0,-11 0 0 0 0,-12 0 0 0 0,-10 0 0 0 0,-15 0 0 0 0,-14 0 0 0 0,-27 0 0 0 0,-33 0 0 0 0,-40 0 0 0 0,-36 0 0 0 0,-27 0 0 0 0,-19 0 0 0 0,-11 7 0 0 0,-13 2 0 0 0,-10 0 0 0 0,-10-2 0 0 0,-4 5 0 0 0,-5 1 0 0 0,6-2 0 0 0,9-4 0 0 0,16 5 0 0 0,17 1 0 0 0,15-3 0 0 0,17-3 0 0 0,17-2 0 0 0,13 5 0 0 0,23 0 0 0 0,24-1 0 0 0,27-2 0 0 0,26-2 0 0 0,11-3 0 0 0,11 0 0 0 0,15-2 0 0 0,15 0 0 0 0,12-1 0 0 0,9 1 0 0 0,5-1 0 0 0,-4 1 0 0 0,-8 0 0 0 0,-8 0 0 0 0,-8 0 0 0 0,1 0 0 0 0,-9 0 0 0 0,-4 0 0 0 0,-10 0 0 0 0,-9 0 0 0 0,-10 0 0 0 0,-19 0 0 0 0,-24 7 0 0 0,-20 2 0 0 0,-15 0 0 0 0,-18-2 0 0 0,-8-2 0 0 0,-10 6 0 0 0,-1 0 0 0 0,3 5 0 0 0,4 1 0 0 0,5-4 0 0 0,3-3 0 0 0,11-3 0 0 0</inkml:trace>
-</inkml:ink>
-</file>
-
-<file path=ppt/ink/ink10.xml><?xml version="1.0" encoding="utf-8"?>
-<inkml:ink xmlns:inkml="http://www.w3.org/2003/InkML">
-  <inkml:definitions>
-    <inkml:context xml:id="ctx0">
-      <inkml:inkSource xml:id="inkSrc0">
-        <inkml:traceFormat>
-          <inkml:channel name="X" type="integer" min="-2.14748E9" max="2.14748E9" units="cm"/>
-          <inkml:channel name="Y" type="integer" min="-2.14748E9" max="2.14748E9" units="cm"/>
-          <inkml:channel name="F" type="integer" max="32767" units="dev"/>
-          <inkml:channel name="OA" type="integer" max="360" units="deg"/>
-          <inkml:channel name="OE" type="integer" max="90" units="deg"/>
-        </inkml:traceFormat>
-        <inkml:channelProperties>
-          <inkml:channelProperty channel="X" name="resolution" value="1000" units="1/cm"/>
-          <inkml:channelProperty channel="Y" name="resolution" value="1000" units="1/cm"/>
-          <inkml:channelProperty channel="F" name="resolution" value="0" units="1/dev"/>
-          <inkml:channelProperty channel="OA" name="resolution" value="1000" units="1/deg"/>
-          <inkml:channelProperty channel="OE" name="resolution" value="1000" units="1/deg"/>
-        </inkml:channelProperties>
-      </inkml:inkSource>
-      <inkml:timestamp xml:id="ts0" timeString="2024-10-01T14:42:40.475"/>
-    </inkml:context>
-    <inkml:brush xml:id="br0">
-      <inkml:brushProperty name="width" value="0.35" units="cm"/>
-      <inkml:brushProperty name="height" value="0.35" units="cm"/>
-      <inkml:brushProperty name="color" value="#FFFFFF"/>
-    </inkml:brush>
-  </inkml:definitions>
-  <inkml:trace contextRef="#ctx0" brushRef="#br0">7285 18774 16383 0 0,'7'0'0'0'0,"9"0"0"0"0,10 0 0 0 0,6 0 0 0 0,6 0 0 0 0,9 0 0 0 0,12 0 0 0 0,9 0 0 0 0,8 0 0 0 0,11 0 0 0 0,12 0 0 0 0,11 0 0 0 0,14 0 0 0 0,21 0 0 0 0,28 0 0 0 0,27 0 0 0 0,14 0 0 0 0,13 0 0 0 0,3 0 0 0 0,4 0 0 0 0,12 0 0 0 0,-1 0 0 0 0,0 0 0 0 0,-14 0 0 0 0,-11 0 0 0 0,-8 0 0 0 0,-12 0 0 0 0,-19 0 0 0 0,-19 0 0 0 0,-23 0 0 0 0,-14 0 0 0 0,-15 0 0 0 0,-11 0 0 0 0,-9 0 0 0 0,-13 0 0 0 0,-12 0 0 0 0,-32 0 0 0 0,-41 0 0 0 0,-42 0 0 0 0,-39 0 0 0 0,-41 0 0 0 0,-46 0 0 0 0,-43 0 0 0 0,-40 0 0 0 0,-46-7 0 0 0,-28-2 0 0 0,-19 0 0 0 0,-14 2 0 0 0,-8 2 0 0 0,12 2 0 0 0,17 1 0 0 0,26 1 0 0 0,31 1 0 0 0,31 1 0 0 0,30-1 0 0 0,33 0 0 0 0,28 1 0 0 0,29-1 0 0 0,30 0 0 0 0,27 0 0 0 0,33 0 0 0 0,39 0 0 0 0,36 0 0 0 0,32 0 0 0 0,36 0 0 0 0,43 0 0 0 0,32 0 0 0 0,37 0 0 0 0,32 0 0 0 0,31 0 0 0 0,33 0 0 0 0,21 0 0 0 0,25 0 0 0 0,23 0 0 0 0,25 0 0 0 0,16 0 0 0 0,-8 0 0 0 0,-15 0 0 0 0,-13 0 0 0 0,-27 0 0 0 0,-25 0 0 0 0,-32 0 0 0 0,-32 0 0 0 0,-32 0 0 0 0,-27 0 0 0 0,-27 0 0 0 0,-36 0 0 0 0,-29 0 0 0 0,-39 0 0 0 0,-47 0 0 0 0,-55 7 0 0 0,-50 2 0 0 0,-41 0 0 0 0,-33 6 0 0 0,-41-1 0 0 0,-36 5 0 0 0,-27-1 0 0 0,-27-3 0 0 0,-34-5 0 0 0,-48-3 0 0 0,-37-4 0 0 0,-36-2 0 0 0,-26 0 0 0 0,-32 5 0 0 0,-30 2 0 0 0,5 8 0 0 0,21 6 0 0 0,33 1 0 0 0,47 3 0 0 0,61-3 0 0 0,56 2 0 0 0,52-4 0 0 0,55-4 0 0 0,54-7 0 0 0,66-4 0 0 0,66-3 0 0 0,58-2 0 0 0,55-2 0 0 0,45 0 0 0 0,48 0 0 0 0,46 0 0 0 0,32 1 0 0 0,25-1 0 0 0,19 1 0 0 0,26 0 0 0 0,24 0 0 0 0,20 0 0 0 0,36 0 0 0 0,24 0 0 0 0,-2 0 0 0 0,1 0 0 0 0,2 0 0 0 0,-5 0 0 0 0,-28 0 0 0 0,-36 0 0 0 0,-33 0 0 0 0,-40 0 0 0 0,-44 0 0 0 0,-38 0 0 0 0,-43 7 0 0 0,-38 2 0 0 0,-36 0 0 0 0,-30-2 0 0 0,-34-2 0 0 0,-52-1 0 0 0,-60-3 0 0 0,-60 0 0 0 0,-50-1 0 0 0,-50 0 0 0 0,-42-1 0 0 0,-32 1 0 0 0,-40 0 0 0 0,-32-1 0 0 0,-16 1 0 0 0,-17 0 0 0 0,-10 0 0 0 0,3 0 0 0 0,24 0 0 0 0,14 0 0 0 0,17 0 0 0 0,27 0 0 0 0,28 0 0 0 0,31 0 0 0 0,42 0 0 0 0,45 0 0 0 0,42 0 0 0 0,52 0 0 0 0,57 0 0 0 0,54 0 0 0 0,54 0 0 0 0,49 0 0 0 0,46 0 0 0 0,38 0 0 0 0,39 0 0 0 0,28 0 0 0 0,31 0 0 0 0,34 0 0 0 0,30 0 0 0 0,30 0 0 0 0,25 0 0 0 0,18 0 0 0 0,4 0 0 0 0,-24 0 0 0 0,-27 7 0 0 0,-24 3 0 0 0,-33-2 0 0 0,-38 7 0 0 0,-34 6 0 0 0,-42 0 0 0 0,-29-3 0 0 0,-41 2 0 0 0,-39-2 0 0 0,-32-5 0 0 0,-36-4 0 0 0,-46-3 0 0 0,-52-4 0 0 0,-58-1 0 0 0,-59-1 0 0 0,-50-1 0 0 0,-50 0 0 0 0,-43 0 0 0 0,-23 1 0 0 0,-25-1 0 0 0,-7 1 0 0 0,4 0 0 0 0,14 0 0 0 0,18 0 0 0 0,23 0 0 0 0,30 0 0 0 0,41 0 0 0 0,40 0 0 0 0,47 0 0 0 0,50-7 0 0 0,48-2 0 0 0,49 0 0 0 0,45-5 0 0 0,44-1 0 0 0,36 3 0 0 0,32 3 0 0 0,33 4 0 0 0,27 1 0 0 0,19 3 0 0 0,13 1 0 0 0,-1 0 0 0 0,2 1 0 0 0,7-1 0 0 0,3 1 0 0 0,-14-1 0 0 0,-5 1 0 0 0,-16-1 0 0 0,-23 0 0 0 0,-25 0 0 0 0,-20 0 0 0 0,-22 0 0 0 0,-26 0 0 0 0,-24 0 0 0 0,-19 0 0 0 0,-19 0 0 0 0</inkml:trace>
-</inkml:ink>
-</file>
-
-<file path=ppt/ink/ink11.xml><?xml version="1.0" encoding="utf-8"?>
-<inkml:ink xmlns:inkml="http://www.w3.org/2003/InkML">
-  <inkml:definitions>
-    <inkml:context xml:id="ctx0">
-      <inkml:inkSource xml:id="inkSrc0">
-        <inkml:traceFormat>
-          <inkml:channel name="X" type="integer" min="-2.14748E9" max="2.14748E9" units="cm"/>
-          <inkml:channel name="Y" type="integer" min="-2.14748E9" max="2.14748E9" units="cm"/>
-          <inkml:channel name="F" type="integer" max="32767" units="dev"/>
-          <inkml:channel name="OA" type="integer" max="360" units="deg"/>
-          <inkml:channel name="OE" type="integer" max="90" units="deg"/>
-        </inkml:traceFormat>
-        <inkml:channelProperties>
-          <inkml:channelProperty channel="X" name="resolution" value="1000" units="1/cm"/>
-          <inkml:channelProperty channel="Y" name="resolution" value="1000" units="1/cm"/>
-          <inkml:channelProperty channel="F" name="resolution" value="0" units="1/dev"/>
-          <inkml:channelProperty channel="OA" name="resolution" value="1000" units="1/deg"/>
-          <inkml:channelProperty channel="OE" name="resolution" value="1000" units="1/deg"/>
-        </inkml:channelProperties>
-      </inkml:inkSource>
-      <inkml:timestamp xml:id="ts0" timeString="2024-10-01T14:42:40.476"/>
-    </inkml:context>
-    <inkml:brush xml:id="br0">
-      <inkml:brushProperty name="width" value="0.35" units="cm"/>
-      <inkml:brushProperty name="height" value="0.35" units="cm"/>
-      <inkml:brushProperty name="color" value="#FFFFFF"/>
-    </inkml:brush>
-  </inkml:definitions>
-  <inkml:trace contextRef="#ctx0" brushRef="#br0">38735 4763 16383 0 0,'0'0'0'0'0</inkml:trace>
-</inkml:ink>
-</file>
-
-<file path=ppt/ink/ink12.xml><?xml version="1.0" encoding="utf-8"?>
-<inkml:ink xmlns:inkml="http://www.w3.org/2003/InkML">
-  <inkml:definitions>
-    <inkml:context xml:id="ctx0">
-      <inkml:inkSource xml:id="inkSrc0">
-        <inkml:traceFormat>
-          <inkml:channel name="X" type="integer" min="-2.14748E9" max="2.14748E9" units="cm"/>
-          <inkml:channel name="Y" type="integer" min="-2.14748E9" max="2.14748E9" units="cm"/>
-          <inkml:channel name="F" type="integer" max="32767" units="dev"/>
-          <inkml:channel name="OA" type="integer" max="360" units="deg"/>
-          <inkml:channel name="OE" type="integer" max="90" units="deg"/>
-        </inkml:traceFormat>
-        <inkml:channelProperties>
-          <inkml:channelProperty channel="X" name="resolution" value="1000" units="1/cm"/>
-          <inkml:channelProperty channel="Y" name="resolution" value="1000" units="1/cm"/>
-          <inkml:channelProperty channel="F" name="resolution" value="0" units="1/dev"/>
-          <inkml:channelProperty channel="OA" name="resolution" value="1000" units="1/deg"/>
-          <inkml:channelProperty channel="OE" name="resolution" value="1000" units="1/deg"/>
-        </inkml:channelProperties>
-      </inkml:inkSource>
-      <inkml:timestamp xml:id="ts0" timeString="2024-10-01T14:42:40.481"/>
-    </inkml:context>
-    <inkml:brush xml:id="br0">
-      <inkml:brushProperty name="width" value="0.35" units="cm"/>
-      <inkml:brushProperty name="height" value="0.35" units="cm"/>
-      <inkml:brushProperty name="color" value="#FFFFFF"/>
-    </inkml:brush>
-  </inkml:definitions>
-  <inkml:trace contextRef="#ctx0" brushRef="#br0">6747 18914 16383 0 0,'0'7'0'0'0,"7"2"0"0"0,9 0 0 0 0,9 5 0 0 0,8 0 0 0 0,11-1 0 0 0,6-5 0 0 0,9-2 0 0 0,14 4 0 0 0,24 1 0 0 0,16 5 0 0 0,16 0 0 0 0,16-2 0 0 0,10 2 0 0 0,7 0 0 0 0,18-4 0 0 0,13-3 0 0 0,17-4 0 0 0,7-2 0 0 0,8 5 0 0 0,-5 8 0 0 0,-12 2 0 0 0,-21-3 0 0 0,-14 4 0 0 0,-22-2 0 0 0,-16-4 0 0 0,-17-3 0 0 0,-14-5 0 0 0,-12 5 0 0 0,-13 0 0 0 0,-7-1 0 0 0,-8-2 0 0 0,-8-3 0 0 0,-7-2 0 0 0,-26 0 0 0 0,-44-2 0 0 0,-47 0 0 0 0,-47-8 0 0 0,-60-9 0 0 0,-71-15 0 0 0,-55-10 0 0 0,-27-5 0 0 0,-7-1 0 0 0,13 8 0 0 0,18 3 0 0 0,19 8 0 0 0,22 2 0 0 0,29 6 0 0 0,33 6 0 0 0,29 6 0 0 0,30 4 0 0 0,32 3 0 0 0,28 2 0 0 0,35 1 0 0 0,32 0 0 0 0,33 1 0 0 0,34-1 0 0 0,30-1 0 0 0,28 1 0 0 0,25-1 0 0 0,23 0 0 0 0,27 0 0 0 0,25 0 0 0 0,18 0 0 0 0,26 0 0 0 0,34 0 0 0 0,24 0 0 0 0,7 0 0 0 0,-8 0 0 0 0,-8 0 0 0 0,1 0 0 0 0,-10 0 0 0 0,-5 0 0 0 0,-10 0 0 0 0,-10 0 0 0 0,-23 0 0 0 0,-25 0 0 0 0,-30 0 0 0 0,-18 0 0 0 0,-18 0 0 0 0,-22 0 0 0 0,-19 0 0 0 0,-15 0 0 0 0,-17 0 0 0 0,-15 0 0 0 0,-13 0 0 0 0,-22 0 0 0 0,-38 0 0 0 0,-38 0 0 0 0,-41-7 0 0 0,-40-3 0 0 0,-34 1 0 0 0,-32 2 0 0 0,-33-5 0 0 0,-27 0 0 0 0,-41-6 0 0 0,-56-6 0 0 0,-37 1 0 0 0,-18 4 0 0 0,5-2 0 0 0,13 3 0 0 0,16 5 0 0 0,29 4 0 0 0,37 4 0 0 0,35 2 0 0 0,35 2 0 0 0,43 2 0 0 0,47 0 0 0 0,41 0 0 0 0,30-1 0 0 0,21 1 0 0 0,33-1 0 0 0,34 1 0 0 0,41-1 0 0 0,40 0 0 0 0,39 0 0 0 0,37 0 0 0 0,39 0 0 0 0,26 0 0 0 0,20 0 0 0 0,17 0 0 0 0,10-1 0 0 0,5 1 0 0 0,4 0 0 0 0,-1 0 0 0 0,0 0 0 0 0,-8 0 0 0 0,-10 7 0 0 0,-17 3 0 0 0,-18-1 0 0 0,-28 5 0 0 0,-29 0 0 0 0,-25 5 0 0 0,-25 0 0 0 0,-28-5 0 0 0,-18-3 0 0 0,-17-5 0 0 0,-13 5 0 0 0,-30-1 0 0 0,-35-1 0 0 0,-35-2 0 0 0,-40 4 0 0 0,-33 1 0 0 0,-25 5 0 0 0,-17-1 0 0 0,-16-2 0 0 0,-14 3 0 0 0,-17-1 0 0 0,-16-4 0 0 0,-5-4 0 0 0,1-2 0 0 0,17 3 0 0 0,24 2 0 0 0,14-2 0 0 0,22 4 0 0 0,30 1 0 0 0,21-3 0 0 0,33-2 0 0 0,42-4 0 0 0,46-2 0 0 0,40-2 0 0 0,36-1 0 0 0,38 0 0 0 0,22-1 0 0 0,26 1 0 0 0,17-1 0 0 0,16 1 0 0 0,5 0 0 0 0,8 0 0 0 0,-9-1 0 0 0,-6 1 0 0 0,-13 0 0 0 0,-12 8 0 0 0,-19 1 0 0 0,-10 0 0 0 0,-26-2 0 0 0,-22-2 0 0 0,-23-2 0 0 0,-42-1 0 0 0,-65-1 0 0 0,-71-1 0 0 0,-56-1 0 0 0,-46 1 0 0 0,-41-7 0 0 0,-23-3 0 0 0,-10 1 0 0 0,4 1 0 0 0,10 3 0 0 0,13 2 0 0 0,32 1 0 0 0,23 2 0 0 0,14 0 0 0 0,20 0 0 0 0,22 0 0 0 0,18 1 0 0 0,13-1 0 0 0,15 0 0 0 0,28 1 0 0 0,36-1 0 0 0,42 0 0 0 0,37 0 0 0 0,36 0 0 0 0,28 0 0 0 0,21 0 0 0 0,19 0 0 0 0,17 0 0 0 0,25 7 0 0 0,26 2 0 0 0,15 0 0 0 0,-1 5 0 0 0,-7 0 0 0 0,-18-2 0 0 0,-26-3 0 0 0,-26-3 0 0 0,-14-3 0 0 0,-21 6 0 0 0,-20 0 0 0 0,-15 0 0 0 0,-20-3 0 0 0,-37-1 0 0 0,-48-3 0 0 0,-52 0 0 0 0,-45-2 0 0 0,-26 0 0 0 0,-14 0 0 0 0,-11-1 0 0 0,-9 1 0 0 0,2 0 0 0 0,7-1 0 0 0,7 1 0 0 0,13 0 0 0 0,16 0 0 0 0,19 0 0 0 0,12 0 0 0 0,27 0 0 0 0,29 0 0 0 0,27 0 0 0 0,27 0 0 0 0,23 0 0 0 0,23 0 0 0 0,14 7 0 0 0,5 3 0 0 0,2-1 0 0 0,-2-2 0 0 0,-10-2 0 0 0,-12-2 0 0 0,-10-1 0 0 0,-17-2 0 0 0</inkml:trace>
-</inkml:ink>
-</file>
-
-<file path=ppt/ink/ink13.xml><?xml version="1.0" encoding="utf-8"?>
-<inkml:ink xmlns:inkml="http://www.w3.org/2003/InkML">
-  <inkml:definitions>
-    <inkml:context xml:id="ctx0">
-      <inkml:inkSource xml:id="inkSrc0">
-        <inkml:traceFormat>
-          <inkml:channel name="X" type="integer" min="-2.14748E9" max="2.14748E9" units="cm"/>
-          <inkml:channel name="Y" type="integer" min="-2.14748E9" max="2.14748E9" units="cm"/>
-          <inkml:channel name="F" type="integer" max="32767" units="dev"/>
-          <inkml:channel name="OA" type="integer" max="360" units="deg"/>
-          <inkml:channel name="OE" type="integer" max="90" units="deg"/>
-        </inkml:traceFormat>
-        <inkml:channelProperties>
-          <inkml:channelProperty channel="X" name="resolution" value="1000" units="1/cm"/>
-          <inkml:channelProperty channel="Y" name="resolution" value="1000" units="1/cm"/>
-          <inkml:channelProperty channel="F" name="resolution" value="0" units="1/dev"/>
-          <inkml:channelProperty channel="OA" name="resolution" value="1000" units="1/deg"/>
-          <inkml:channelProperty channel="OE" name="resolution" value="1000" units="1/deg"/>
-        </inkml:channelProperties>
-      </inkml:inkSource>
-      <inkml:timestamp xml:id="ts0" timeString="2024-10-01T14:42:40.482"/>
-    </inkml:context>
-    <inkml:brush xml:id="br0">
-      <inkml:brushProperty name="width" value="0.35" units="cm"/>
-      <inkml:brushProperty name="height" value="0.35" units="cm"/>
-      <inkml:brushProperty name="color" value="#FFFFFF"/>
-    </inkml:brush>
-  </inkml:definitions>
-  <inkml:trace contextRef="#ctx0" brushRef="#br0">7616 18831 16383 0 0,'7'0'0'0'0,"9"0"0"0"0,9 0 0 0 0,8 0 0 0 0,11 0 0 0 0,6 0 0 0 0,9 0 0 0 0,7 0 0 0 0,7 0 0 0 0,20 0 0 0 0,14 0 0 0 0,17 0 0 0 0,16 0 0 0 0,19 0 0 0 0,11 0 0 0 0,4 0 0 0 0,7 0 0 0 0,9 0 0 0 0,13 0 0 0 0,1 0 0 0 0,1 0 0 0 0,0 0 0 0 0,-7 0 0 0 0,-8 0 0 0 0,-9 0 0 0 0,-7 0 0 0 0,-13 0 0 0 0,-11 0 0 0 0,-19 0 0 0 0,-23 0 0 0 0,-17 0 0 0 0,-17 0 0 0 0,-13 0 0 0 0,-25-7 0 0 0,-32-2 0 0 0,-38 0 0 0 0,-34-6 0 0 0,-34 1 0 0 0,-27 2 0 0 0,-27-4 0 0 0,-36 1 0 0 0,-27 3 0 0 0,-26 3 0 0 0,-20 4 0 0 0,-7 2 0 0 0,7 2 0 0 0,7 1 0 0 0,6 1 0 0 0,17-1 0 0 0,13 1 0 0 0,17-1 0 0 0,15 8 0 0 0,19 1 0 0 0,17 0 0 0 0,28-1 0 0 0,22 4 0 0 0,21 0 0 0 0,31-1 0 0 0,33-3 0 0 0,25-3 0 0 0,27-2 0 0 0,21-2 0 0 0,22-1 0 0 0,20 0 0 0 0,22-1 0 0 0,18 1 0 0 0,21-1 0 0 0,26 1 0 0 0,32 0 0 0 0,13 0 0 0 0,17 0 0 0 0,10-1 0 0 0,3 2 0 0 0,-1-1 0 0 0,-8 0 0 0 0,-4 0 0 0 0,-17 0 0 0 0,-11 0 0 0 0,-15 0 0 0 0,-7 0 0 0 0,-1 7 0 0 0,-20 2 0 0 0,-18 0 0 0 0,-22-2 0 0 0,-19-2 0 0 0,-16-2 0 0 0,-17-1 0 0 0,-16-1 0 0 0,-12-1 0 0 0,-8 6 0 0 0,-19 3 0 0 0,-28 0 0 0 0,-35-2 0 0 0,-40-3 0 0 0,-34 0 0 0 0,-34-3 0 0 0,-27 0 0 0 0,-48-1 0 0 0,-43-8 0 0 0,-33-1 0 0 0,-29 0 0 0 0,-16 1 0 0 0,-6 3 0 0 0,7 1 0 0 0,18 3 0 0 0,16 0 0 0 0,10 1 0 0 0,13 0 0 0 0,19 1 0 0 0,20-1 0 0 0,23 0 0 0 0,21 8 0 0 0,23 1 0 0 0,21 0 0 0 0,22-2 0 0 0,27-2 0 0 0,24-1 0 0 0,20-3 0 0 0,27 0 0 0 0,33-1 0 0 0,31 0 0 0 0,25-1 0 0 0,25 1 0 0 0,19-1 0 0 0,21 1 0 0 0,32 0 0 0 0,27 0 0 0 0,30 0 0 0 0,24 0 0 0 0,20 7 0 0 0,10 2 0 0 0,2 0 0 0 0,13-2 0 0 0,7-1 0 0 0,6 4 0 0 0,-5 1 0 0 0,-2-2 0 0 0,0 6 0 0 0,-13-1 0 0 0,-10-3 0 0 0,-15 5 0 0 0,-13-1 0 0 0,-19-4 0 0 0,-24 5 0 0 0,-23-2 0 0 0,-26-2 0 0 0,-23 3 0 0 0,-17 0 0 0 0,-19-4 0 0 0,-8-2 0 0 0,-25-4 0 0 0,-27-3 0 0 0,-38-1 0 0 0,-37-1 0 0 0,-38 0 0 0 0,-30-1 0 0 0,-24 1 0 0 0,-28-1 0 0 0,-20 1 0 0 0,-12 0 0 0 0,-13-1 0 0 0,-5 1 0 0 0,2 7 0 0 0,-5 3 0 0 0,-5 6 0 0 0,-5 0 0 0 0,-5-2 0 0 0,-2 4 0 0 0,4-2 0 0 0,8 3 0 0 0,9 0 0 0 0,14 2 0 0 0,14-2 0 0 0,13 3 0 0 0,16-2 0 0 0,15-5 0 0 0,13-5 0 0 0,15 3 0 0 0,21 0 0 0 0,22-4 0 0 0,31-2 0 0 0,45-2 0 0 0,37-3 0 0 0,41-1 0 0 0,30-1 0 0 0,31-1 0 0 0,35 1 0 0 0,31-1 0 0 0,23 1 0 0 0,15-1 0 0 0,10 1 0 0 0,11 0 0 0 0,4 0 0 0 0,5 0 0 0 0,7 0 0 0 0,-2 0 0 0 0,-5 0 0 0 0,-6 0 0 0 0,-7 0 0 0 0,-25 0 0 0 0,-23 0 0 0 0,-27 0 0 0 0,-30 0 0 0 0,-27 0 0 0 0,-19 0 0 0 0,-22 0 0 0 0,-18 0 0 0 0,-26 0 0 0 0,-41 0 0 0 0,-42 0 0 0 0,-41 0 0 0 0,-41 0 0 0 0,-41 0 0 0 0,-35 0 0 0 0,-38 0 0 0 0,-70-7 0 0 0,-60-2 0 0 0,-36-7 0 0 0,-27-8 0 0 0,-17 1 0 0 0,-8 4 0 0 0,3 5 0 0 0,22 5 0 0 0,30 4 0 0 0,26 3 0 0 0,43 2 0 0 0,36 0 0 0 0,41 1 0 0 0,42 0 0 0 0,45 0 0 0 0,36 0 0 0 0,35-1 0 0 0,48 1 0 0 0,46-1 0 0 0,39 0 0 0 0,26 0 0 0 0,26 0 0 0 0,25-1 0 0 0,22 1 0 0 0,16 0 0 0 0,26 0 0 0 0,24 0 0 0 0,21 0 0 0 0,15 0 0 0 0,16 0 0 0 0,15 0 0 0 0,11 0 0 0 0,1 0 0 0 0,2 0 0 0 0,9 0 0 0 0,-2 0 0 0 0,0 0 0 0 0,-8 0 0 0 0,-9 0 0 0 0,-8 0 0 0 0,-14 0 0 0 0,-14 0 0 0 0,-18 0 0 0 0,-19 0 0 0 0,-21 0 0 0 0,-19 0 0 0 0,-24 0 0 0 0,-26 0 0 0 0,-24 0 0 0 0,-20 0 0 0 0,-28 0 0 0 0,-33 0 0 0 0,-31 0 0 0 0,-32 0 0 0 0,-19 0 0 0 0,-25 0 0 0 0,-22 0 0 0 0,-24 0 0 0 0,-23 0 0 0 0,-29 0 0 0 0,-30 0 0 0 0,-32 0 0 0 0,-12 0 0 0 0,-9 0 0 0 0,-4 0 0 0 0,-2 0 0 0 0,6 0 0 0 0,17 0 0 0 0,19 0 0 0 0,18 0 0 0 0,26 0 0 0 0,20 0 0 0 0,29 0 0 0 0,26 0 0 0 0,28 0 0 0 0,40 0 0 0 0,43 0 0 0 0,47 0 0 0 0,40 0 0 0 0,36 0 0 0 0,29 0 0 0 0,34 0 0 0 0,24 0 0 0 0,21 0 0 0 0,18 0 0 0 0,11 0 0 0 0,7 0 0 0 0,11 0 0 0 0,10 0 0 0 0,2 0 0 0 0,-3 0 0 0 0,-11 0 0 0 0,-16 0 0 0 0,-19 0 0 0 0,-19 0 0 0 0,-24 0 0 0 0,-27 0 0 0 0,-26 0 0 0 0,-27 0 0 0 0,-44 0 0 0 0,-39-7 0 0 0,-42-2 0 0 0,-45 0 0 0 0,-45-5 0 0 0,-38 0 0 0 0,-34-5 0 0 0,-28 0 0 0 0,-26 5 0 0 0,-48-4 0 0 0,-66 3 0 0 0,-43 2 0 0 0,-16 5 0 0 0,-7 3 0 0 0,11 2 0 0 0,21 2 0 0 0,34 1 0 0 0,36 1 0 0 0,30 0 0 0 0,30-1 0 0 0,31 1 0 0 0,34-1 0 0 0,36 0 0 0 0,38 1 0 0 0,33-1 0 0 0,38 0 0 0 0,43 0 0 0 0,36 0 0 0 0,34 0 0 0 0,35-1 0 0 0,22 1 0 0 0,19 0 0 0 0,13 0 0 0 0,17 0 0 0 0,8 0 0 0 0,16 0 0 0 0,10 0 0 0 0,6 0 0 0 0,9 0 0 0 0,11 0 0 0 0,-6 0 0 0 0,1 0 0 0 0,-2 0 0 0 0,-3 0 0 0 0,-11 0 0 0 0,-13 0 0 0 0,-11 0 0 0 0,-16 0 0 0 0,-15 0 0 0 0,-19 0 0 0 0,-26 0 0 0 0,-23 0 0 0 0,-20 0 0 0 0,-27 0 0 0 0,-34 0 0 0 0,-39 0 0 0 0,-34 0 0 0 0,-33 0 0 0 0,-41 0 0 0 0,-32 0 0 0 0,-20 0 0 0 0,-19 0 0 0 0,-2 0 0 0 0,9 0 0 0 0,12 0 0 0 0,10 0 0 0 0,24 0 0 0 0,25 0 0 0 0,21 0 0 0 0,24 0 0 0 0,21 0 0 0 0,29 7 0 0 0,35 3 0 0 0,48-1 0 0 0,45-2 0 0 0,49-2 0 0 0,44-2 0 0 0,34-1 0 0 0,22-2 0 0 0,21 1 0 0 0,16-2 0 0 0,10 1 0 0 0,14-1 0 0 0,13 1 0 0 0,-5 0 0 0 0,2 0 0 0 0,-1 0 0 0 0,-11 0 0 0 0,-13 0 0 0 0,-13 0 0 0 0,-9 0 0 0 0,-7 0 0 0 0,-19 0 0 0 0,-27 0 0 0 0,-28 0 0 0 0,-30 0 0 0 0,-26 0 0 0 0,-27 0 0 0 0,-23 0 0 0 0,-30 0 0 0 0,-37 0 0 0 0,-32 0 0 0 0,-41 0 0 0 0,-29 0 0 0 0,-33 0 0 0 0,-30 0 0 0 0,-16 0 0 0 0,-12 0 0 0 0,-3 0 0 0 0,3 0 0 0 0,12 0 0 0 0,9 0 0 0 0,4 0 0 0 0,16 0 0 0 0,19 0 0 0 0,17 0 0 0 0,21 0 0 0 0,39 0 0 0 0,42 0 0 0 0,38 0 0 0 0,27 0 0 0 0,18 0 0 0 0,11 0 0 0 0,4 0 0 0 0,9-7 0 0 0,1-3 0 0 0,-1 1 0 0 0,-5-5 0 0 0,-3 0 0 0 0,-10 2 0 0 0,-5 3 0 0 0,-8-4 0 0 0,-8 1 0 0 0,0 1 0 0 0,-4 4 0 0 0,-3 2 0 0 0,-4 3 0 0 0,-11-6 0 0 0,-3-2 0 0 0,-2 2 0 0 0,9 1 0 0 0,4 2 0 0 0,1 3 0 0 0,0 0 0 0 0,-1 2 0 0 0,-1 0 0 0 0,-1 0 0 0 0,-1 1 0 0 0,0-1 0 0 0,-1 0 0 0 0,0-6 0 0 0,0-4 0 0 0,1 2 0 0 0,-1 0 0 0 0,-7-4 0 0 0,-17 0 0 0 0,-24-6 0 0 0,-26 1 0 0 0,-14 3 0 0 0,-12-3 0 0 0,-5 1 0 0 0,-4 4 0 0 0,2 3 0 0 0,5 4 0 0 0,6 2 0 0 0,12 3 0 0 0</inkml:trace>
-</inkml:ink>
-</file>
-
-<file path=ppt/ink/ink14.xml><?xml version="1.0" encoding="utf-8"?>
-<inkml:ink xmlns:inkml="http://www.w3.org/2003/InkML">
-  <inkml:definitions>
-    <inkml:context xml:id="ctx0">
-      <inkml:inkSource xml:id="inkSrc0">
-        <inkml:traceFormat>
-          <inkml:channel name="X" type="integer" min="-2.14748E9" max="2.14748E9" units="cm"/>
-          <inkml:channel name="Y" type="integer" min="-2.14748E9" max="2.14748E9" units="cm"/>
-          <inkml:channel name="F" type="integer" max="32767" units="dev"/>
-          <inkml:channel name="OA" type="integer" max="360" units="deg"/>
-          <inkml:channel name="OE" type="integer" max="90" units="deg"/>
-        </inkml:traceFormat>
-        <inkml:channelProperties>
-          <inkml:channelProperty channel="X" name="resolution" value="1000" units="1/cm"/>
-          <inkml:channelProperty channel="Y" name="resolution" value="1000" units="1/cm"/>
-          <inkml:channelProperty channel="F" name="resolution" value="0" units="1/dev"/>
-          <inkml:channelProperty channel="OA" name="resolution" value="1000" units="1/deg"/>
-          <inkml:channelProperty channel="OE" name="resolution" value="1000" units="1/deg"/>
-        </inkml:channelProperties>
-      </inkml:inkSource>
-      <inkml:timestamp xml:id="ts0" timeString="2024-10-01T14:42:40.483"/>
-    </inkml:context>
-    <inkml:brush xml:id="br0">
-      <inkml:brushProperty name="width" value="0.35" units="cm"/>
-      <inkml:brushProperty name="height" value="0.35" units="cm"/>
-      <inkml:brushProperty name="color" value="#FFFFFF"/>
-    </inkml:brush>
-  </inkml:definitions>
-  <inkml:trace contextRef="#ctx0" brushRef="#br0">7141 18753 16383 0 0,'7'0'0'0'0,"9"0"0"0"0,10 0 0 0 0,6 7 0 0 0,6 3 0 0 0,16-1 0 0 0,14 5 0 0 0,16 0 0 0 0,15 5 0 0 0,19 6 0 0 0,17-1 0 0 0,13 3 0 0 0,11 3 0 0 0,19-4 0 0 0,29 2 0 0 0,21-5 0 0 0,15-6 0 0 0,14 2 0 0 0,5 3 0 0 0,1-1 0 0 0,-2-4 0 0 0,-4 2 0 0 0,-10-3 0 0 0,-13 4 0 0 0,-10-3 0 0 0,-9-3 0 0 0,-5 3 0 0 0,-11-2 0 0 0,-18-3 0 0 0,-19-4 0 0 0,-23 4 0 0 0,-20 0 0 0 0,-18-2 0 0 0,-11-3 0 0 0,-14-3 0 0 0,-27-1 0 0 0,-36-2 0 0 0,-34-1 0 0 0,-34-1 0 0 0,-37 1 0 0 0,-37-1 0 0 0,-38 1 0 0 0,-27-7 0 0 0,-29-10 0 0 0,-47-8 0 0 0,-47-1 0 0 0,-61-9 0 0 0,-30-6 0 0 0,-8 4 0 0 0,18 1 0 0 0,20 7 0 0 0,32 9 0 0 0,40 6 0 0 0,37 7 0 0 0,36 5 0 0 0,44 1 0 0 0,26 3 0 0 0,33-1 0 0 0,26 1 0 0 0,22-1 0 0 0,33 0 0 0 0,39 0 0 0 0,34-1 0 0 0,36 0 0 0 0,27 0 0 0 0,27 0 0 0 0,30 0 0 0 0,25 0 0 0 0,33 0 0 0 0,24 0 0 0 0,23 0 0 0 0,11 0 0 0 0,17 0 0 0 0,11 0 0 0 0,6 0 0 0 0,-6 0 0 0 0,-2 0 0 0 0,-8 0 0 0 0,-9 0 0 0 0,-8 0 0 0 0,-21 0 0 0 0,-23 0 0 0 0,-20 0 0 0 0,-29 0 0 0 0,-30 0 0 0 0,-25 0 0 0 0,-23 0 0 0 0,-21 0 0 0 0,-29 0 0 0 0,-35 0 0 0 0,-40 0 0 0 0,-34 0 0 0 0,-34 0 0 0 0,-35 0 0 0 0,-35 0 0 0 0,-31 0 0 0 0,-30 0 0 0 0,-23 0 0 0 0,-26 0 0 0 0,-26 0 0 0 0,-18 0 0 0 0,-8 0 0 0 0,-18 0 0 0 0,-20 0 0 0 0,6 0 0 0 0,16 7 0 0 0,25 2 0 0 0,26 7 0 0 0,36 0 0 0 0,35-2 0 0 0,35 4 0 0 0,37-2 0 0 0,38-3 0 0 0,32-5 0 0 0,45-2 0 0 0,37-3 0 0 0,39-2 0 0 0,30-1 0 0 0,30-1 0 0 0,28 0 0 0 0,29 1 0 0 0,22-1 0 0 0,26 1 0 0 0,26-1 0 0 0,25 1 0 0 0,26 0 0 0 0,15 0 0 0 0,7 0 0 0 0,9 0 0 0 0,16 0 0 0 0,-6 0 0 0 0,-7 0 0 0 0,-7 0 0 0 0,-7 0 0 0 0,-10 0 0 0 0,-20 0 0 0 0,-20 0 0 0 0,-23 7 0 0 0,-37 3 0 0 0,-27 6 0 0 0,-35 0 0 0 0,-31-2 0 0 0,-39-4 0 0 0,-42 4 0 0 0,-44-1 0 0 0,-38 5 0 0 0,-35-1 0 0 0,-34-4 0 0 0,-37-3 0 0 0,-29 3 0 0 0,-30 0 0 0 0,-23 4 0 0 0,-11 6 0 0 0,0 0 0 0 0,-12 3 0 0 0,0-4 0 0 0,6 2 0 0 0,-6-3 0 0 0,9 2 0 0 0,16-3 0 0 0,17 2 0 0 0,27-3 0 0 0,30-4 0 0 0,31-5 0 0 0,27-4 0 0 0,28-4 0 0 0,37-1 0 0 0,50-1 0 0 0,47-1 0 0 0,52 0 0 0 0,61 0 0 0 0,45 1 0 0 0,33-1 0 0 0,33 1 0 0 0,20 0 0 0 0,20 0 0 0 0,27-7 0 0 0,29-10 0 0 0,23-1 0 0 0,3 2 0 0 0,-1 4 0 0 0,-16 4 0 0 0,-21 3 0 0 0,-21 3 0 0 0,-31 1 0 0 0,-29 1 0 0 0,-33 1 0 0 0,-27 0 0 0 0,-21-1 0 0 0,-27 1 0 0 0,-34-1 0 0 0,-30 1 0 0 0,-25-1 0 0 0,-37 0 0 0 0,-38 0 0 0 0,-39 0 0 0 0,-47-7 0 0 0,-49-3 0 0 0,-50-6 0 0 0,-49 0 0 0 0,-45-5 0 0 0,-31-6 0 0 0,-32 2 0 0 0,-12 5 0 0 0,-1 6 0 0 0,5 6 0 0 0,21 3 0 0 0,25 3 0 0 0,38 2 0 0 0,45 1 0 0 0,46 1 0 0 0,48-1 0 0 0,67-1 0 0 0,73 1 0 0 0,64-8 0 0 0,62-2 0 0 0,50-6 0 0 0,37-9 0 0 0,23 1 0 0 0,5 3 0 0 0,-4-1 0 0 0,-8 3 0 0 0,-17-3 0 0 0,-16 3 0 0 0,-15 3 0 0 0,-19 6 0 0 0,-16-4 0 0 0,-20 1 0 0 0,-26 2 0 0 0,-23 3 0 0 0,-20 3 0 0 0,-27 2 0 0 0,-33 1 0 0 0,-39-6 0 0 0,-34-2 0 0 0,-26 0 0 0 0,-32 3 0 0 0,-22 1 0 0 0,-14 2 0 0 0,-14 2 0 0 0,-4 0 0 0 0,0 1 0 0 0,3 1 0 0 0,18-1 0 0 0,15 0 0 0 0,12 1 0 0 0,22-1 0 0 0,15 0 0 0 0,24 7 0 0 0,33 2 0 0 0,35 0 0 0 0,41-2 0 0 0,35-2 0 0 0,34-1 0 0 0,33-3 0 0 0,29 7 0 0 0,21 1 0 0 0,13 0 0 0 0,1-2 0 0 0,-6-3 0 0 0,-8-1 0 0 0,-15-1 0 0 0,-16-2 0 0 0,-14 0 0 0 0,-17 0 0 0 0,-16-1 0 0 0,-19 1 0 0 0,-19 0 0 0 0,-28 0 0 0 0,-36-1 0 0 0,-47 1 0 0 0,-45 0 0 0 0,-44-7 0 0 0,-41-2 0 0 0,-35-7 0 0 0,-24-7 0 0 0,-16-1 0 0 0,-8 5 0 0 0,-4 5 0 0 0,1 5 0 0 0,14 4 0 0 0,21 3 0 0 0,27 2 0 0 0,31 1 0 0 0,31 0 0 0 0,43 0 0 0 0,51 0 0 0 0,54-1 0 0 0,57 1 0 0 0,60-1 0 0 0,55 0 0 0 0,38 0 0 0 0,22 0 0 0 0,11 0 0 0 0,-3 0 0 0 0,3 0 0 0 0,0 0 0 0 0,-17 0 0 0 0,-21 0 0 0 0,-28 0 0 0 0,-32 0 0 0 0,-30 0 0 0 0,-24 0 0 0 0,-22 0 0 0 0,-20 0 0 0 0,-27-7 0 0 0,-35-3 0 0 0,-39-6 0 0 0,-42-7 0 0 0,-42 0 0 0 0,-50-4 0 0 0,-46-3 0 0 0,-35-4 0 0 0,-25-10 0 0 0,-6 2 0 0 0,1 1 0 0 0,7 8 0 0 0,21 10 0 0 0,26 8 0 0 0,31 7 0 0 0,33 5 0 0 0,38 2 0 0 0,47 3 0 0 0,58-1 0 0 0,46 1 0 0 0,46 0 0 0 0,32-1 0 0 0,19-1 0 0 0,17 1 0 0 0,-2-1 0 0 0,-4 0 0 0 0,-10 0 0 0 0,-13 0 0 0 0,-11 0 0 0 0,-16 0 0 0 0,-8 0 0 0 0,-10 0 0 0 0,-24 0 0 0 0,-33 0 0 0 0,-40 0 0 0 0,-41 0 0 0 0,-46 0 0 0 0,-36 0 0 0 0,-28 0 0 0 0,-18 0 0 0 0,-18 0 0 0 0,-13 0 0 0 0,-3 0 0 0 0,17 0 0 0 0,17 0 0 0 0,29 0 0 0 0,28 0 0 0 0,33 0 0 0 0,27 0 0 0 0,34 0 0 0 0,47 7 0 0 0,44 2 0 0 0,51 7 0 0 0,43 0 0 0 0,48-2 0 0 0,35 4 0 0 0,22-2 0 0 0,11-4 0 0 0,6-3 0 0 0,-7 4 0 0 0,3-1 0 0 0,-7-2 0 0 0,-10 4 0 0 0,-18 0 0 0 0,-18-3 0 0 0,-23-3 0 0 0,-27-3 0 0 0,-19 5 0 0 0,-25 1 0 0 0,-23-2 0 0 0,-41-2 0 0 0,-49-3 0 0 0,-51-1 0 0 0,-45-2 0 0 0,-39-1 0 0 0,-25 0 0 0 0,-26-1 0 0 0,-15 1 0 0 0,-9 0 0 0 0,-2-1 0 0 0,8 1 0 0 0,18 0 0 0 0,21 0 0 0 0,25 0 0 0 0,30 0 0 0 0,28 0 0 0 0,21 0 0 0 0,16 7 0 0 0,22 9 0 0 0,38 3 0 0 0,45-3 0 0 0,41 3 0 0 0,32-2 0 0 0,23-3 0 0 0,20-4 0 0 0,17-4 0 0 0,3-4 0 0 0,6-1 0 0 0,-4-1 0 0 0,-13 0 0 0 0,-16-1 0 0 0,-22 0 0 0 0,-29 0 0 0 0,-18 1 0 0 0,-20 0 0 0 0,-21 0 0 0 0</inkml:trace>
-</inkml:ink>
-</file>
-
-<file path=ppt/ink/ink15.xml><?xml version="1.0" encoding="utf-8"?>
-<inkml:ink xmlns:inkml="http://www.w3.org/2003/InkML">
-  <inkml:definitions>
-    <inkml:context xml:id="ctx0">
-      <inkml:inkSource xml:id="inkSrc0">
-        <inkml:traceFormat>
-          <inkml:channel name="X" type="integer" min="-2.14748E9" max="2.14748E9" units="cm"/>
-          <inkml:channel name="Y" type="integer" min="-2.14748E9" max="2.14748E9" units="cm"/>
-          <inkml:channel name="F" type="integer" max="32767" units="dev"/>
-          <inkml:channel name="OA" type="integer" max="360" units="deg"/>
-          <inkml:channel name="OE" type="integer" max="90" units="deg"/>
-        </inkml:traceFormat>
-        <inkml:channelProperties>
-          <inkml:channelProperty channel="X" name="resolution" value="1000" units="1/cm"/>
-          <inkml:channelProperty channel="Y" name="resolution" value="1000" units="1/cm"/>
-          <inkml:channelProperty channel="F" name="resolution" value="0" units="1/dev"/>
-          <inkml:channelProperty channel="OA" name="resolution" value="1000" units="1/deg"/>
-          <inkml:channelProperty channel="OE" name="resolution" value="1000" units="1/deg"/>
-        </inkml:channelProperties>
-      </inkml:inkSource>
-      <inkml:timestamp xml:id="ts0" timeString="2024-10-01T14:42:40.484"/>
-    </inkml:context>
-    <inkml:brush xml:id="br0">
-      <inkml:brushProperty name="width" value="0.35" units="cm"/>
-      <inkml:brushProperty name="height" value="0.35" units="cm"/>
-      <inkml:brushProperty name="color" value="#FFFFFF"/>
-    </inkml:brush>
-  </inkml:definitions>
-  <inkml:trace contextRef="#ctx0" brushRef="#br0">8313 18825 16383 0 0,'-7'0'0'0'0,"-3"7"0"0"0,1 9 0 0 0,9 9 0 0 0,18 8 0 0 0,28 4 0 0 0,40 11 0 0 0,41 3 0 0 0,48 1 0 0 0,36-1 0 0 0,46 3 0 0 0,42 1 0 0 0,33 5 0 0 0,30-1 0 0 0,31 3 0 0 0,12-1 0 0 0,-1 2 0 0 0,-11-2 0 0 0,-32-4 0 0 0,-35-6 0 0 0,-44-3 0 0 0,-50-11 0 0 0,-50-4 0 0 0,-49-8 0 0 0,-40-8 0 0 0,-50-7 0 0 0,-67-5 0 0 0,-72-4 0 0 0,-75-2 0 0 0,-86 0 0 0 0,-91-1 0 0 0,-62-6 0 0 0,-54-9 0 0 0,-38-9 0 0 0,-12 0 0 0 0,20 4 0 0 0,36 7 0 0 0,55 5 0 0 0,54 4 0 0 0,50 4 0 0 0,49 2 0 0 0,46 1 0 0 0,43 0 0 0 0,42 0 0 0 0,56 0 0 0 0,66-1 0 0 0,68 1 0 0 0,63-1 0 0 0,66 0 0 0 0,62 0 0 0 0,70 0 0 0 0,49 0 0 0 0,29 0 0 0 0,9 0 0 0 0,-4 0 0 0 0,-17 0 0 0 0,-26 0 0 0 0,-28 0 0 0 0,-23 0 0 0 0,-25 0 0 0 0,-26 0 0 0 0,-33 0 0 0 0,-41 0 0 0 0,-47 0 0 0 0,-43-7 0 0 0,-46-9 0 0 0,-46-10 0 0 0,-55-6 0 0 0,-69-5 0 0 0,-79-11 0 0 0,-98-18 0 0 0,-120-11 0 0 0,-103-22 0 0 0,-84-7 0 0 0,-80 0 0 0 0,-53 5 0 0 0,-8 18 0 0 0,24 17 0 0 0,40 13 0 0 0,73 15 0 0 0,87 14 0 0 0,90 11 0 0 0,88 8 0 0 0,79 5 0 0 0,76 2 0 0 0,62 1 0 0 0,57 0 0 0 0,59-1 0 0 0,59 7 0 0 0,67 2 0 0 0,69 5 0 0 0,93 1 0 0 0,81-3 0 0 0,61-4 0 0 0,64-3 0 0 0,46-4 0 0 0,29-1 0 0 0,1-2 0 0 0,-11 0 0 0 0,-24-1 0 0 0,-32 0 0 0 0,-47 1 0 0 0,-51-1 0 0 0,-45 1 0 0 0,-49 0 0 0 0,-50 0 0 0 0,-47 0 0 0 0,-54 0 0 0 0,-68 0 0 0 0,-77 0 0 0 0,-91-7 0 0 0,-88-9 0 0 0,-79-10 0 0 0,-90-6 0 0 0,-80-13 0 0 0,-52-5 0 0 0,-33 6 0 0 0,-15 10 0 0 0,2 11 0 0 0,33 10 0 0 0,40 6 0 0 0,33 5 0 0 0,35 3 0 0 0,39 1 0 0 0,41 0 0 0 0,41 0 0 0 0,49 0 0 0 0,45-1 0 0 0,41-1 0 0 0,41 8 0 0 0,32 8 0 0 0,30 9 0 0 0,38 8 0 0 0,43 4 0 0 0,65-4 0 0 0,73 0 0 0 0,92 9 0 0 0,87 3 0 0 0,81 8 0 0 0,82 3 0 0 0,59-2 0 0 0,31-10 0 0 0,12-12 0 0 0,0-12 0 0 0,-6-9 0 0 0,-21-6 0 0 0,-32-5 0 0 0,-41-1 0 0 0,-51-2 0 0 0,-54 1 0 0 0,-62 0 0 0 0,-60 0 0 0 0,-58 2 0 0 0,-54-1 0 0 0,-55 1 0 0 0,-69 0 0 0 0,-77 0 0 0 0,-98 0 0 0 0,-89 0 0 0 0,-79-7 0 0 0,-72-2 0 0 0,-52 0 0 0 0,-39 2 0 0 0,-17 2 0 0 0,-7 2 0 0 0,3 1 0 0 0,12 15 0 0 0,30 13 0 0 0,33 8 0 0 0,43 6 0 0 0,55 3 0 0 0,44 1 0 0 0,39-6 0 0 0,44-4 0 0 0,31 0 0 0 0,47 2 0 0 0,56-6 0 0 0,62-8 0 0 0,65-8 0 0 0,67-6 0 0 0,71-4 0 0 0,54-4 0 0 0,45 0 0 0 0,37-2 0 0 0,28 1 0 0 0,20-1 0 0 0,-4 1 0 0 0,-19 1 0 0 0,-34-1 0 0 0,-33 1 0 0 0,-35 0 0 0 0,-44 0 0 0 0,-47 0 0 0 0,-50 0 0 0 0,-47 0 0 0 0,-47-7 0 0 0,-51-9 0 0 0,-67-9 0 0 0,-63-1 0 0 0,-78-2 0 0 0,-128-10 0 0 0,-133-7 0 0 0,-97-9 0 0 0,-77-2 0 0 0,-41 8 0 0 0,-14 12 0 0 0,14 13 0 0 0,26 9 0 0 0,43 8 0 0 0,57 5 0 0 0,54 2 0 0 0,58 1 0 0 0,57 1 0 0 0,61-1 0 0 0,52 0 0 0 0,61 6 0 0 0,46 2 0 0 0,54-1 0 0 0,54-2 0 0 0,67-2 0 0 0,69-2 0 0 0,65-1 0 0 0,59-2 0 0 0,52 0 0 0 0,42 0 0 0 0,35-1 0 0 0,26 1 0 0 0,10 0 0 0 0,-6-1 0 0 0,-8 1 0 0 0,-25 0 0 0 0,-26 0 0 0 0,-28 0 0 0 0,-22 0 0 0 0,-33 0 0 0 0,-30 0 0 0 0,-24 0 0 0 0,-32 0 0 0 0,-36 0 0 0 0,-48 0 0 0 0,-58 0 0 0 0,-75 0 0 0 0,-77 0 0 0 0,-73 0 0 0 0,-79 0 0 0 0,-89-7 0 0 0,-81-9 0 0 0,-75-9 0 0 0,-46-8 0 0 0,-30 3 0 0 0,-5 6 0 0 0,3 6 0 0 0,42 8 0 0 0,53 4 0 0 0,65 4 0 0 0,72 2 0 0 0,72 1 0 0 0,73 1 0 0 0,61-1 0 0 0,52 7 0 0 0,60 9 0 0 0,60 2 0 0 0,71 4 0 0 0,86-1 0 0 0,86 2 0 0 0,77 4 0 0 0,82-2 0 0 0,76 1 0 0 0,56-4 0 0 0,39-6 0 0 0,29-6 0 0 0,14-4 0 0 0,-6-5 0 0 0,-30-1 0 0 0,-39-1 0 0 0,-41-2 0 0 0,-51 1 0 0 0,-53 0 0 0 0,-60 0 0 0 0,-52 1 0 0 0,-55 0 0 0 0,-47 0 0 0 0,-47 0 0 0 0,-40 0 0 0 0,-59 0 0 0 0,-64 0 0 0 0,-64 0 0 0 0,-72 0 0 0 0,-59-14 0 0 0,-62-12 0 0 0,-40-1 0 0 0,-21 4 0 0 0,-9 5 0 0 0,6 7 0 0 0,12 4 0 0 0,21 4 0 0 0,28 3 0 0 0,27 0 0 0 0,29 1 0 0 0,33 1 0 0 0,34-1 0 0 0,38-1 0 0 0,32 1 0 0 0,47-1 0 0 0,50 0 0 0 0,53 0 0 0 0,58 0 0 0 0,57 0 0 0 0,50 0 0 0 0,34 0 0 0 0,23 0 0 0 0,12 0 0 0 0,5 0 0 0 0,1 0 0 0 0,-8 0 0 0 0,-12 0 0 0 0,-19 0 0 0 0,-18 0 0 0 0,-22 0 0 0 0,-36 0 0 0 0,-34 0 0 0 0,-30 0 0 0 0,-27 0 0 0 0,-38 0 0 0 0,-41 0 0 0 0,-52-7 0 0 0,-62-2 0 0 0,-56-7 0 0 0,-64-1 0 0 0,-52-4 0 0 0,-35 2 0 0 0,-23 3 0 0 0,-3 5 0 0 0,5 4 0 0 0,9 4 0 0 0,17 1 0 0 0,17 2 0 0 0,22 1 0 0 0,28 7 0 0 0,25 2 0 0 0,34 7 0 0 0,40 0 0 0 0,36-3 0 0 0,35 4 0 0 0,42-2 0 0 0,53-4 0 0 0,56-3 0 0 0,63-3 0 0 0,47-4 0 0 0,47-1 0 0 0,31-1 0 0 0,10 0 0 0 0,14-1 0 0 0,4 0 0 0 0,0 1 0 0 0,-9-1 0 0 0,-6 1 0 0 0,-10-7 0 0 0,-17-2 0 0 0,-18-7 0 0 0,-15-1 0 0 0,-18 3 0 0 0,-24 4 0 0 0,-30 3 0 0 0,-34 3 0 0 0,-30-4 0 0 0,-39-2 0 0 0,-35 1 0 0 0,-34 3 0 0 0,-36 2 0 0 0,-44-6 0 0 0,-41-1 0 0 0,-32 2 0 0 0,-29 2 0 0 0,-10 2 0 0 0,-3 3 0 0 0,-2 0 0 0 0,14 2 0 0 0,21 0 0 0 0,26 1 0 0 0,32-1 0 0 0,29 0 0 0 0,45 1 0 0 0,43-1 0 0 0,51 0 0 0 0,52 0 0 0 0,44 0 0 0 0,26 0 0 0 0,12 0 0 0 0,3 0 0 0 0,-2 0 0 0 0,-11 0 0 0 0,-14 0 0 0 0,-19 0 0 0 0,-27 0 0 0 0,-18 0 0 0 0,-26 0 0 0 0</inkml:trace>
-</inkml:ink>
-</file>
-
-<file path=ppt/ink/ink16.xml><?xml version="1.0" encoding="utf-8"?>
-<inkml:ink xmlns:inkml="http://www.w3.org/2003/InkML">
-  <inkml:definitions>
-    <inkml:context xml:id="ctx0">
-      <inkml:inkSource xml:id="inkSrc0">
-        <inkml:traceFormat>
-          <inkml:channel name="X" type="integer" min="-2.14748E9" max="2.14748E9" units="cm"/>
-          <inkml:channel name="Y" type="integer" min="-2.14748E9" max="2.14748E9" units="cm"/>
-          <inkml:channel name="F" type="integer" max="32767" units="dev"/>
-          <inkml:channel name="OA" type="integer" max="360" units="deg"/>
-          <inkml:channel name="OE" type="integer" max="90" units="deg"/>
-        </inkml:traceFormat>
-        <inkml:channelProperties>
-          <inkml:channelProperty channel="X" name="resolution" value="1000" units="1/cm"/>
-          <inkml:channelProperty channel="Y" name="resolution" value="1000" units="1/cm"/>
-          <inkml:channelProperty channel="F" name="resolution" value="0" units="1/dev"/>
-          <inkml:channelProperty channel="OA" name="resolution" value="1000" units="1/deg"/>
-          <inkml:channelProperty channel="OE" name="resolution" value="1000" units="1/deg"/>
-        </inkml:channelProperties>
-      </inkml:inkSource>
-      <inkml:timestamp xml:id="ts0" timeString="2024-10-01T14:42:40.485"/>
-    </inkml:context>
-    <inkml:brush xml:id="br0">
-      <inkml:brushProperty name="width" value="0.35" units="cm"/>
-      <inkml:brushProperty name="height" value="0.35" units="cm"/>
-      <inkml:brushProperty name="color" value="#FFFFFF"/>
-    </inkml:brush>
-  </inkml:definitions>
-  <inkml:trace contextRef="#ctx0" brushRef="#br0">7021 18936 16383 0 0,'7'0'0'0'0,"10"0"0"0"0,8 0 0 0 0,7 0 0 0 0,6 0 0 0 0,2 0 0 0 0,3 0 0 0 0,7 0 0 0 0,2 0 0 0 0,7 0 0 0 0,14 0 0 0 0,8 0 0 0 0,12 0 0 0 0,18 0 0 0 0,19 0 0 0 0,21 0 0 0 0,21 0 0 0 0,9 0 0 0 0,15 0 0 0 0,3 0 0 0 0,10 0 0 0 0,11 0 0 0 0,10 0 0 0 0,9 0 0 0 0,-3 0 0 0 0,2 0 0 0 0,3 0 0 0 0,1 0 0 0 0,-12 0 0 0 0,-9 0 0 0 0,-9 0 0 0 0,-11 0 0 0 0,-5 0 0 0 0,-8 0 0 0 0,-7 0 0 0 0,-22 0 0 0 0,-22 0 0 0 0,-15 0 0 0 0,-13 0 0 0 0,-19 7 0 0 0,-17 3 0 0 0,-35-2 0 0 0,-38 0 0 0 0,-41-3 0 0 0,-33-2 0 0 0,-33-1 0 0 0,-40-2 0 0 0,-44 0 0 0 0,-46 0 0 0 0,-46 0 0 0 0,-37-1 0 0 0,-56-6 0 0 0,-41-3 0 0 0,-27-6 0 0 0,-7-7 0 0 0,2-1 0 0 0,21 5 0 0 0,35 5 0 0 0,35 5 0 0 0,43 4 0 0 0,34 3 0 0 0,35 2 0 0 0,47 1 0 0 0,49 0 0 0 0,44 0 0 0 0,47 0 0 0 0,47-1 0 0 0,39 1 0 0 0,37-1 0 0 0,22 0 0 0 0,9 0 0 0 0,17 0 0 0 0,18 0 0 0 0,14 0 0 0 0,12 0 0 0 0,20 0 0 0 0,16 0 0 0 0,10 0 0 0 0,6 0 0 0 0,10 0 0 0 0,9 0 0 0 0,2 0 0 0 0,3 0 0 0 0,-2 0 0 0 0,-5 0 0 0 0,-6 0 0 0 0,-12 0 0 0 0,-14 0 0 0 0,-17 0 0 0 0,-19 0 0 0 0,-15 0 0 0 0,-17 0 0 0 0,-23 0 0 0 0,-22 0 0 0 0,-17 0 0 0 0,-27 0 0 0 0,-33 0 0 0 0,-32 0 0 0 0,-31 0 0 0 0,-27 0 0 0 0,-26 0 0 0 0,-23 0 0 0 0,-15 0 0 0 0,-11 0 0 0 0,-13 0 0 0 0,-11 0 0 0 0,-9 0 0 0 0,-7 0 0 0 0,-4 0 0 0 0,-2 0 0 0 0,-1 0 0 0 0,1 0 0 0 0,7 0 0 0 0,17 0 0 0 0,25 0 0 0 0,26 0 0 0 0,22 0 0 0 0,29-7 0 0 0,37-3 0 0 0,45 2 0 0 0,38 0 0 0 0,40 3 0 0 0,43 2 0 0 0,34 1 0 0 0,20 2 0 0 0,22 0 0 0 0,13 0 0 0 0,12 0 0 0 0,4 1 0 0 0,5-1 0 0 0,-1 0 0 0 0,2 0 0 0 0,4 1 0 0 0,3-1 0 0 0,-3 0 0 0 0,-7 0 0 0 0,-14 0 0 0 0,-16 0 0 0 0,-21 0 0 0 0,-19 0 0 0 0,-16 7 0 0 0,-25 2 0 0 0,-26 0 0 0 0,-36-2 0 0 0,-47-2 0 0 0,-48-2 0 0 0,-44-1 0 0 0,-43-1 0 0 0,-43-1 0 0 0,-27-1 0 0 0,-16 1 0 0 0,1-1 0 0 0,0 1 0 0 0,2 0 0 0 0,-6 0 0 0 0,-1 0 0 0 0,0 0 0 0 0,10 0 0 0 0,11 0 0 0 0,11 0 0 0 0,23 0 0 0 0,24 0 0 0 0,30 0 0 0 0,24 0 0 0 0,21 0 0 0 0,27 0 0 0 0,33 0 0 0 0,53 0 0 0 0,53 0 0 0 0,50 0 0 0 0,34 0 0 0 0,27 0 0 0 0,27 0 0 0 0,20 0 0 0 0,23 0 0 0 0,4 0 0 0 0,2 0 0 0 0,-13 0 0 0 0,-18 0 0 0 0,-13 0 0 0 0,-12 0 0 0 0,-11 0 0 0 0,-16 0 0 0 0,-8 0 0 0 0,-10 0 0 0 0,-17 0 0 0 0,-23 0 0 0 0,-16 0 0 0 0,-24 0 0 0 0,-24 7 0 0 0,-19 2 0 0 0,-21 7 0 0 0,-19 7 0 0 0,-27 1 0 0 0,-22 2 0 0 0,-27 4 0 0 0,-27 4 0 0 0,-28-3 0 0 0,-24-1 0 0 0,-20 2 0 0 0,-18-4 0 0 0,-17-1 0 0 0,-12-4 0 0 0,-8-6 0 0 0,-18 1 0 0 0,-14-3 0 0 0,-3 3 0 0 0,6-1 0 0 0,6-4 0 0 0,13-3 0 0 0,23-5 0 0 0,29-2 0 0 0,28-2 0 0 0,22-1 0 0 0,24-1 0 0 0,33 0 0 0 0,40 1 0 0 0,50-1 0 0 0,40 1 0 0 0,36-8 0 0 0,33-1 0 0 0,27 0 0 0 0,13 2 0 0 0,9 2 0 0 0,1 2 0 0 0,-6 1 0 0 0,-6 1 0 0 0,-14 1 0 0 0,-14 1 0 0 0,-13-1 0 0 0,-16 0 0 0 0,-9 1 0 0 0,-10-1 0 0 0,-9 0 0 0 0,-14 0 0 0 0,-22 7 0 0 0,-35 3 0 0 0,-43 5 0 0 0,-41 2 0 0 0,-44-3 0 0 0,-48-4 0 0 0,-41-3 0 0 0,-30-3 0 0 0,-19-3 0 0 0,-12 0 0 0 0,-4-2 0 0 0,5 1 0 0 0,25-1 0 0 0,29 0 0 0 0,27 1 0 0 0,35 0 0 0 0,34 0 0 0 0,26-1 0 0 0,40 1 0 0 0,40 0 0 0 0,47 0 0 0 0,49 0 0 0 0,50 1 0 0 0,41-1 0 0 0,29 0 0 0 0,20 0 0 0 0,3 0 0 0 0,-5 0 0 0 0,-8 0 0 0 0,-8 0 0 0 0,-15 0 0 0 0,-14 0 0 0 0,-27 0 0 0 0,-27 0 0 0 0,-18 7 0 0 0,-21 2 0 0 0,-22 0 0 0 0,-18 5 0 0 0,-25 0 0 0 0,-27-2 0 0 0,-36 4 0 0 0,-28-1 0 0 0,-18-3 0 0 0,-4-3 0 0 0,-4 3 0 0 0,6 1 0 0 0,8-3 0 0 0,1-3 0 0 0,4-3 0 0 0,14-1 0 0 0</inkml:trace>
-</inkml:ink>
-</file>
-
-<file path=ppt/ink/ink17.xml><?xml version="1.0" encoding="utf-8"?>
-<inkml:ink xmlns:inkml="http://www.w3.org/2003/InkML">
-  <inkml:definitions>
-    <inkml:context xml:id="ctx0">
-      <inkml:inkSource xml:id="inkSrc0">
-        <inkml:traceFormat>
-          <inkml:channel name="X" type="integer" min="-2.14748E9" max="2.14748E9" units="cm"/>
-          <inkml:channel name="Y" type="integer" min="-2.14748E9" max="2.14748E9" units="cm"/>
-          <inkml:channel name="F" type="integer" max="32767" units="dev"/>
-          <inkml:channel name="OA" type="integer" max="360" units="deg"/>
-          <inkml:channel name="OE" type="integer" max="90" units="deg"/>
-        </inkml:traceFormat>
-        <inkml:channelProperties>
-          <inkml:channelProperty channel="X" name="resolution" value="1000" units="1/cm"/>
-          <inkml:channelProperty channel="Y" name="resolution" value="1000" units="1/cm"/>
-          <inkml:channelProperty channel="F" name="resolution" value="0" units="1/dev"/>
-          <inkml:channelProperty channel="OA" name="resolution" value="1000" units="1/deg"/>
-          <inkml:channelProperty channel="OE" name="resolution" value="1000" units="1/deg"/>
-        </inkml:channelProperties>
-      </inkml:inkSource>
-      <inkml:timestamp xml:id="ts0" timeString="2024-10-01T14:42:40.486"/>
-    </inkml:context>
-    <inkml:brush xml:id="br0">
-      <inkml:brushProperty name="width" value="0.35" units="cm"/>
-      <inkml:brushProperty name="height" value="0.35" units="cm"/>
-      <inkml:brushProperty name="color" value="#FFFFFF"/>
-    </inkml:brush>
-  </inkml:definitions>
-  <inkml:trace contextRef="#ctx0" brushRef="#br0">7011 18971 16383 0 0,'14'0'0'0'0,"19"0"0"0"0,25 0 0 0 0,23 0 0 0 0,33 0 0 0 0,32 0 0 0 0,27 0 0 0 0,25 0 0 0 0,29 0 0 0 0,25 0 0 0 0,11 0 0 0 0,3 0 0 0 0,-9 0 0 0 0,-5 0 0 0 0,-11 0 0 0 0,-12 0 0 0 0,-16 0 0 0 0,-23 0 0 0 0,-24 7 0 0 0,-25 2 0 0 0,-30 0 0 0 0,-20-2 0 0 0,-32-2 0 0 0,-40-2 0 0 0,-31-1 0 0 0,-27-1 0 0 0,-28-1 0 0 0,-23-1 0 0 0,-25 1 0 0 0,-21 0 0 0 0,-15-1 0 0 0,-10 1 0 0 0,-20 0 0 0 0,-21 0 0 0 0,-11 0 0 0 0,-5 0 0 0 0,7 0 0 0 0,11 0 0 0 0,12 0 0 0 0,24 0 0 0 0,25 7 0 0 0,23 2 0 0 0,17 0 0 0 0,11-2 0 0 0,13-2 0 0 0,27-1 0 0 0,36-3 0 0 0,33 0 0 0 0,35-1 0 0 0,35 0 0 0 0,31-1 0 0 0,22 1 0 0 0,30-1 0 0 0,26 1 0 0 0,21 0 0 0 0,23 0 0 0 0,5 0 0 0 0,1 0 0 0 0,-13 0 0 0 0,-18 0 0 0 0,-34 0 0 0 0,-33 0 0 0 0,-29 0 0 0 0,-56 0 0 0 0,-68 0 0 0 0,-61 0 0 0 0,-63 0 0 0 0,-59 0 0 0 0,-47 0 0 0 0,-48 0 0 0 0,-46 0 0 0 0,-31 0 0 0 0,-25 0 0 0 0,3 0 0 0 0,10 0 0 0 0,25 0 0 0 0,36 0 0 0 0,42 0 0 0 0,46 0 0 0 0,45 0 0 0 0,66 0 0 0 0,74 0 0 0 0,69 0 0 0 0,72 0 0 0 0,66 0 0 0 0,46 0 0 0 0,20 0 0 0 0,20 0 0 0 0,7 0 0 0 0,0 0 0 0 0,-9 0 0 0 0,-21 0 0 0 0,-30 0 0 0 0,-28 0 0 0 0,-31 0 0 0 0,-26 0 0 0 0,-26 0 0 0 0,-23 0 0 0 0,-24 0 0 0 0</inkml:trace>
-</inkml:ink>
-</file>
-
-<file path=ppt/ink/ink2.xml><?xml version="1.0" encoding="utf-8"?>
-<inkml:ink xmlns:inkml="http://www.w3.org/2003/InkML">
-  <inkml:definitions>
-    <inkml:context xml:id="ctx0">
-      <inkml:inkSource xml:id="inkSrc0">
-        <inkml:traceFormat>
-          <inkml:channel name="X" type="integer" min="-2.14748E9" max="2.14748E9" units="cm"/>
-          <inkml:channel name="Y" type="integer" min="-2.14748E9" max="2.14748E9" units="cm"/>
-          <inkml:channel name="F" type="integer" max="32767" units="dev"/>
-          <inkml:channel name="OA" type="integer" max="360" units="deg"/>
-          <inkml:channel name="OE" type="integer" max="90" units="deg"/>
-        </inkml:traceFormat>
-        <inkml:channelProperties>
-          <inkml:channelProperty channel="X" name="resolution" value="1000" units="1/cm"/>
-          <inkml:channelProperty channel="Y" name="resolution" value="1000" units="1/cm"/>
-          <inkml:channelProperty channel="F" name="resolution" value="0" units="1/dev"/>
-          <inkml:channelProperty channel="OA" name="resolution" value="1000" units="1/deg"/>
-          <inkml:channelProperty channel="OE" name="resolution" value="1000" units="1/deg"/>
-        </inkml:channelProperties>
-      </inkml:inkSource>
-      <inkml:timestamp xml:id="ts0" timeString="2024-10-01T14:42:40.461"/>
-    </inkml:context>
-    <inkml:brush xml:id="br0">
-      <inkml:brushProperty name="width" value="0.35" units="cm"/>
-      <inkml:brushProperty name="height" value="0.35" units="cm"/>
-      <inkml:brushProperty name="color" value="#FFFFFF"/>
-    </inkml:brush>
-  </inkml:definitions>
-  <inkml:trace contextRef="#ctx0" brushRef="#br0">7082 18814 16383 0 0,'14'0'0'0'0,"18"0"0"0"0,19 0 0 0 0,28 0 0 0 0,21 0 0 0 0,23 0 0 0 0,17 0 0 0 0,14 0 0 0 0,22 0 0 0 0,24 0 0 0 0,27 0 0 0 0,16 0 0 0 0,9 0 0 0 0,-9 0 0 0 0,-5 0 0 0 0,-8 0 0 0 0,-7 0 0 0 0,-8 0 0 0 0,-4 0 0 0 0,-17 0 0 0 0,-14 0 0 0 0,-24 0 0 0 0,-23 0 0 0 0,-22 0 0 0 0,-14 0 0 0 0,-18 0 0 0 0,-14 0 0 0 0,-26 0 0 0 0,-34 0 0 0 0,-38 0 0 0 0,-35 0 0 0 0,-33 0 0 0 0,-36 0 0 0 0,-28 0 0 0 0,-22 0 0 0 0,-14 0 0 0 0,-22 0 0 0 0,-30 0 0 0 0,-26 0 0 0 0,-24 0 0 0 0,-8 0 0 0 0,-1 0 0 0 0,11 0 0 0 0,22 0 0 0 0,22 0 0 0 0,28 0 0 0 0,24 0 0 0 0,26 0 0 0 0,23 0 0 0 0,24 0 0 0 0,26 0 0 0 0,26 0 0 0 0,32 0 0 0 0,39 0 0 0 0,42 0 0 0 0,36 0 0 0 0,35 0 0 0 0,34 0 0 0 0,36 0 0 0 0,31 0 0 0 0,29 0 0 0 0,31 0 0 0 0,27 0 0 0 0,12 0 0 0 0,11 0 0 0 0,8 0 0 0 0,-9 0 0 0 0,-15 0 0 0 0,-18 0 0 0 0,-13 0 0 0 0,-11 0 0 0 0,-14 0 0 0 0,-20 0 0 0 0,-20 0 0 0 0,-30 0 0 0 0,-31 0 0 0 0,-19 0 0 0 0,-22 0 0 0 0,-44 0 0 0 0,-51 0 0 0 0,-56 0 0 0 0,-53 0 0 0 0,-46 0 0 0 0,-24 0 0 0 0,-18 0 0 0 0,-12 0 0 0 0,0 0 0 0 0,1 0 0 0 0,-2 0 0 0 0,7 0 0 0 0,8 0 0 0 0,9 0 0 0 0,6 0 0 0 0,13 0 0 0 0,4 0 0 0 0,9 0 0 0 0,9 0 0 0 0,13 0 0 0 0,21 0 0 0 0,15 0 0 0 0,15 0 0 0 0,7 0 0 0 0,8 0 0 0 0,6 0 0 0 0,7 0 0 0 0,24 0 0 0 0,31 0 0 0 0,34 0 0 0 0,32 0 0 0 0,31 0 0 0 0,33 0 0 0 0,27 0 0 0 0,29 0 0 0 0,16 0 0 0 0,0 0 0 0 0,-1 0 0 0 0,-7 0 0 0 0,-17 0 0 0 0,-26 0 0 0 0,-34 0 0 0 0,-23 0 0 0 0,-43 0 0 0 0,-53 0 0 0 0,-55 0 0 0 0,-55 0 0 0 0,-65 0 0 0 0,-61 0 0 0 0,-39 0 0 0 0,-24 0 0 0 0,-11 0 0 0 0,-3 7 0 0 0,9 3 0 0 0,27-2 0 0 0,24 7 0 0 0,20-1 0 0 0,20-2 0 0 0,17 4 0 0 0,20-1 0 0 0,25 4 0 0 0,22-1 0 0 0,20 3 0 0 0,40-1 0 0 0,45-5 0 0 0,53 2 0 0 0,43-1 0 0 0,42-4 0 0 0,44-4 0 0 0,28-3 0 0 0,30-3 0 0 0,21-1 0 0 0,24-1 0 0 0,23-1 0 0 0,18 0 0 0 0,7 8 0 0 0,-3 1 0 0 0,-11 1 0 0 0,-15-2 0 0 0,-14-2 0 0 0,-12-2 0 0 0,-21-1 0 0 0,-30-2 0 0 0,-31 8 0 0 0,-30 1 0 0 0,-34-1 0 0 0,-30-1 0 0 0,-35-2 0 0 0,-34-2 0 0 0,-39-2 0 0 0,-38 0 0 0 0,-36-1 0 0 0,-36-1 0 0 0,-24 1 0 0 0,-13 0 0 0 0,-5-1 0 0 0,-15 1 0 0 0,-17 0 0 0 0,-15 0 0 0 0,-19 0 0 0 0,-17 0 0 0 0,0 0 0 0 0,2 0 0 0 0,3 0 0 0 0,16 0 0 0 0,21 0 0 0 0,20 0 0 0 0,28 0 0 0 0,30 0 0 0 0,23 7 0 0 0,26 2 0 0 0,41 0 0 0 0,51-2 0 0 0,52-1 0 0 0,46-3 0 0 0,33-2 0 0 0,37 0 0 0 0,31-1 0 0 0,23 0 0 0 0,23-1 0 0 0,26 1 0 0 0,22 0 0 0 0,17-1 0 0 0,12 1 0 0 0,0 0 0 0 0,-14 0 0 0 0,-17 0 0 0 0,-16 0 0 0 0,-20 0 0 0 0,-26 0 0 0 0,-31 0 0 0 0,-22 0 0 0 0,-27 0 0 0 0,-18 0 0 0 0,-24 0 0 0 0,-18 0 0 0 0,-16 0 0 0 0,-28 0 0 0 0,-51 0 0 0 0,-66 0 0 0 0,-84 0 0 0 0,-73 0 0 0 0,-88 0 0 0 0,-68 0 0 0 0,-46 0 0 0 0,-13 0 0 0 0,13 0 0 0 0,22 0 0 0 0,39 0 0 0 0,55 7 0 0 0,51 3 0 0 0,50 6 0 0 0,39 7 0 0 0,43 0 0 0 0,36-3 0 0 0,27-6 0 0 0,25 1 0 0 0,34 0 0 0 0,39-4 0 0 0,35-4 0 0 0,42 4 0 0 0,30 1 0 0 0,27-2 0 0 0,14-3 0 0 0,10-3 0 0 0,10-1 0 0 0,5-2 0 0 0,10-1 0 0 0,11-1 0 0 0,9 1 0 0 0,7-1 0 0 0,-3 1 0 0 0,1 0 0 0 0,-6 0 0 0 0,0-1 0 0 0,-5 1 0 0 0,-5 0 0 0 0,-14 0 0 0 0,-14 0 0 0 0,-18 0 0 0 0,-20 0 0 0 0,-21 0 0 0 0,-27 0 0 0 0,-19 0 0 0 0,-30 0 0 0 0,-41 0 0 0 0,-51 0 0 0 0,-48 0 0 0 0,-53 0 0 0 0,-38 0 0 0 0,-26 0 0 0 0,-7 0 0 0 0,3 0 0 0 0,8 0 0 0 0,8 0 0 0 0,15 0 0 0 0,23 0 0 0 0,21 0 0 0 0,19 0 0 0 0,20 0 0 0 0,18 0 0 0 0,35 0 0 0 0,30-7 0 0 0,37-2 0 0 0,27-7 0 0 0,24 0 0 0 0,12 2 0 0 0,17-4 0 0 0,11 2 0 0 0,13-3 0 0 0,10-7 0 0 0,2-4 0 0 0,3 1 0 0 0,-3 7 0 0 0,2 0 0 0 0,-12 3 0 0 0,-8-1 0 0 0,-12 1 0 0 0,-20-1 0 0 0,-19 1 0 0 0,-16 5 0 0 0,-20-3 0 0 0,-23 2 0 0 0,-30 3 0 0 0,-42-3 0 0 0,-53-6 0 0 0,-59-7 0 0 0,-43-5 0 0 0,-44 3 0 0 0,-20 6 0 0 0,-7 7 0 0 0,9 8 0 0 0,15 3 0 0 0,22 5 0 0 0,29 1 0 0 0,36 1 0 0 0,38 1 0 0 0,35-1 0 0 0,25 0 0 0 0,39 0 0 0 0,38-1 0 0 0,25 0 0 0 0,20 0 0 0 0,15 0 0 0 0,17 0 0 0 0,1 0 0 0 0,0 0 0 0 0,-2 0 0 0 0,0 0 0 0 0,6 0 0 0 0,-6 0 0 0 0,-2 0 0 0 0,-10 0 0 0 0,-2 0 0 0 0,-6 0 0 0 0,-8 0 0 0 0,-6 0 0 0 0,-26 0 0 0 0,-38 0 0 0 0,-38 0 0 0 0,-31 0 0 0 0,-16 0 0 0 0,-6 0 0 0 0,2 0 0 0 0,11 0 0 0 0,13 0 0 0 0,28 0 0 0 0,29 0 0 0 0,32 0 0 0 0,35 0 0 0 0,31 0 0 0 0,16 0 0 0 0,7 0 0 0 0,0 0 0 0 0,-3 0 0 0 0,-4 0 0 0 0,-3 0 0 0 0,-11 0 0 0 0,-4 0 0 0 0,-8 0 0 0 0,-9 0 0 0 0,-7 0 0 0 0,-4 0 0 0 0,-5 0 0 0 0,-1 0 0 0 0,-1 0 0 0 0,-1 0 0 0 0,1 0 0 0 0,0 0 0 0 0,1 0 0 0 0,-1 0 0 0 0,1 0 0 0 0,-6 0 0 0 0</inkml:trace>
-</inkml:ink>
-</file>
-
-<file path=ppt/ink/ink3.xml><?xml version="1.0" encoding="utf-8"?>
-<inkml:ink xmlns:inkml="http://www.w3.org/2003/InkML">
-  <inkml:definitions>
-    <inkml:context xml:id="ctx0">
-      <inkml:inkSource xml:id="inkSrc0">
-        <inkml:traceFormat>
-          <inkml:channel name="X" type="integer" min="-2.14748E9" max="2.14748E9" units="cm"/>
-          <inkml:channel name="Y" type="integer" min="-2.14748E9" max="2.14748E9" units="cm"/>
-          <inkml:channel name="F" type="integer" max="32767" units="dev"/>
-          <inkml:channel name="OA" type="integer" max="360" units="deg"/>
-          <inkml:channel name="OE" type="integer" max="90" units="deg"/>
-        </inkml:traceFormat>
-        <inkml:channelProperties>
-          <inkml:channelProperty channel="X" name="resolution" value="1000" units="1/cm"/>
-          <inkml:channelProperty channel="Y" name="resolution" value="1000" units="1/cm"/>
-          <inkml:channelProperty channel="F" name="resolution" value="0" units="1/dev"/>
-          <inkml:channelProperty channel="OA" name="resolution" value="1000" units="1/deg"/>
-          <inkml:channelProperty channel="OE" name="resolution" value="1000" units="1/deg"/>
-        </inkml:channelProperties>
-      </inkml:inkSource>
-      <inkml:timestamp xml:id="ts0" timeString="2024-10-01T14:42:40.477"/>
-    </inkml:context>
-    <inkml:brush xml:id="br0">
-      <inkml:brushProperty name="width" value="0.1" units="cm"/>
-      <inkml:brushProperty name="height" value="0.1" units="cm"/>
-      <inkml:brushProperty name="color" value="#FFFFFF"/>
-    </inkml:brush>
-  </inkml:definitions>
-  <inkml:trace contextRef="#ctx0" brushRef="#br0">8240 19232 16383 0 0,'7'0'0'0'0,"10"0"0"0"0,8 0 0 0 0,0 7 0 0 0,3 3 0 0 0,11-1 0 0 0,6-2 0 0 0,2-2 0 0 0,7-2 0 0 0,8-1 0 0 0,8-2 0 0 0,6 1 0 0 0,11-2 0 0 0,12 1 0 0 0,10-1 0 0 0,14 1 0 0 0,8 0 0 0 0,3 0 0 0 0,5 0 0 0 0,9 0 0 0 0,-1 0 0 0 0,-4 0 0 0 0,-12 0 0 0 0,-1 0 0 0 0,-8 0 0 0 0,-4 0 0 0 0,0 0 0 0 0,-1 0 0 0 0,-5 0 0 0 0,-14 0 0 0 0,-11 0 0 0 0,-13 0 0 0 0,-4 0 0 0 0,-8 0 0 0 0,0 7 0 0 0,-4 2 0 0 0,-4 0 0 0 0,-5-2 0 0 0,-4-2 0 0 0,-9 5 0 0 0,-4 1 0 0 0,0-1 0 0 0,1-3 0 0 0,3-2 0 0 0,1 5 0 0 0,2 0 0 0 0,1 0 0 0 0,1 4 0 0 0,1 0 0 0 0,-1-3 0 0 0,-13-2 0 0 0,-19-4 0 0 0,-32-2 0 0 0,-26-2 0 0 0,-26-1 0 0 0,-21 0 0 0 0,-29-8 0 0 0,-22-1 0 0 0,-27-8 0 0 0,-20 0 0 0 0,-19-11 0 0 0,-22-1 0 0 0,-6 4 0 0 0,-11 7 0 0 0,-5 6 0 0 0,-1 6 0 0 0,15 3 0 0 0,15 2 0 0 0,10 2 0 0 0,8 0 0 0 0,4 0 0 0 0,9 0 0 0 0,10 0 0 0 0,23 0 0 0 0,18-1 0 0 0,13 0 0 0 0,15 0 0 0 0,21 0 0 0 0,12 0 0 0 0,14 0 0 0 0,12 0 0 0 0,24 0 0 0 0,23 0 0 0 0,22 0 0 0 0,23 0 0 0 0,20-7 0 0 0,22-3 0 0 0,19 1 0 0 0,22 2 0 0 0,19 2 0 0 0,14 2 0 0 0,11 1 0 0 0,5 2 0 0 0,18 0 0 0 0,26 0 0 0 0,19 0 0 0 0,21 1 0 0 0,10-1 0 0 0,2 0 0 0 0,-7 0 0 0 0,9 1 0 0 0,1-1 0 0 0,6 0 0 0 0,-2 0 0 0 0,-4 0 0 0 0,-5 0 0 0 0,-11 0 0 0 0,-27-1 0 0 0,-16 1 0 0 0,-15 0 0 0 0,-18 0 0 0 0,-18 0 0 0 0,-7 0 0 0 0,-7 7 0 0 0,-14 3 0 0 0,-14-1 0 0 0,-19-2 0 0 0,-11-2 0 0 0,-13-2 0 0 0,-11-1 0 0 0,-8-2 0 0 0,-20 1 0 0 0,-22-2 0 0 0,-19 1 0 0 0,-23-1 0 0 0,-25 1 0 0 0,-24 0 0 0 0,-27 0 0 0 0,-14 0 0 0 0,-16 0 0 0 0,-25 0 0 0 0,-26 0 0 0 0,-31 0 0 0 0,-26 0 0 0 0,-13 0 0 0 0,-11 0 0 0 0,5 0 0 0 0,0 0 0 0 0,9 0 0 0 0,7 0 0 0 0,4 0 0 0 0,9 0 0 0 0,10 0 0 0 0,8 0 0 0 0,22 0 0 0 0,22 0 0 0 0,13-7 0 0 0,21-3 0 0 0,13 1 0 0 0,15 2 0 0 0,20-5 0 0 0,32 0 0 0 0,41 1 0 0 0,52 3 0 0 0,42 3 0 0 0,37 2 0 0 0,27 2 0 0 0,33 1 0 0 0,29 0 0 0 0,30 1 0 0 0,40-1 0 0 0,36 1 0 0 0,23-1 0 0 0,26 0 0 0 0,8 0 0 0 0,-1 0 0 0 0,-12 0 0 0 0,-10 0 0 0 0,-21 0 0 0 0,-22 7 0 0 0,-19 3 0 0 0,-15 6 0 0 0,-24 0 0 0 0,-31-2 0 0 0,-30 3 0 0 0,-24-1 0 0 0,-31-3 0 0 0,-29-4 0 0 0,-38-4 0 0 0,-41-2 0 0 0,-38-2 0 0 0,-29-1 0 0 0,-33 0 0 0 0,-23-1 0 0 0,-22 0 0 0 0,-15 1 0 0 0,-19-1 0 0 0,-23 1 0 0 0,-29 0 0 0 0,-26 0 0 0 0,-22 0 0 0 0,-14 0 0 0 0,-16 0 0 0 0,-20 0 0 0 0,-14 0 0 0 0,-13 0 0 0 0,-12 0 0 0 0,5 0 0 0 0,13 0 0 0 0,14 0 0 0 0,14 0 0 0 0,23 0 0 0 0,32 0 0 0 0,32 0 0 0 0,39 0 0 0 0,29 0 0 0 0,34 0 0 0 0,44 0 0 0 0,49 0 0 0 0,42 0 0 0 0,48 0 0 0 0,33-7 0 0 0,28-2 0 0 0,28 0 0 0 0,30 2 0 0 0,26 1 0 0 0,20 3 0 0 0,13 2 0 0 0,6 0 0 0 0,12 1 0 0 0,10 0 0 0 0,1 1 0 0 0,10-1 0 0 0,7 0 0 0 0,4 1 0 0 0,1-1 0 0 0,-8 0 0 0 0,-9 0 0 0 0,-18 0 0 0 0,-16 0 0 0 0,-22 7 0 0 0,-28 2 0 0 0,-25 0 0 0 0,-26 5 0 0 0,-25 1 0 0 0,-23-3 0 0 0,-36-4 0 0 0,-48-2 0 0 0,-46-3 0 0 0,-60-1 0 0 0,-55-2 0 0 0,-50 0 0 0 0,-41-1 0 0 0,-42 0 0 0 0,-42-6 0 0 0,-36-10 0 0 0,-40-1 0 0 0,-29-5 0 0 0,-32-6 0 0 0,-7-5 0 0 0,13 4 0 0 0,28 7 0 0 0,32 7 0 0 0,41 6 0 0 0,39 5 0 0 0,32 4 0 0 0,36 1 0 0 0,40 1 0 0 0,42 0 0 0 0,34 1 0 0 0,56-1 0 0 0,60 0 0 0 0,77-1 0 0 0,70 0 0 0 0,54 0 0 0 0,39 0 0 0 0,31 0 0 0 0,14 0 0 0 0,11 0 0 0 0,7 0 0 0 0,5 0 0 0 0,1 0 0 0 0,8 0 0 0 0,2 0 0 0 0,6 0 0 0 0,-1 0 0 0 0,-9 0 0 0 0,-21 0 0 0 0,-29 0 0 0 0,-14 0 0 0 0,-20 0 0 0 0,-17 0 0 0 0,-14 0 0 0 0,-17 0 0 0 0,-29 0 0 0 0,-24 0 0 0 0,-25 0 0 0 0,-33 0 0 0 0,-40 0 0 0 0,-43 0 0 0 0,-46 0 0 0 0,-44 0 0 0 0,-44 0 0 0 0,-44 0 0 0 0,-21 0 0 0 0,-29 0 0 0 0,-12 0 0 0 0,-9 0 0 0 0,-14 0 0 0 0,-27 0 0 0 0,-9 0 0 0 0,3 0 0 0 0,7 0 0 0 0,16 0 0 0 0,31 0 0 0 0,27 0 0 0 0,19 0 0 0 0,27 0 0 0 0,34 0 0 0 0,30 0 0 0 0,52 0 0 0 0,54 0 0 0 0,60 0 0 0 0,66 0 0 0 0,66 0 0 0 0,54 0 0 0 0,46 0 0 0 0,34 0 0 0 0,16 0 0 0 0,10 0 0 0 0,14 0 0 0 0,11 0 0 0 0,-3 0 0 0 0,2 0 0 0 0,-2 0 0 0 0,-4 0 0 0 0,-11 0 0 0 0,-5 0 0 0 0,-17 0 0 0 0,-11 0 0 0 0,-15 0 0 0 0,-27 0 0 0 0,-22 0 0 0 0,-30 0 0 0 0,-28 0 0 0 0,-31 0 0 0 0,-32 0 0 0 0,-43 0 0 0 0,-47 0 0 0 0,-56 0 0 0 0,-50 0 0 0 0,-60 0 0 0 0,-47 0 0 0 0,-56 0 0 0 0,-48 0 0 0 0,-44 0 0 0 0,-35-7 0 0 0,-32-2 0 0 0,-37 0 0 0 0,-28 2 0 0 0,-11 2 0 0 0,-8 1 0 0 0,2 3 0 0 0,13 0 0 0 0,32 1 0 0 0,42 0 0 0 0,40 1 0 0 0,38-1 0 0 0,47 0 0 0 0,42 1 0 0 0,32-1 0 0 0,43 0 0 0 0,42 0 0 0 0,34 0 0 0 0,44 0 0 0 0,50 0 0 0 0,51 0 0 0 0,50 0 0 0 0,48 0 0 0 0,45 0 0 0 0,37 0 0 0 0,33 0 0 0 0,47 0 0 0 0,46 0 0 0 0,29 0 0 0 0,12 0 0 0 0,11 0 0 0 0,13 0 0 0 0,-12 0 0 0 0,-15 0 0 0 0,-20 0 0 0 0,-27 0 0 0 0,-25 0 0 0 0,-28 0 0 0 0,-38 0 0 0 0,-37 0 0 0 0,-30 0 0 0 0,-27 0 0 0 0,-31 0 0 0 0,-32 0 0 0 0,-49 0 0 0 0,-57 0 0 0 0,-64 0 0 0 0,-71 0 0 0 0,-56 0 0 0 0,-52 0 0 0 0,-43 0 0 0 0,-50 0 0 0 0,-39 0 0 0 0,-35 0 0 0 0,-17 0 0 0 0,-16 0 0 0 0,4 0 0 0 0,6 0 0 0 0,12 0 0 0 0,14 0 0 0 0,32 0 0 0 0,31 0 0 0 0,30 0 0 0 0,25 0 0 0 0,34 0 0 0 0,30 0 0 0 0,32 0 0 0 0,33 0 0 0 0,36 0 0 0 0,31 0 0 0 0,45 0 0 0 0,50 0 0 0 0,44 0 0 0 0,50 0 0 0 0,48-7 0 0 0,41-3 0 0 0,31 2 0 0 0,26 0 0 0 0,13 3 0 0 0,4 2 0 0 0,6 1 0 0 0,14 2 0 0 0,13 0 0 0 0,13 0 0 0 0,3 0 0 0 0,-4 1 0 0 0,-12-1 0 0 0,-14 0 0 0 0,-21 1 0 0 0,-27-1 0 0 0,-26 0 0 0 0,-20 0 0 0 0,-21 0 0 0 0,-26 0 0 0 0,-30 0 0 0 0,-27 0 0 0 0,-29-7 0 0 0,-30-3 0 0 0,-34 1 0 0 0,-30 2 0 0 0,-44 2 0 0 0,-57-5 0 0 0,-89-8 0 0 0,-90-15 0 0 0,-90-16 0 0 0,-59-6 0 0 0,-49-16 0 0 0,-35-1 0 0 0,-29-4 0 0 0,-7 5 0 0 0,5 7 0 0 0,17 7 0 0 0,34 14 0 0 0,51 14 0 0 0,58 12 0 0 0,59 8 0 0 0,63 7 0 0 0,60 3 0 0 0,58 1 0 0 0,52 1 0 0 0,49 7 0 0 0,51 1 0 0 0,52 6 0 0 0,56 0 0 0 0,58 5 0 0 0,55 5 0 0 0,50 4 0 0 0,47 6 0 0 0,31-5 0 0 0,31-8 0 0 0,25 0 0 0 0,6 2 0 0 0,1-3 0 0 0,-2-5 0 0 0,-3 0 0 0 0,-16-1 0 0 0,-14-5 0 0 0,-24-4 0 0 0,-17-3 0 0 0,-20-3 0 0 0,-23-2 0 0 0,-22 0 0 0 0,-23-1 0 0 0,-22 0 0 0 0,-22 1 0 0 0,-28-1 0 0 0,-32 1 0 0 0,-20 0 0 0 0,-21 0 0 0 0,-29 0 0 0 0,-37 0 0 0 0,-33 0 0 0 0,-33 0 0 0 0,-29 7 0 0 0,-27 2 0 0 0,-22 0 0 0 0,-23-2 0 0 0,-20-2 0 0 0,-21-2 0 0 0,-19-1 0 0 0,-14-1 0 0 0,-17-1 0 0 0,-14 6 0 0 0,-5 3 0 0 0,1 0 0 0 0,4 5 0 0 0,13 7 0 0 0,6 0 0 0 0,17-3 0 0 0,19 2 0 0 0,24-3 0 0 0,30-3 0 0 0,26-5 0 0 0,29-4 0 0 0,46-2 0 0 0,45-2 0 0 0,53-2 0 0 0,53 1 0 0 0,60-1 0 0 0,45 0 0 0 0,44 0 0 0 0,37 1 0 0 0,33 0 0 0 0,19 0 0 0 0,15 0 0 0 0,12 0 0 0 0,14 0 0 0 0,0 0 0 0 0,-9 0 0 0 0,-3 0 0 0 0,-15 0 0 0 0,-24 0 0 0 0,-19 0 0 0 0,-26 0 0 0 0,-25 0 0 0 0,-36 0 0 0 0,-26 0 0 0 0,-33 0 0 0 0,-36 0 0 0 0,-60 0 0 0 0,-83 0 0 0 0,-81 0 0 0 0,-79 0 0 0 0,-72 0 0 0 0,-57 0 0 0 0,-45 0 0 0 0,-27 0 0 0 0,-25 0 0 0 0,-22 0 0 0 0,-14 0 0 0 0,-3 0 0 0 0,11 0 0 0 0,16 7 0 0 0,30 2 0 0 0,32 7 0 0 0,26 1 0 0 0,28 4 0 0 0,37-2 0 0 0,35 4 0 0 0,36-3 0 0 0,43 3 0 0 0,41-3 0 0 0,31-5 0 0 0,43-4 0 0 0,49-5 0 0 0,43-3 0 0 0,40-3 0 0 0,45 0 0 0 0,48-1 0 0 0,40 0 0 0 0,38 0 0 0 0,43 1 0 0 0,31-1 0 0 0,15 1 0 0 0,2 0 0 0 0,-4 0 0 0 0,-6 0 0 0 0,-14 0 0 0 0,-14 0 0 0 0,-13 0 0 0 0,-16 0 0 0 0,-24 0 0 0 0,-28 0 0 0 0,-21 0 0 0 0,-19 0 0 0 0,-23 0 0 0 0,-27 0 0 0 0,-32 0 0 0 0,-30 0 0 0 0,-43 0 0 0 0,-50 0 0 0 0,-53 0 0 0 0,-44-7 0 0 0,-61-2 0 0 0,-52 0 0 0 0,-39 2 0 0 0,-24-5 0 0 0,-22-1 0 0 0,-23 2 0 0 0,-5 4 0 0 0,-10 2 0 0 0,-4 2 0 0 0,0 1 0 0 0,3 2 0 0 0,9 0 0 0 0,12 1 0 0 0,18-1 0 0 0,32 1 0 0 0,33-1 0 0 0,29 0 0 0 0,35 1 0 0 0,40-1 0 0 0,56 0 0 0 0,69 0 0 0 0,64 0 0 0 0,56 0 0 0 0,59 0 0 0 0,48 0 0 0 0,43 0 0 0 0,26 0 0 0 0,20 0 0 0 0,12 0 0 0 0,23 0 0 0 0,8 0 0 0 0,14 0 0 0 0,1 0 0 0 0,8 0 0 0 0,-11 0 0 0 0,-11 0 0 0 0,-17 0 0 0 0,-17 0 0 0 0,-27 0 0 0 0,-22 0 0 0 0,-29 0 0 0 0,-34 0 0 0 0,-32 0 0 0 0,-32 0 0 0 0,-33 0 0 0 0,-28 0 0 0 0,-43 0 0 0 0,-49 0 0 0 0,-37 0 0 0 0,-38 0 0 0 0,-34 0 0 0 0,-31 0 0 0 0,-19 0 0 0 0,-8 7 0 0 0,-10 2 0 0 0,-8 7 0 0 0,-6 0 0 0 0,-12 5 0 0 0,-4 6 0 0 0,-7 5 0 0 0,-9 4 0 0 0,8 3 0 0 0,14-5 0 0 0,0-1 0 0 0,8 0 0 0 0,10-4 0 0 0,17-2 0 0 0,17 3 0 0 0,22-4 0 0 0,19 0 0 0 0,23-3 0 0 0,49-7 0 0 0,52-5 0 0 0,54-6 0 0 0,58-2 0 0 0,58-2 0 0 0,48-2 0 0 0,28 0 0 0 0,20 0 0 0 0,12-7 0 0 0,14-2 0 0 0,6 0 0 0 0,-8 3 0 0 0,-18 2 0 0 0,-16 1 0 0 0,-3 3 0 0 0,-10 0 0 0 0,-13 1 0 0 0,-12 1 0 0 0,-9-1 0 0 0,-27 0 0 0 0,-32 1 0 0 0,-28-1 0 0 0,-22 0 0 0 0,-37 0 0 0 0,-58 0 0 0 0,-66-7 0 0 0,-80-2 0 0 0,-94-14 0 0 0,-107-10 0 0 0,-80-6 0 0 0,-82-11 0 0 0,-62-3 0 0 0,-54-15 0 0 0,-36-9 0 0 0,-26 2 0 0 0,-11 6 0 0 0,-1 7 0 0 0,32 16 0 0 0,65 14 0 0 0,62 14 0 0 0,72 9 0 0 0,78 6 0 0 0,83 4 0 0 0,70 1 0 0 0,88 1 0 0 0,101 0 0 0 0,100-8 0 0 0,88-3 0 0 0,73 0 0 0 0,63 1 0 0 0,52 2 0 0 0,45 2 0 0 0,34 1 0 0 0,10 2 0 0 0,-6 0 0 0 0,-25 0 0 0 0,-32 0 0 0 0,-29 0 0 0 0,-22 1 0 0 0,-23-1 0 0 0,-26 0 0 0 0,-23 0 0 0 0,-25 0 0 0 0,-29 0 0 0 0,-31 0 0 0 0,-30 0 0 0 0,-29 0 0 0 0,-46 0 0 0 0,-52 0 0 0 0,-48 0 0 0 0,-44 0 0 0 0,-27 0 0 0 0,-22 0 0 0 0,-15 0 0 0 0,-2 0 0 0 0,4 0 0 0 0,8 0 0 0 0,13 0 0 0 0,10 0 0 0 0,3 7 0 0 0,16 2 0 0 0,10 7 0 0 0,15 1 0 0 0,13-3 0 0 0,19 3 0 0 0,22-1 0 0 0,31-3 0 0 0,35-4 0 0 0,38-4 0 0 0,33-2 0 0 0,33-2 0 0 0,34-1 0 0 0,21 0 0 0 0,18-1 0 0 0,15 0 0 0 0,2 1 0 0 0,3-1 0 0 0,-4 1 0 0 0,-7 0 0 0 0,-14 0 0 0 0,-16 0 0 0 0,-13 0 0 0 0,-17 0 0 0 0,-23 0 0 0 0,-22 0 0 0 0,-26 0 0 0 0,-42 0 0 0 0,-52 7 0 0 0,-48 2 0 0 0,-44 0 0 0 0,-42-2 0 0 0,-26-2 0 0 0,-23 6 0 0 0,-7 0 0 0 0,-8-2 0 0 0,-6-2 0 0 0,4-2 0 0 0,7-2 0 0 0,0-2 0 0 0,6-1 0 0 0,12 0 0 0 0,7 0 0 0 0,18-1 0 0 0,27 8 0 0 0,27 2 0 0 0,36 0 0 0 0,42-2 0 0 0,51-2 0 0 0,55-2 0 0 0,47-1 0 0 0,42-2 0 0 0,33 0 0 0 0,7 0 0 0 0,10-7 0 0 0,-8-3 0 0 0,-5 1 0 0 0,-6 1 0 0 0,-9 3 0 0 0,-12 2 0 0 0,-17 1 0 0 0,-17 1 0 0 0,-14 1 0 0 0,-17 1 0 0 0,-22-1 0 0 0,-23 1 0 0 0,-31-1 0 0 0,-38 0 0 0 0,-49 0 0 0 0,-47 0 0 0 0,-50 0 0 0 0,-44 0 0 0 0,-34 0 0 0 0,-23 0 0 0 0,-13 0 0 0 0,0 0 0 0 0,15 0 0 0 0,26 0 0 0 0,20 0 0 0 0,22 0 0 0 0,24 7 0 0 0,23 3 0 0 0,10-1 0 0 0,17-2 0 0 0,38-2 0 0 0,49-2 0 0 0,47-1 0 0 0,50-2 0 0 0,46 0 0 0 0,34 0 0 0 0,30 0 0 0 0,15-1 0 0 0,6 1 0 0 0,-6 0 0 0 0,-6 0 0 0 0,-3 0 0 0 0,-10-1 0 0 0,-9 1 0 0 0,-17 0 0 0 0,-23 0 0 0 0,-23 1 0 0 0,-19-1 0 0 0,-13 0 0 0 0,-16 0 0 0 0,-29 0 0 0 0,-36 0 0 0 0,-41 0 0 0 0,-44 0 0 0 0,-45 0 0 0 0,-45 0 0 0 0,-43 0 0 0 0,-30 0 0 0 0,-16 0 0 0 0,-1 0 0 0 0,7 0 0 0 0,11 0 0 0 0,10 0 0 0 0,7 0 0 0 0,14 0 0 0 0,12 0 0 0 0,18 0 0 0 0,18 0 0 0 0,21 0 0 0 0,25 0 0 0 0,19 0 0 0 0,16 0 0 0 0,36 0 0 0 0,45 0 0 0 0,49 0 0 0 0,37 0 0 0 0,36 0 0 0 0,40 0 0 0 0,32 0 0 0 0,25 0 0 0 0,22 0 0 0 0,12 0 0 0 0,3 0 0 0 0,13 0 0 0 0,2 0 0 0 0,-4 0 0 0 0,-7 0 0 0 0,-7 0 0 0 0,-12 0 0 0 0,-21 0 0 0 0,-20 0 0 0 0,-25 0 0 0 0,-36 0 0 0 0,-36 0 0 0 0,-44 0 0 0 0,-61 0 0 0 0,-66 0 0 0 0,-79 0 0 0 0,-72 0 0 0 0,-56 0 0 0 0,-38 0 0 0 0,-38 0 0 0 0,-9 0 0 0 0,0 0 0 0 0,10 0 0 0 0,7 0 0 0 0,20 0 0 0 0,20 0 0 0 0,20 0 0 0 0,34 0 0 0 0,38 0 0 0 0,33 0 0 0 0,31 0 0 0 0,33 0 0 0 0,48 0 0 0 0,48 0 0 0 0,62 0 0 0 0,70 0 0 0 0,57 0 0 0 0,55 0 0 0 0,43 0 0 0 0,38 0 0 0 0,36 0 0 0 0,14 0 0 0 0,2 0 0 0 0,8 0 0 0 0,-3 0 0 0 0,-15 0 0 0 0,-13 0 0 0 0,-8 0 0 0 0,-12 0 0 0 0,-19 0 0 0 0,-26 0 0 0 0,-33 0 0 0 0,-29 0 0 0 0,-31 0 0 0 0,-32 0 0 0 0,-29 0 0 0 0,-28 0 0 0 0,-37 7 0 0 0,-44 2 0 0 0,-51 0 0 0 0,-41-2 0 0 0,-36 5 0 0 0,-40 1 0 0 0,-36 4 0 0 0,-22 0 0 0 0,-16 4 0 0 0,-5 13 0 0 0,2 0 0 0 0,5 1 0 0 0,-1 2 0 0 0,9 2 0 0 0,7 1 0 0 0,11-6 0 0 0,19-3 0 0 0,18-5 0 0 0,16-1 0 0 0,26-4 0 0 0,26-6 0 0 0,43-6 0 0 0,45-4 0 0 0,50-10 0 0 0,40-11 0 0 0,33-17 0 0 0,32-10 0 0 0,19-4 0 0 0,1-2 0 0 0,1 1 0 0 0,-2 1 0 0 0,-7 2 0 0 0,-10 2 0 0 0,-10 1 0 0 0,-15 7 0 0 0,-22 3 0 0 0,-22 7 0 0 0,-38 8 0 0 0,-48 6 0 0 0,-44 6 0 0 0,-36 3 0 0 0,-37 2 0 0 0,-28 1 0 0 0,-15 8 0 0 0,-8 1 0 0 0,3 7 0 0 0,4 1 0 0 0,1 3 0 0 0,7-1 0 0 0,17 3 0 0 0,11-3 0 0 0,13 3 0 0 0,20-3 0 0 0,18-5 0 0 0,38-5 0 0 0,38-4 0 0 0,35-10 0 0 0,25-4 0 0 0,17-16 0 0 0,16-9 0 0 0,15-8 0 0 0,9-2 0 0 0,7-2 0 0 0,3 0 0 0 0,-5 8 0 0 0,-2 9 0 0 0,-7 4 0 0 0,-9 5 0 0 0,-7 6 0 0 0,-13 5 0 0 0,-7 4 0 0 0,-8 3 0 0 0,-9 1 0 0 0,-22 1 0 0 0,-23 1 0 0 0,-21 6 0 0 0,-17 2 0 0 0,-10 6 0 0 0,-7 8 0 0 0,-3 0 0 0 0,-1 2 0 0 0,0-3 0 0 0,2 2 0 0 0,0-4 0 0 0,15-5 0 0 0,27-5 0 0 0,20-5 0 0 0,22-10 0 0 0,17-5 0 0 0,14-7 0 0 0,1-9 0 0 0,3 1 0 0 0,-5 4 0 0 0,-7-2 0 0 0,-21 3 0 0 0,-25 5 0 0 0,-29 5 0 0 0,-27 3 0 0 0,-27 4 0 0 0,-25 8 0 0 0,-16 11 0 0 0,-12 2 0 0 0,-7 5 0 0 0,4-1 0 0 0,3 1 0 0 0,-1 5 0 0 0,7-3 0 0 0,8 1 0 0 0,1-4 0 0 0,11 1 0 0 0,15-3 0 0 0,34-6 0 0 0,32-12 0 0 0,32-13 0 0 0,26-13 0 0 0,20-9 0 0 0,19 1 0 0 0,17-1 0 0 0,5-3 0 0 0,-2-2 0 0 0,-5-1 0 0 0,-5 5 0 0 0,-12 8 0 0 0,-13 2 0 0 0,-11 5 0 0 0,-23 4 0 0 0,-25 6 0 0 0,-20 4 0 0 0,-24 2 0 0 0,-20 2 0 0 0,-7 1 0 0 0,-2 7 0 0 0,4 3 0 0 0,4-2 0 0 0,5 6 0 0 0,3 0 0 0 0,9 4 0 0 0,19-1 0 0 0,26-3 0 0 0,25-5 0 0 0,29-3 0 0 0,17-11 0 0 0,10-4 0 0 0,3-8 0 0 0,-6-1 0 0 0,-5-5 0 0 0,-8 2 0 0 0,-3 4 0 0 0,-6 4 0 0 0,-22 5 0 0 0,-24 10 0 0 0,-15 12 0 0 0,-16 4 0 0 0,-5 4 0 0 0,-6 0 0 0 0,0 2 0 0 0,-3-3 0 0 0,4 2 0 0 0,13-3 0 0 0,14-6 0 0 0,14-5 0 0 0,11-4 0 0 0,15-3 0 0 0,13-2 0 0 0,12-8 0 0 0,8-4 0 0 0,4-6 0 0 0,-4 0 0 0 0,-1 2 0 0 0,-6 4 0 0 0,-9 4 0 0 0,-7 3 0 0 0,-20 3 0 0 0,-16 7 0 0 0,-18 4 0 0 0,-15 0 0 0 0,-7 5 0 0 0,-5 0 0 0 0,-5 4 0 0 0,-5 0 0 0 0,4 3 0 0 0,1-3 0 0 0,6 4 0 0 0,0-3 0 0 0,5-5 0 0 0</inkml:trace>
-</inkml:ink>
-</file>
-
-<file path=ppt/ink/ink4.xml><?xml version="1.0" encoding="utf-8"?>
-<inkml:ink xmlns:inkml="http://www.w3.org/2003/InkML">
-  <inkml:definitions>
-    <inkml:context xml:id="ctx0">
-      <inkml:inkSource xml:id="inkSrc0">
-        <inkml:traceFormat>
-          <inkml:channel name="X" type="integer" min="-2.14748E9" max="2.14748E9" units="cm"/>
-          <inkml:channel name="Y" type="integer" min="-2.14748E9" max="2.14748E9" units="cm"/>
-          <inkml:channel name="F" type="integer" max="32767" units="dev"/>
-          <inkml:channel name="OA" type="integer" max="360" units="deg"/>
-          <inkml:channel name="OE" type="integer" max="90" units="deg"/>
-        </inkml:traceFormat>
-        <inkml:channelProperties>
-          <inkml:channelProperty channel="X" name="resolution" value="1000" units="1/cm"/>
-          <inkml:channelProperty channel="Y" name="resolution" value="1000" units="1/cm"/>
-          <inkml:channelProperty channel="F" name="resolution" value="0" units="1/dev"/>
-          <inkml:channelProperty channel="OA" name="resolution" value="1000" units="1/deg"/>
-          <inkml:channelProperty channel="OE" name="resolution" value="1000" units="1/deg"/>
-        </inkml:channelProperties>
-      </inkml:inkSource>
       <inkml:timestamp xml:id="ts0" timeString="2024-10-02T14:35:57.676"/>
     </inkml:context>
     <inkml:brush xml:id="br0">
@@ -695,11 +355,11 @@
       <inkml:brushProperty name="color" value="#FFFFFF"/>
     </inkml:brush>
   </inkml:definitions>
-  <inkml:trace contextRef="#ctx0" brushRef="#br0">11643 13947 16383 0 0,'-29'0'0'0'0,"-89"0"0"0"0,-92 10 0 0 0,-61 3 0 0 0,-51 9 0 0 0,-12 1 0 0 0,-7-3 0 0 0,5-5 0 0 0,1-6 0 0 0,8-4 0 0 0,1-2 0 0 0,7-3 0 0 0,18 0 0 0 0,2-1 0 0 0,32 0 0 0 0,31 0 0 0 0,37 0 0 0 0,33 1 0 0 0,24 0 0 0 0,27 0 0 0 0,23 0 0 0 0,18 0 0 0 0,11 0 0 0 0,6 0 0 0 0,24 0 0 0 0,26 0 0 0 0,34 0 0 0 0,43 0 0 0 0,38 0 0 0 0,20 0 0 0 0,29 0 0 0 0,15 0 0 0 0,20-10 0 0 0,15-13 0 0 0,51-12 0 0 0,70-11 0 0 0,58-6 0 0 0,32-5 0 0 0,4-2 0 0 0,-1-2 0 0 0,-14 11 0 0 0,-16 13 0 0 0,-7 13 0 0 0,-9 11 0 0 0,-30-3 0 0 0,-43 2 0 0 0,-25 3 0 0 0,-39 4 0 0 0,-31 2 0 0 0,-31 3 0 0 0,-25 1 0 0 0,-30 1 0 0 0,-24 1 0 0 0,-20 0 0 0 0,-42-1 0 0 0,-67 1 0 0 0,-96-1 0 0 0,-105 0 0 0 0,-130 0 0 0 0,-142 0 0 0 0,-131 0 0 0 0,-86 0 0 0 0,-37 0 0 0 0,-38 0 0 0 0,-10 0 0 0 0,24-10 0 0 0,56-22 0 0 0,74-17 0 0 0,50-8 0 0 0,48 4 0 0 0,51 2 0 0 0,41 0 0 0 0,51 8 0 0 0,76 12 0 0 0,66 1 0 0 0,48 6 0 0 0,53 6 0 0 0,36 7 0 0 0,30 6 0 0 0,13 2 0 0 0,32 3 0 0 0,35-9 0 0 0,52-2 0 0 0,49 0 0 0 0,32 2 0 0 0,27 2 0 0 0,48 3 0 0 0,32 2 0 0 0,49 1 0 0 0,76 1 0 0 0,79 1 0 0 0,55-1 0 0 0,36-9 0 0 0,-20-4 0 0 0,-16 1 0 0 0,-19 2 0 0 0,-39 3 0 0 0,-22 3 0 0 0,-9 1 0 0 0,-21 3 0 0 0,-15-1 0 0 0,-37 2 0 0 0,-32-1 0 0 0,-36 1 0 0 0,-19-1 0 0 0,-30 1 0 0 0,2-1 0 0 0,-4 0 0 0 0,-16 0 0 0 0,-8 0 0 0 0,-24 0 0 0 0,-27 10 0 0 0,-4 3 0 0 0,-13-1 0 0 0,-23 8 0 0 0,-16 0 0 0 0,-18 7 0 0 0,-47 8 0 0 0,-52-1 0 0 0,-67 3 0 0 0,-81 14 0 0 0,-86 0 0 0 0,-81-10 0 0 0,-87-11 0 0 0,-54-12 0 0 0,-49-7 0 0 0,-27-7 0 0 0,-3-4 0 0 0,21-1 0 0 0,37-2 0 0 0,50 1 0 0 0,68 0 0 0 0,64 1 0 0 0,72 0 0 0 0,53 1 0 0 0,55 0 0 0 0,37 0 0 0 0,30 0 0 0 0,22 0 0 0 0,16 0 0 0 0,28 0 0 0 0,29 10 0 0 0,26 3 0 0 0,39-1 0 0 0,49-2 0 0 0,35 7 0 0 0,33 1 0 0 0,25-3 0 0 0,38-4 0 0 0,8 6 0 0 0,20 0 0 0 0,24 7 0 0 0,12-1 0 0 0,32-4 0 0 0,28 5 0 0 0,22-2 0 0 0,13-5 0 0 0,8 5 0 0 0,-16-2 0 0 0,-5-4 0 0 0,-10-4 0 0 0,-19-5 0 0 0,-21 6 0 0 0,-39 1 0 0 0,-29-1 0 0 0,-41-4 0 0 0,-30 7 0 0 0,-38 1 0 0 0,-36-3 0 0 0,-29-4 0 0 0,-20-3 0 0 0,-24 7 0 0 0,-48 10 0 0 0,-74 12 0 0 0,-54-1 0 0 0,-54-6 0 0 0,-36-8 0 0 0,-40-8 0 0 0,-45-5 0 0 0,-30-5 0 0 0,-17-3 0 0 0,1-1 0 0 0,21 0 0 0 0,7-1 0 0 0,18 1 0 0 0,32 0 0 0 0,42 0 0 0 0,40 1 0 0 0,22 0 0 0 0,20 0 0 0 0,25 0 0 0 0,14 0 0 0 0,5 0 0 0 0,10 0 0 0 0,11 0 0 0 0,9 0 0 0 0,8 0 0 0 0,4 0 0 0 0,3 0 0 0 0,20 0 0 0 0,37-10 0 0 0,28-3 0 0 0,19 1 0 0 0,21 2 0 0 0,29 3 0 0 0,27-8 0 0 0,61-10 0 0 0,48-11 0 0 0,73 0 0 0 0,53 7 0 0 0,44 8 0 0 0,32 8 0 0 0,1 5 0 0 0,5 5 0 0 0,-23 3 0 0 0,-54 1 0 0 0,-49 1 0 0 0,-59-1 0 0 0,-53 0 0 0 0,-51 0 0 0 0,-42 0 0 0 0,-59-1 0 0 0,-58 0 0 0 0,-67 0 0 0 0,-60 0 0 0 0,-47 0 0 0 0,-70 0 0 0 0,-63 0 0 0 0,-55 0 0 0 0,-44-10 0 0 0,-20-3 0 0 0,24 1 0 0 0,33-8 0 0 0,50 0 0 0 0,42-7 0 0 0,20 2 0 0 0,35 4 0 0 0,27 7 0 0 0,29 4 0 0 0,23 6 0 0 0,28 2 0 0 0,5 2 0 0 0,13 1 0 0 0,14 0 0 0 0,12 0 0 0 0,1 0 0 0 0,3-1 0 0 0,33 1 0 0 0,34-1 0 0 0,38 0 0 0 0,23 0 0 0 0,13 0 0 0 0,4 0 0 0 0,10 0 0 0 0,1 0 0 0 0,6 0 0 0 0,8 0 0 0 0,7 0 0 0 0,16 0 0 0 0,16 0 0 0 0,6 0 0 0 0,-12 10 0 0 0,-18 3 0 0 0,-17-1 0 0 0,-16-2 0 0 0,-11-3 0 0 0,-17 8 0 0 0,-17 10 0 0 0,-14 11 0 0 0,-20 10 0 0 0,-19-4 0 0 0,-27-9 0 0 0,-24-9 0 0 0,-30-10 0 0 0,-18-6 0 0 0,-7-6 0 0 0,-13-2 0 0 0,-1-1 0 0 0,12-1 0 0 0,9 0 0 0 0,5 0 0 0 0,12 1 0 0 0,14 1 0 0 0,11-1 0 0 0,10 1 0 0 0,16 10 0 0 0,26 3 0 0 0,27 0 0 0 0,24-3 0 0 0,26-3 0 0 0,15-3 0 0 0,5-1 0 0 0,1-2 0 0 0,-3-1 0 0 0,17-1 0 0 0,3 1 0 0 0,6-1 0 0 0,-4 1 0 0 0,2 0 0 0 0,-4-1 0 0 0,-9 1 0 0 0,-27 0 0 0 0,-33 0 0 0 0,-49 0 0 0 0,-40 0 0 0 0,-58 0 0 0 0,-36 0 0 0 0,-20 0 0 0 0,1 0 0 0 0,12-10 0 0 0,5-3 0 0 0,11 1 0 0 0,11 2 0 0 0,21 3 0 0 0,21 2 0 0 0,17 3 0 0 0,13 1 0 0 0,9 1 0 0 0,5 0 0 0 0,2 1 0 0 0,10-10 0 0 0,23-14 0 0 0,24-2 0 0 0,22 3 0 0 0,36 5 0 0 0,17 5 0 0 0,6 5 0 0 0,7-6 0 0 0,19-1 0 0 0,9 2 0 0 0,5 3 0 0 0,10 3 0 0 0,3 3 0 0 0,-3 1 0 0 0,-5 2 0 0 0,-4 0 0 0 0,-4 0 0 0 0,-13 1 0 0 0,-5 0 0 0 0,-10-1 0 0 0,-11 0 0 0 0,-10 0 0 0 0,-17-9 0 0 0,-28-4 0 0 0,-28-10 0 0 0,-23 0 0 0 0,-19 4 0 0 0,-10 4 0 0 0,-7 6 0 0 0,-3 3 0 0 0,9 4 0 0 0</inkml:trace>
+  <inkml:trace contextRef="#ctx0" brushRef="#br0">10487 14944 16383 0 0,'-26'0'0'0'0,"-77"0"0"0"0,-82 21 0 0 0,-53 5 0 0 0,-45 18 0 0 0,-10 2 0 0 0,-7-5 0 0 0,5-11 0 0 0,0-12 0 0 0,8-8 0 0 0,1-4 0 0 0,5-6 0 0 0,17 0 0 0 0,1-2 0 0 0,29 0 0 0 0,26 0 0 0 0,33 0 0 0 0,29 2 0 0 0,22 0 0 0 0,23 0 0 0 0,20 0 0 0 0,16 0 0 0 0,9 0 0 0 0,6 0 0 0 0,21 0 0 0 0,23 0 0 0 0,30 0 0 0 0,37 0 0 0 0,34 0 0 0 0,18 0 0 0 0,25 0 0 0 0,13 0 0 0 0,18-20 0 0 0,12-26 0 0 0,46-25 0 0 0,61-21 0 0 0,51-13 0 0 0,29-10 0 0 0,3-4 0 0 0,-2-4 0 0 0,-11 23 0 0 0,-14 25 0 0 0,-7 27 0 0 0,-8 22 0 0 0,-25-7 0 0 0,-39 5 0 0 0,-22 6 0 0 0,-34 8 0 0 0,-27 4 0 0 0,-27 6 0 0 0,-22 2 0 0 0,-27 2 0 0 0,-21 2 0 0 0,-17 0 0 0 0,-37-2 0 0 0,-60 2 0 0 0,-83-2 0 0 0,-93 0 0 0 0,-114 0 0 0 0,-124 0 0 0 0,-116 0 0 0 0,-76 0 0 0 0,-31 0 0 0 0,-35 0 0 0 0,-8 0 0 0 0,21-20 0 0 0,49-45 0 0 0,66-33 0 0 0,43-17 0 0 0,42 8 0 0 0,45 4 0 0 0,37 1 0 0 0,44 15 0 0 0,66 25 0 0 0,59 1 0 0 0,42 13 0 0 0,47 12 0 0 0,31 14 0 0 0,26 12 0 0 0,12 4 0 0 0,28 6 0 0 0,31-19 0 0 0,45-3 0 0 0,44 0 0 0 0,28 4 0 0 0,23 4 0 0 0,43 6 0 0 0,27 4 0 0 0,44 2 0 0 0,66 2 0 0 0,70 2 0 0 0,49-2 0 0 0,30-18 0 0 0,-16-8 0 0 0,-15 1 0 0 0,-16 5 0 0 0,-35 6 0 0 0,-19 6 0 0 0,-8 2 0 0 0,-19 6 0 0 0,-12-2 0 0 0,-33 4 0 0 0,-29-2 0 0 0,-30 2 0 0 0,-18-2 0 0 0,-26 2 0 0 0,2-2 0 0 0,-4 0 0 0 0,-13 0 0 0 0,-8 0 0 0 0,-21 0 0 0 0,-24 20 0 0 0,-3 6 0 0 0,-11-1 0 0 0,-21 15 0 0 0,-14 0 0 0 0,-15 14 0 0 0,-42 17 0 0 0,-46-3 0 0 0,-58 7 0 0 0,-72 28 0 0 0,-75-1 0 0 0,-71-19 0 0 0,-77-23 0 0 0,-47-23 0 0 0,-43-15 0 0 0,-25-14 0 0 0,-1-8 0 0 0,18-2 0 0 0,32-4 0 0 0,44 2 0 0 0,60 0 0 0 0,56 2 0 0 0,64 0 0 0 0,46 2 0 0 0,48 0 0 0 0,33 0 0 0 0,27 0 0 0 0,18 0 0 0 0,15 0 0 0 0,24 0 0 0 0,26 20 0 0 0,22 6 0 0 0,35-2 0 0 0,43-4 0 0 0,31 14 0 0 0,28 3 0 0 0,23-7 0 0 0,33-8 0 0 0,7 12 0 0 0,18 0 0 0 0,20 15 0 0 0,12-3 0 0 0,27-8 0 0 0,25 11 0 0 0,19-5 0 0 0,12-10 0 0 0,7 11 0 0 0,-15-5 0 0 0,-4-8 0 0 0,-8-8 0 0 0,-17-10 0 0 0,-19 12 0 0 0,-34 3 0 0 0,-25-3 0 0 0,-37-8 0 0 0,-25 14 0 0 0,-35 2 0 0 0,-30-5 0 0 0,-27-9 0 0 0,-17-6 0 0 0,-21 14 0 0 0,-42 20 0 0 0,-65 25 0 0 0,-47-3 0 0 0,-48-11 0 0 0,-32-17 0 0 0,-35-16 0 0 0,-39-10 0 0 0,-27-10 0 0 0,-15-6 0 0 0,2-2 0 0 0,17 0 0 0 0,7-2 0 0 0,16 2 0 0 0,28 0 0 0 0,36 0 0 0 0,36 2 0 0 0,19 0 0 0 0,18 0 0 0 0,22 0 0 0 0,12 0 0 0 0,4 0 0 0 0,9 0 0 0 0,10 0 0 0 0,8 0 0 0 0,6 0 0 0 0,5 0 0 0 0,2 0 0 0 0,17 0 0 0 0,33-20 0 0 0,25-6 0 0 0,16 2 0 0 0,19 4 0 0 0,25 6 0 0 0,24-17 0 0 0,54-19 0 0 0,41-22 0 0 0,65-1 0 0 0,47 15 0 0 0,38 15 0 0 0,28 17 0 0 0,1 10 0 0 0,4 10 0 0 0,-19 6 0 0 0,-48 2 0 0 0,-44 2 0 0 0,-51-2 0 0 0,-46 0 0 0 0,-46 0 0 0 0,-36 0 0 0 0,-52-2 0 0 0,-52 0 0 0 0,-58 0 0 0 0,-52 0 0 0 0,-42 0 0 0 0,-62 0 0 0 0,-55 0 0 0 0,-48 0 0 0 0,-39-20 0 0 0,-17-6 0 0 0,20 2 0 0 0,30-17 0 0 0,44 1 0 0 0,36-14 0 0 0,18 3 0 0 0,31 9 0 0 0,23 14 0 0 0,26 8 0 0 0,21 12 0 0 0,23 4 0 0 0,6 4 0 0 0,10 2 0 0 0,13 0 0 0 0,11 0 0 0 0,0 0 0 0 0,3-2 0 0 0,29 2 0 0 0,30-2 0 0 0,33 0 0 0 0,20 0 0 0 0,12 0 0 0 0,4 0 0 0 0,8 0 0 0 0,1 0 0 0 0,5 0 0 0 0,8 0 0 0 0,5 0 0 0 0,15 0 0 0 0,13 0 0 0 0,6 0 0 0 0,-11 20 0 0 0,-15 6 0 0 0,-15-2 0 0 0,-15-4 0 0 0,-9-6 0 0 0,-15 17 0 0 0,-15 19 0 0 0,-12 22 0 0 0,-18 21 0 0 0,-17-8 0 0 0,-23-19 0 0 0,-22-18 0 0 0,-25-19 0 0 0,-17-13 0 0 0,-6-12 0 0 0,-11-4 0 0 0,-1-2 0 0 0,11-2 0 0 0,7 0 0 0 0,5 0 0 0 0,10 2 0 0 0,13 2 0 0 0,10-2 0 0 0,8 2 0 0 0,14 20 0 0 0,23 6 0 0 0,24 0 0 0 0,20-6 0 0 0,24-6 0 0 0,13-6 0 0 0,4-1 0 0 0,1-5 0 0 0,-2-2 0 0 0,14-2 0 0 0,3 2 0 0 0,6-3 0 0 0,-4 3 0 0 0,1 0 0 0 0,-3-2 0 0 0,-8 2 0 0 0,-23 0 0 0 0,-30 0 0 0 0,-42 0 0 0 0,-36 0 0 0 0,-51 0 0 0 0,-31 0 0 0 0,-18 0 0 0 0,1 0 0 0 0,11-20 0 0 0,3-6 0 0 0,11 2 0 0 0,9 4 0 0 0,19 6 0 0 0,18 4 0 0 0,15 6 0 0 0,12 2 0 0 0,7 2 0 0 0,5 0 0 0 0,1 2 0 0 0,10-20 0 0 0,19-29 0 0 0,22-3 0 0 0,19 6 0 0 0,31 9 0 0 0,16 11 0 0 0,5 10 0 0 0,6-12 0 0 0,16-2 0 0 0,9 4 0 0 0,4 5 0 0 0,9 7 0 0 0,2 6 0 0 0,-2 2 0 0 0,-5 4 0 0 0,-3 0 0 0 0,-4 0 0 0 0,-11 2 0 0 0,-4 0 0 0 0,-10-2 0 0 0,-9 0 0 0 0,-8 0 0 0 0,-16-18 0 0 0,-24-8 0 0 0,-25-20 0 0 0,-20-1 0 0 0,-17 9 0 0 0,-9 8 0 0 0,-5 12 0 0 0,-4 6 0 0 0,9 8 0 0 0</inkml:trace>
 </inkml:ink>
 </file>
 
-<file path=ppt/ink/ink5.xml><?xml version="1.0" encoding="utf-8"?>
+<file path=ppt/ink/ink2.xml><?xml version="1.0" encoding="utf-8"?>
 <inkml:ink xmlns:inkml="http://www.w3.org/2003/InkML">
   <inkml:definitions>
     <inkml:context xml:id="ctx0">
@@ -731,39 +391,7 @@
 </inkml:ink>
 </file>
 
-<file path=ppt/ink/ink6.xml><?xml version="1.0" encoding="utf-8"?>
-<inkml:ink xmlns:inkml="http://www.w3.org/2003/InkML">
-  <inkml:definitions>
-    <inkml:context xml:id="ctx0">
-      <inkml:inkSource xml:id="inkSrc0">
-        <inkml:traceFormat>
-          <inkml:channel name="X" type="integer" min="-2.14748E9" max="2.14748E9" units="cm"/>
-          <inkml:channel name="Y" type="integer" min="-2.14748E9" max="2.14748E9" units="cm"/>
-          <inkml:channel name="F" type="integer" max="32767" units="dev"/>
-          <inkml:channel name="OA" type="integer" max="360" units="deg"/>
-          <inkml:channel name="OE" type="integer" max="90" units="deg"/>
-        </inkml:traceFormat>
-        <inkml:channelProperties>
-          <inkml:channelProperty channel="X" name="resolution" value="1000" units="1/cm"/>
-          <inkml:channelProperty channel="Y" name="resolution" value="1000" units="1/cm"/>
-          <inkml:channelProperty channel="F" name="resolution" value="0" units="1/dev"/>
-          <inkml:channelProperty channel="OA" name="resolution" value="1000" units="1/deg"/>
-          <inkml:channelProperty channel="OE" name="resolution" value="1000" units="1/deg"/>
-        </inkml:channelProperties>
-      </inkml:inkSource>
-      <inkml:timestamp xml:id="ts0" timeString="2024-10-02T14:35:57.678"/>
-    </inkml:context>
-    <inkml:brush xml:id="br0">
-      <inkml:brushProperty name="width" value="0.35" units="cm"/>
-      <inkml:brushProperty name="height" value="0.35" units="cm"/>
-      <inkml:brushProperty name="color" value="#FFFFFF"/>
-    </inkml:brush>
-  </inkml:definitions>
-  <inkml:trace contextRef="#ctx0" brushRef="#br0">9114 13730 16383 0 0,'10'0'0'0'0,"-16"0"0"0"0,-28 0 0 0 0,-46-10 0 0 0,-39-13 0 0 0,-39-12 0 0 0,-22-1 0 0 0,0 7 0 0 0,1 7 0 0 0,2 8 0 0 0,11 6 0 0 0,24 5 0 0 0,16 2 0 0 0,21 2 0 0 0,7 1 0 0 0,12-1 0 0 0,10 1 0 0 0,8-1 0 0 0,6-1 0 0 0,33 1 0 0 0,31-1 0 0 0,35 0 0 0 0,41 0 0 0 0,36 0 0 0 0,29 0 0 0 0,29 0 0 0 0,14 0 0 0 0,16 0 0 0 0,2 0 0 0 0,6 0 0 0 0,-13 0 0 0 0,-11 0 0 0 0,-7 0 0 0 0,-5 0 0 0 0,7 0 0 0 0,3 0 0 0 0,9 0 0 0 0,1 0 0 0 0,-3 0 0 0 0,15 0 0 0 0,-18 0 0 0 0,-20 0 0 0 0,-30 0 0 0 0,-58 0 0 0 0,-62 0 0 0 0,-63 0 0 0 0,-64 0 0 0 0,-52 0 0 0 0,-38 0 0 0 0,-25 0 0 0 0,-43 0 0 0 0,-15 0 0 0 0,1 0 0 0 0,-10 0 0 0 0,-5 0 0 0 0,8 0 0 0 0,24 0 0 0 0,28 0 0 0 0,23 0 0 0 0,20 0 0 0 0,-7 0 0 0 0,-28 0 0 0 0,-15 0 0 0 0,-5 0 0 0 0,0 0 0 0 0,3 0 0 0 0,14 0 0 0 0,17 0 0 0 0,14 0 0 0 0,13 0 0 0 0,9 0 0 0 0,4 0 0 0 0,13 0 0 0 0,14 0 0 0 0,3 0 0 0 0,5 0 0 0 0,18 0 0 0 0,9 0 0 0 0,4 0 0 0 0,10 0 0 0 0,13 0 0 0 0,11 0 0 0 0,-12 0 0 0 0,-1 0 0 0 0,4 0 0 0 0,7 0 0 0 0,7 0 0 0 0,4 0 0 0 0,5 0 0 0 0,1 0 0 0 0,32 0 0 0 0,49 0 0 0 0,50 0 0 0 0,43 0 0 0 0,21 0 0 0 0,7 0 0 0 0,9 0 0 0 0,8 0 0 0 0,16 0 0 0 0,17 0 0 0 0,45 0 0 0 0,30 0 0 0 0,20 0 0 0 0,-1 0 0 0 0,-9 0 0 0 0,-33 0 0 0 0,-38 0 0 0 0,-25 0 0 0 0,-24 0 0 0 0,-18 0 0 0 0,-15 0 0 0 0,-18 0 0 0 0,-17 0 0 0 0,-5 0 0 0 0,-6 0 0 0 0,2 0 0 0 0,-3 0 0 0 0,-4 0 0 0 0,-5 0 0 0 0,-25 0 0 0 0,-28 0 0 0 0,-28-10 0 0 0,-31-13 0 0 0,-19-3 0 0 0,-17 4 0 0 0,-6-5 0 0 0,-8 2 0 0 0,3 6 0 0 0,15 6 0 0 0</inkml:trace>
-</inkml:ink>
-</file>
-
-<file path=ppt/ink/ink7.xml><?xml version="1.0" encoding="utf-8"?>
+<file path=ppt/ink/ink3.xml><?xml version="1.0" encoding="utf-8"?>
 <inkml:ink xmlns:inkml="http://www.w3.org/2003/InkML">
   <inkml:definitions>
     <inkml:context xml:id="ctx0">
@@ -795,7 +423,7 @@
 </inkml:ink>
 </file>
 
-<file path=ppt/ink/ink8.xml><?xml version="1.0" encoding="utf-8"?>
+<file path=ppt/ink/ink4.xml><?xml version="1.0" encoding="utf-8"?>
 <inkml:ink xmlns:inkml="http://www.w3.org/2003/InkML">
   <inkml:definitions>
     <inkml:context xml:id="ctx0">
@@ -827,7 +455,7 @@
 </inkml:ink>
 </file>
 
-<file path=ppt/ink/ink9.xml><?xml version="1.0" encoding="utf-8"?>
+<file path=ppt/ink/ink5.xml><?xml version="1.0" encoding="utf-8"?>
 <inkml:ink xmlns:inkml="http://www.w3.org/2003/InkML">
   <inkml:definitions>
     <inkml:context xml:id="ctx0">
@@ -847,7 +475,7 @@
           <inkml:channelProperty channel="OE" name="resolution" value="1000" units="1/deg"/>
         </inkml:channelProperties>
       </inkml:inkSource>
-      <inkml:timestamp xml:id="ts0" timeString="2024-10-01T14:42:40.480"/>
+      <inkml:timestamp xml:id="ts0" timeString="2024-10-01T14:42:40.476"/>
     </inkml:context>
     <inkml:brush xml:id="br0">
       <inkml:brushProperty name="width" value="0.35" units="cm"/>
@@ -855,7 +483,7 @@
       <inkml:brushProperty name="color" value="#FFFFFF"/>
     </inkml:brush>
   </inkml:definitions>
-  <inkml:trace contextRef="#ctx0" brushRef="#br0">7493 19026 16383 0 0,'7'0'0'0'0,"9"0"0"0"0,16 0 0 0 0,24 0 0 0 0,16 0 0 0 0,17 0 0 0 0,14 0 0 0 0,18 0 0 0 0,24 0 0 0 0,28-7 0 0 0,21-2 0 0 0,11 0 0 0 0,14-5 0 0 0,12-1 0 0 0,8 3 0 0 0,-1 3 0 0 0,-7 4 0 0 0,-6 2 0 0 0,-15 1 0 0 0,-14 2 0 0 0,-19 0 0 0 0,-27 1 0 0 0,-24-1 0 0 0,-19 1 0 0 0,-22-1 0 0 0,-24-6 0 0 0,-30-4 0 0 0,-35 2 0 0 0,-37 0 0 0 0,-32 3 0 0 0,-26 2 0 0 0,-31-6 0 0 0,-27-1 0 0 0,-45-6 0 0 0,-28-7 0 0 0,-40 0 0 0 0,-29-3 0 0 0,-48-3 0 0 0,-28 2 0 0 0,-14-1 0 0 0,11 4 0 0 0,13 7 0 0 0,27 5 0 0 0,35 6 0 0 0,42 3 0 0 0,37 3 0 0 0,35 0 0 0 0,36 1 0 0 0,38 1 0 0 0,30-1 0 0 0,37-1 0 0 0,41 8 0 0 0,49 2 0 0 0,39 6 0 0 0,41 0 0 0 0,27 5 0 0 0,38-1 0 0 0,36 2 0 0 0,22-1 0 0 0,12 1 0 0 0,17-2 0 0 0,13-4 0 0 0,12-6 0 0 0,5-4 0 0 0,7-3 0 0 0,20-2 0 0 0,4-2 0 0 0,0 1 0 0 0,-14-1 0 0 0,-13 0 0 0 0,-17 0 0 0 0,-15 1 0 0 0,-28-1 0 0 0,-19 1 0 0 0,-29 0 0 0 0,-20 0 0 0 0,-27 0 0 0 0,-31 7 0 0 0,-31 3 0 0 0,-23-2 0 0 0,-30 0 0 0 0,-36-3 0 0 0,-46-2 0 0 0,-37-1 0 0 0,-39-2 0 0 0,-42 0 0 0 0,-35 0 0 0 0,-33 0 0 0 0,-27-1 0 0 0,-19 1 0 0 0,-18 0 0 0 0,-8 0 0 0 0,-2-1 0 0 0,1 1 0 0 0,4 0 0 0 0,-4 0 0 0 0,8 0 0 0 0,11 0 0 0 0,20 0 0 0 0,19 1 0 0 0,31-1 0 0 0,30 0 0 0 0,25 0 0 0 0,27 0 0 0 0,27 0 0 0 0,47 0 0 0 0,47 0 0 0 0,46 0 0 0 0,45 0 0 0 0,37 0 0 0 0,34 0 0 0 0,33 0 0 0 0,28 0 0 0 0,12 0 0 0 0,11 0 0 0 0,14 0 0 0 0,14 0 0 0 0,4 0 0 0 0,-8 0 0 0 0,-6 0 0 0 0,-11 0 0 0 0,-12 0 0 0 0,-3 0 0 0 0,-11 0 0 0 0,-15 0 0 0 0,-21 0 0 0 0,-27 0 0 0 0,-25 0 0 0 0,-55 0 0 0 0,-69 0 0 0 0,-76 0 0 0 0,-76 0 0 0 0,-61 0 0 0 0,-52 0 0 0 0,-37-8 0 0 0,-38-1 0 0 0,-11 0 0 0 0,-3 2 0 0 0,3 2 0 0 0,3 2 0 0 0,19 1 0 0 0,22 2 0 0 0,35-1 0 0 0,35 2 0 0 0,36-1 0 0 0,30 1 0 0 0,37-1 0 0 0,26 0 0 0 0,45 0 0 0 0,68 7 0 0 0,74 3 0 0 0,72 6 0 0 0,80 0 0 0 0,70-2 0 0 0,53-4 0 0 0,36-3 0 0 0,7-3 0 0 0,-8-2 0 0 0,-16-2 0 0 0,-8 0 0 0 0,-18-1 0 0 0,-12 0 0 0 0,-16 1 0 0 0,-12-1 0 0 0,-18 1 0 0 0,-17 0 0 0 0,-26 0 0 0 0,-29 0 0 0 0,-23 0 0 0 0,-25 0 0 0 0,-27 0 0 0 0,-32 0 0 0 0,-28 0 0 0 0,-49 0 0 0 0,-53 0 0 0 0,-51 0 0 0 0,-50 0 0 0 0,-46-7 0 0 0,-39-10 0 0 0,-25-1 0 0 0,-18-5 0 0 0,-15 2 0 0 0,-7 3 0 0 0,2 6 0 0 0,9 5 0 0 0,14 3 0 0 0,13 3 0 0 0,17 1 0 0 0,24 0 0 0 0,23 1 0 0 0,25 0 0 0 0,30 0 0 0 0,26 0 0 0 0,20 6 0 0 0,36 10 0 0 0,43 1 0 0 0,40 5 0 0 0,53-2 0 0 0,43 4 0 0 0,45-4 0 0 0,31-5 0 0 0,27 2 0 0 0,18-2 0 0 0,13-4 0 0 0,6-4 0 0 0,-4-3 0 0 0,-1-3 0 0 0,-8-1 0 0 0,-9-2 0 0 0,-22 1 0 0 0,-25-1 0 0 0,-22 0 0 0 0,-24 1 0 0 0,-28-1 0 0 0,-26 1 0 0 0,-25 0 0 0 0,-37 0 0 0 0,-50 0 0 0 0,-54 0 0 0 0,-55 0 0 0 0,-46 0 0 0 0,-40 0 0 0 0,-38 0 0 0 0,-22 0 0 0 0,-20 0 0 0 0,-13 0 0 0 0,-9 0 0 0 0,-4 0 0 0 0,-2 0 0 0 0,7 0 0 0 0,9 0 0 0 0,11 0 0 0 0,15 7 0 0 0,15 10 0 0 0,27 1 0 0 0,27 5 0 0 0,32-2 0 0 0,26-3 0 0 0,35 1 0 0 0,39 4 0 0 0,43-1 0 0 0,50-4 0 0 0,53-6 0 0 0,52-4 0 0 0,36-4 0 0 0,29-3 0 0 0,20-1 0 0 0,12-1 0 0 0,8 0 0 0 0,8 0 0 0 0,10 0 0 0 0,1 1 0 0 0,-4-1 0 0 0,-6 1 0 0 0,3 0 0 0 0,-10 0 0 0 0,-20 0 0 0 0,-14 0 0 0 0,-18 0 0 0 0,-28 0 0 0 0,-31 0 0 0 0,-25 0 0 0 0,-40 0 0 0 0,-48 0 0 0 0,-64 0 0 0 0,-75 0 0 0 0,-90-7 0 0 0,-81-9 0 0 0,-84-2 0 0 0,-58 2 0 0 0,-34 4 0 0 0,4 3 0 0 0,23 4 0 0 0,21 3 0 0 0,23 1 0 0 0,36 2 0 0 0,27-1 0 0 0,26 1 0 0 0,29 0 0 0 0,24-1 0 0 0,32 1 0 0 0,38-1 0 0 0,34 0 0 0 0,48 0 0 0 0,60 0 0 0 0,56 0 0 0 0,58 0 0 0 0,58 7 0 0 0,46 2 0 0 0,34 0 0 0 0,27-2 0 0 0,22-2 0 0 0,-2-1 0 0 0,-3-3 0 0 0,1 0 0 0 0,-1-1 0 0 0,1 0 0 0 0,-1-1 0 0 0,3 1 0 0 0,4 0 0 0 0,-9-1 0 0 0,-7 1 0 0 0,-5 0 0 0 0,-11 0 0 0 0,-18 0 0 0 0,-18 0 0 0 0,-24 0 0 0 0,-36 0 0 0 0,-35 0 0 0 0,-57 0 0 0 0,-66 0 0 0 0,-73 0 0 0 0,-63 0 0 0 0,-63-14 0 0 0,-59-5 0 0 0,-31-5 0 0 0,-22 0 0 0 0,-18-2 0 0 0,-14 3 0 0 0,-3 6 0 0 0,11 5 0 0 0,22 5 0 0 0,25 4 0 0 0,21 2 0 0 0,31 2 0 0 0,29 0 0 0 0,38 0 0 0 0,43 0 0 0 0,38-1 0 0 0,37 8 0 0 0,35 2 0 0 0,37-1 0 0 0,46-2 0 0 0,34-2 0 0 0,37 5 0 0 0,26 1 0 0 0,22-1 0 0 0,16-3 0 0 0,-2-3 0 0 0,-13-1 0 0 0,-7-1 0 0 0,-11-2 0 0 0,-18 0 0 0 0,-19-1 0 0 0,-15 1 0 0 0,-19-1 0 0 0,-23 1 0 0 0</inkml:trace>
+  <inkml:trace contextRef="#ctx0" brushRef="#br0">38735 4763 16383 0 0,'0'0'0'0'0</inkml:trace>
 </inkml:ink>
 </file>
 
@@ -1938,13 +1566,13 @@
   <p:clrMapOvr>
     <a:masterClrMapping/>
   </p:clrMapOvr>
-  <mc:AlternateContent xmlns:mc="http://schemas.openxmlformats.org/markup-compatibility/2006">
-    <mc:Choice xmlns:p14="http://schemas.microsoft.com/office/powerpoint/2010/main" Requires="p14">
+  <mc:AlternateContent xmlns:mc="http://schemas.openxmlformats.org/markup-compatibility/2006" xmlns:p14="http://schemas.microsoft.com/office/powerpoint/2010/main">
+    <mc:Choice Requires="p14">
       <p:transition spd="med" p14:dur="700">
         <p:fade/>
       </p:transition>
     </mc:Choice>
-    <mc:Fallback>
+    <mc:Fallback xmlns="">
       <p:transition spd="med">
         <p:fade/>
       </p:transition>
@@ -2526,13 +2154,13 @@
   <p:clrMapOvr>
     <a:masterClrMapping/>
   </p:clrMapOvr>
-  <mc:AlternateContent xmlns:mc="http://schemas.openxmlformats.org/markup-compatibility/2006">
-    <mc:Choice xmlns:p14="http://schemas.microsoft.com/office/powerpoint/2010/main" Requires="p14">
+  <mc:AlternateContent xmlns:mc="http://schemas.openxmlformats.org/markup-compatibility/2006" xmlns:p14="http://schemas.microsoft.com/office/powerpoint/2010/main">
+    <mc:Choice Requires="p14">
       <p:transition spd="med" p14:dur="700">
         <p:fade/>
       </p:transition>
     </mc:Choice>
-    <mc:Fallback>
+    <mc:Fallback xmlns="">
       <p:transition spd="med">
         <p:fade/>
       </p:transition>
@@ -3103,13 +2731,13 @@
   <p:clrMapOvr>
     <a:masterClrMapping/>
   </p:clrMapOvr>
-  <mc:AlternateContent xmlns:mc="http://schemas.openxmlformats.org/markup-compatibility/2006">
-    <mc:Choice xmlns:p14="http://schemas.microsoft.com/office/powerpoint/2010/main" Requires="p14">
+  <mc:AlternateContent xmlns:mc="http://schemas.openxmlformats.org/markup-compatibility/2006" xmlns:p14="http://schemas.microsoft.com/office/powerpoint/2010/main">
+    <mc:Choice Requires="p14">
       <p:transition spd="med" p14:dur="700">
         <p:fade/>
       </p:transition>
     </mc:Choice>
-    <mc:Fallback>
+    <mc:Fallback xmlns="">
       <p:transition spd="med">
         <p:fade/>
       </p:transition>
@@ -3639,13 +3267,13 @@
   <p:clrMapOvr>
     <a:masterClrMapping/>
   </p:clrMapOvr>
-  <mc:AlternateContent xmlns:mc="http://schemas.openxmlformats.org/markup-compatibility/2006">
-    <mc:Choice xmlns:p14="http://schemas.microsoft.com/office/powerpoint/2010/main" Requires="p14">
+  <mc:AlternateContent xmlns:mc="http://schemas.openxmlformats.org/markup-compatibility/2006" xmlns:p14="http://schemas.microsoft.com/office/powerpoint/2010/main">
+    <mc:Choice Requires="p14">
       <p:transition spd="med" p14:dur="700">
         <p:fade/>
       </p:transition>
     </mc:Choice>
-    <mc:Fallback>
+    <mc:Fallback xmlns="">
       <p:transition spd="med">
         <p:fade/>
       </p:transition>
@@ -4243,13 +3871,13 @@
   <p:clrMapOvr>
     <a:masterClrMapping/>
   </p:clrMapOvr>
-  <mc:AlternateContent xmlns:mc="http://schemas.openxmlformats.org/markup-compatibility/2006">
-    <mc:Choice xmlns:p14="http://schemas.microsoft.com/office/powerpoint/2010/main" Requires="p14">
+  <mc:AlternateContent xmlns:mc="http://schemas.openxmlformats.org/markup-compatibility/2006" xmlns:p14="http://schemas.microsoft.com/office/powerpoint/2010/main">
+    <mc:Choice Requires="p14">
       <p:transition spd="med" p14:dur="700">
         <p:fade/>
       </p:transition>
     </mc:Choice>
-    <mc:Fallback>
+    <mc:Fallback xmlns="">
       <p:transition spd="med">
         <p:fade/>
       </p:transition>
@@ -5323,13 +4951,13 @@
   <p:clrMapOvr>
     <a:masterClrMapping/>
   </p:clrMapOvr>
-  <mc:AlternateContent xmlns:mc="http://schemas.openxmlformats.org/markup-compatibility/2006">
-    <mc:Choice xmlns:p14="http://schemas.microsoft.com/office/powerpoint/2010/main" Requires="p14">
+  <mc:AlternateContent xmlns:mc="http://schemas.openxmlformats.org/markup-compatibility/2006" xmlns:p14="http://schemas.microsoft.com/office/powerpoint/2010/main">
+    <mc:Choice Requires="p14">
       <p:transition spd="med" p14:dur="700">
         <p:fade/>
       </p:transition>
     </mc:Choice>
-    <mc:Fallback>
+    <mc:Fallback xmlns="">
       <p:transition spd="med">
         <p:fade/>
       </p:transition>
@@ -6353,13 +5981,13 @@
   <p:clrMapOvr>
     <a:masterClrMapping/>
   </p:clrMapOvr>
-  <mc:AlternateContent xmlns:mc="http://schemas.openxmlformats.org/markup-compatibility/2006">
-    <mc:Choice xmlns:p14="http://schemas.microsoft.com/office/powerpoint/2010/main" Requires="p14">
+  <mc:AlternateContent xmlns:mc="http://schemas.openxmlformats.org/markup-compatibility/2006" xmlns:p14="http://schemas.microsoft.com/office/powerpoint/2010/main">
+    <mc:Choice Requires="p14">
       <p:transition spd="med" p14:dur="700">
         <p:fade/>
       </p:transition>
     </mc:Choice>
-    <mc:Fallback>
+    <mc:Fallback xmlns="">
       <p:transition spd="med">
         <p:fade/>
       </p:transition>
@@ -7634,13 +7262,13 @@
   <p:clrMapOvr>
     <a:masterClrMapping/>
   </p:clrMapOvr>
-  <mc:AlternateContent xmlns:mc="http://schemas.openxmlformats.org/markup-compatibility/2006">
-    <mc:Choice xmlns:p14="http://schemas.microsoft.com/office/powerpoint/2010/main" Requires="p14">
+  <mc:AlternateContent xmlns:mc="http://schemas.openxmlformats.org/markup-compatibility/2006" xmlns:p14="http://schemas.microsoft.com/office/powerpoint/2010/main">
+    <mc:Choice Requires="p14">
       <p:transition spd="med" p14:dur="700">
         <p:fade/>
       </p:transition>
     </mc:Choice>
-    <mc:Fallback>
+    <mc:Fallback xmlns="">
       <p:transition spd="med">
         <p:fade/>
       </p:transition>
@@ -8287,13 +7915,13 @@
   <p:clrMapOvr>
     <a:masterClrMapping/>
   </p:clrMapOvr>
-  <mc:AlternateContent xmlns:mc="http://schemas.openxmlformats.org/markup-compatibility/2006">
-    <mc:Choice xmlns:p14="http://schemas.microsoft.com/office/powerpoint/2010/main" Requires="p14">
+  <mc:AlternateContent xmlns:mc="http://schemas.openxmlformats.org/markup-compatibility/2006" xmlns:p14="http://schemas.microsoft.com/office/powerpoint/2010/main">
+    <mc:Choice Requires="p14">
       <p:transition spd="med" p14:dur="700">
         <p:fade/>
       </p:transition>
     </mc:Choice>
-    <mc:Fallback>
+    <mc:Fallback xmlns="">
       <p:transition spd="med">
         <p:fade/>
       </p:transition>
@@ -8922,13 +8550,13 @@
   <p:clrMapOvr>
     <a:masterClrMapping/>
   </p:clrMapOvr>
-  <mc:AlternateContent xmlns:mc="http://schemas.openxmlformats.org/markup-compatibility/2006">
-    <mc:Choice xmlns:p14="http://schemas.microsoft.com/office/powerpoint/2010/main" Requires="p14">
+  <mc:AlternateContent xmlns:mc="http://schemas.openxmlformats.org/markup-compatibility/2006" xmlns:p14="http://schemas.microsoft.com/office/powerpoint/2010/main">
+    <mc:Choice Requires="p14">
       <p:transition spd="med" p14:dur="700">
         <p:fade/>
       </p:transition>
     </mc:Choice>
-    <mc:Fallback>
+    <mc:Fallback xmlns="">
       <p:transition spd="med">
         <p:fade/>
       </p:transition>
@@ -9374,13 +9002,13 @@
   <p:clrMapOvr>
     <a:masterClrMapping/>
   </p:clrMapOvr>
-  <mc:AlternateContent xmlns:mc="http://schemas.openxmlformats.org/markup-compatibility/2006">
-    <mc:Choice xmlns:p14="http://schemas.microsoft.com/office/powerpoint/2010/main" Requires="p14">
+  <mc:AlternateContent xmlns:mc="http://schemas.openxmlformats.org/markup-compatibility/2006" xmlns:p14="http://schemas.microsoft.com/office/powerpoint/2010/main">
+    <mc:Choice Requires="p14">
       <p:transition spd="med" p14:dur="700">
         <p:fade/>
       </p:transition>
     </mc:Choice>
-    <mc:Fallback>
+    <mc:Fallback xmlns="">
       <p:transition spd="med">
         <p:fade/>
       </p:transition>
@@ -10025,13 +9653,13 @@
   <p:clrMapOvr>
     <a:masterClrMapping/>
   </p:clrMapOvr>
-  <mc:AlternateContent xmlns:mc="http://schemas.openxmlformats.org/markup-compatibility/2006">
-    <mc:Choice xmlns:p14="http://schemas.microsoft.com/office/powerpoint/2010/main" Requires="p14">
+  <mc:AlternateContent xmlns:mc="http://schemas.openxmlformats.org/markup-compatibility/2006" xmlns:p14="http://schemas.microsoft.com/office/powerpoint/2010/main">
+    <mc:Choice Requires="p14">
       <p:transition spd="med" p14:dur="700">
         <p:fade/>
       </p:transition>
     </mc:Choice>
-    <mc:Fallback>
+    <mc:Fallback xmlns="">
       <p:transition spd="med">
         <p:fade/>
       </p:transition>
@@ -10555,13 +10183,13 @@
   <p:clrMapOvr>
     <a:masterClrMapping/>
   </p:clrMapOvr>
-  <mc:AlternateContent xmlns:mc="http://schemas.openxmlformats.org/markup-compatibility/2006">
-    <mc:Choice xmlns:p14="http://schemas.microsoft.com/office/powerpoint/2010/main" Requires="p14">
+  <mc:AlternateContent xmlns:mc="http://schemas.openxmlformats.org/markup-compatibility/2006" xmlns:p14="http://schemas.microsoft.com/office/powerpoint/2010/main">
+    <mc:Choice Requires="p14">
       <p:transition spd="med" p14:dur="700">
         <p:fade/>
       </p:transition>
     </mc:Choice>
-    <mc:Fallback>
+    <mc:Fallback xmlns="">
       <p:transition spd="med">
         <p:fade/>
       </p:transition>
@@ -11079,13 +10707,13 @@
   <p:clrMapOvr>
     <a:masterClrMapping/>
   </p:clrMapOvr>
-  <mc:AlternateContent xmlns:mc="http://schemas.openxmlformats.org/markup-compatibility/2006">
-    <mc:Choice xmlns:p14="http://schemas.microsoft.com/office/powerpoint/2010/main" Requires="p14">
+  <mc:AlternateContent xmlns:mc="http://schemas.openxmlformats.org/markup-compatibility/2006" xmlns:p14="http://schemas.microsoft.com/office/powerpoint/2010/main">
+    <mc:Choice Requires="p14">
       <p:transition spd="med" p14:dur="700">
         <p:fade/>
       </p:transition>
     </mc:Choice>
-    <mc:Fallback>
+    <mc:Fallback xmlns="">
       <p:transition spd="med">
         <p:fade/>
       </p:transition>
@@ -11681,13 +11309,13 @@
   <p:clrMapOvr>
     <a:masterClrMapping/>
   </p:clrMapOvr>
-  <mc:AlternateContent xmlns:mc="http://schemas.openxmlformats.org/markup-compatibility/2006">
-    <mc:Choice xmlns:p14="http://schemas.microsoft.com/office/powerpoint/2010/main" Requires="p14">
+  <mc:AlternateContent xmlns:mc="http://schemas.openxmlformats.org/markup-compatibility/2006" xmlns:p14="http://schemas.microsoft.com/office/powerpoint/2010/main">
+    <mc:Choice Requires="p14">
       <p:transition spd="med" p14:dur="700">
         <p:fade/>
       </p:transition>
     </mc:Choice>
-    <mc:Fallback>
+    <mc:Fallback xmlns="">
       <p:transition spd="med">
         <p:fade/>
       </p:transition>
@@ -12375,13 +12003,13 @@
   <p:clrMapOvr>
     <a:masterClrMapping/>
   </p:clrMapOvr>
-  <mc:AlternateContent xmlns:mc="http://schemas.openxmlformats.org/markup-compatibility/2006">
-    <mc:Choice xmlns:p14="http://schemas.microsoft.com/office/powerpoint/2010/main" Requires="p14">
+  <mc:AlternateContent xmlns:mc="http://schemas.openxmlformats.org/markup-compatibility/2006" xmlns:p14="http://schemas.microsoft.com/office/powerpoint/2010/main">
+    <mc:Choice Requires="p14">
       <p:transition spd="med" p14:dur="700">
         <p:fade/>
       </p:transition>
     </mc:Choice>
-    <mc:Fallback>
+    <mc:Fallback xmlns="">
       <p:transition spd="med">
         <p:fade/>
       </p:transition>
@@ -12977,13 +12605,13 @@
   <p:clrMapOvr>
     <a:masterClrMapping/>
   </p:clrMapOvr>
-  <mc:AlternateContent xmlns:mc="http://schemas.openxmlformats.org/markup-compatibility/2006">
-    <mc:Choice xmlns:p14="http://schemas.microsoft.com/office/powerpoint/2010/main" Requires="p14">
+  <mc:AlternateContent xmlns:mc="http://schemas.openxmlformats.org/markup-compatibility/2006" xmlns:p14="http://schemas.microsoft.com/office/powerpoint/2010/main">
+    <mc:Choice Requires="p14">
       <p:transition spd="med" p14:dur="700">
         <p:fade/>
       </p:transition>
     </mc:Choice>
-    <mc:Fallback>
+    <mc:Fallback xmlns="">
       <p:transition spd="med">
         <p:fade/>
       </p:transition>
@@ -13534,13 +13162,13 @@
   <p:clrMapOvr>
     <a:masterClrMapping/>
   </p:clrMapOvr>
-  <mc:AlternateContent xmlns:mc="http://schemas.openxmlformats.org/markup-compatibility/2006">
-    <mc:Choice xmlns:p14="http://schemas.microsoft.com/office/powerpoint/2010/main" Requires="p14">
+  <mc:AlternateContent xmlns:mc="http://schemas.openxmlformats.org/markup-compatibility/2006" xmlns:p14="http://schemas.microsoft.com/office/powerpoint/2010/main">
+    <mc:Choice Requires="p14">
       <p:transition spd="med" p14:dur="700">
         <p:fade/>
       </p:transition>
     </mc:Choice>
-    <mc:Fallback>
+    <mc:Fallback xmlns="">
       <p:transition spd="med">
         <p:fade/>
       </p:transition>
@@ -14091,13 +13719,13 @@
   <p:clrMapOvr>
     <a:masterClrMapping/>
   </p:clrMapOvr>
-  <mc:AlternateContent xmlns:mc="http://schemas.openxmlformats.org/markup-compatibility/2006">
-    <mc:Choice xmlns:p14="http://schemas.microsoft.com/office/powerpoint/2010/main" Requires="p14">
+  <mc:AlternateContent xmlns:mc="http://schemas.openxmlformats.org/markup-compatibility/2006" xmlns:p14="http://schemas.microsoft.com/office/powerpoint/2010/main">
+    <mc:Choice Requires="p14">
       <p:transition spd="med" p14:dur="700">
         <p:fade/>
       </p:transition>
     </mc:Choice>
-    <mc:Fallback>
+    <mc:Fallback xmlns="">
       <p:transition spd="med">
         <p:fade/>
       </p:transition>
@@ -14592,13 +14220,13 @@
     <p:sldLayoutId id="2147483669" r:id="rId18"/>
     <p:sldLayoutId id="2147483672" r:id="rId19"/>
   </p:sldLayoutIdLst>
-  <mc:AlternateContent xmlns:mc="http://schemas.openxmlformats.org/markup-compatibility/2006">
-    <mc:Choice xmlns:p14="http://schemas.microsoft.com/office/powerpoint/2010/main" Requires="p14">
+  <mc:AlternateContent xmlns:mc="http://schemas.openxmlformats.org/markup-compatibility/2006" xmlns:p14="http://schemas.microsoft.com/office/powerpoint/2010/main">
+    <mc:Choice Requires="p14">
       <p:transition spd="med" p14:dur="700">
         <p:fade/>
       </p:transition>
     </mc:Choice>
-    <mc:Fallback>
+    <mc:Fallback xmlns="">
       <p:transition spd="med">
         <p:fade/>
       </p:transition>
@@ -15523,7 +15151,7 @@
               </a:defRPr>
             </a:pPr>
             <a:r>
-              <a:rPr sz="6600" b="1">
+              <a:rPr sz="6600" b="1" dirty="0">
                 <a:solidFill>
                   <a:schemeClr val="accent6">
                     <a:lumMod val="76000"/>
@@ -15533,9 +15161,35 @@
                 <a:ea typeface="Calibri"/>
                 <a:cs typeface="JasmineUPC"/>
               </a:rPr>
-              <a:t>Overview of computers</a:t>
+              <a:t>Overview</a:t>
             </a:r>
-            <a:endParaRPr lang="en-US" sz="6600" b="1">
+            <a:r>
+              <a:rPr lang="en-US" sz="6600" b="1" dirty="0">
+                <a:solidFill>
+                  <a:schemeClr val="accent6">
+                    <a:lumMod val="76000"/>
+                  </a:schemeClr>
+                </a:solidFill>
+                <a:latin typeface="JasmineUPC"/>
+                <a:ea typeface="Calibri"/>
+                <a:cs typeface="JasmineUPC"/>
+              </a:rPr>
+              <a:t> &amp; </a:t>
+            </a:r>
+            <a:r>
+              <a:rPr sz="6600" b="1" dirty="0">
+                <a:solidFill>
+                  <a:schemeClr val="accent6">
+                    <a:lumMod val="76000"/>
+                  </a:schemeClr>
+                </a:solidFill>
+                <a:latin typeface="JasmineUPC"/>
+                <a:ea typeface="Calibri"/>
+                <a:cs typeface="JasmineUPC"/>
+              </a:rPr>
+              <a:t>Classification</a:t>
+            </a:r>
+            <a:endParaRPr lang="en-US" sz="6600" b="1" dirty="0">
               <a:solidFill>
                 <a:schemeClr val="accent6">
                   <a:lumMod val="76000"/>
@@ -15553,7 +15207,7 @@
               </a:defRPr>
             </a:pPr>
             <a:r>
-              <a:rPr sz="6600" b="1">
+              <a:rPr sz="6600" b="1" dirty="0">
                 <a:solidFill>
                   <a:schemeClr val="accent6">
                     <a:lumMod val="76000"/>
@@ -15563,7 +15217,89 @@
                 <a:ea typeface="Calibri"/>
                 <a:cs typeface="JasmineUPC"/>
               </a:rPr>
-              <a:t>Classification of computers based on size, performance, and functionality</a:t>
+              <a:t> </a:t>
+            </a:r>
+            <a:r>
+              <a:rPr lang="en-US" sz="6600" b="1" dirty="0">
+                <a:solidFill>
+                  <a:schemeClr val="accent6">
+                    <a:lumMod val="76000"/>
+                  </a:schemeClr>
+                </a:solidFill>
+                <a:latin typeface="JasmineUPC"/>
+                <a:ea typeface="Calibri"/>
+                <a:cs typeface="JasmineUPC"/>
+              </a:rPr>
+              <a:t>O</a:t>
+            </a:r>
+            <a:r>
+              <a:rPr sz="6600" b="1" dirty="0">
+                <a:solidFill>
+                  <a:schemeClr val="accent6">
+                    <a:lumMod val="76000"/>
+                  </a:schemeClr>
+                </a:solidFill>
+                <a:latin typeface="JasmineUPC"/>
+                <a:ea typeface="Calibri"/>
+                <a:cs typeface="JasmineUPC"/>
+              </a:rPr>
+              <a:t>f</a:t>
+            </a:r>
+            <a:endParaRPr lang="en-US" sz="6600" b="1" dirty="0">
+              <a:solidFill>
+                <a:schemeClr val="accent6">
+                  <a:lumMod val="76000"/>
+                </a:schemeClr>
+              </a:solidFill>
+              <a:latin typeface="JasmineUPC"/>
+              <a:ea typeface="Calibri"/>
+              <a:cs typeface="JasmineUPC"/>
+            </a:endParaRPr>
+          </a:p>
+          <a:p>
+            <a:pPr>
+              <a:defRPr sz="3600">
+                <a:latin typeface="Roboto"/>
+              </a:defRPr>
+            </a:pPr>
+            <a:r>
+              <a:rPr sz="6600" b="1" dirty="0">
+                <a:solidFill>
+                  <a:schemeClr val="accent6">
+                    <a:lumMod val="76000"/>
+                  </a:schemeClr>
+                </a:solidFill>
+                <a:latin typeface="JasmineUPC"/>
+                <a:ea typeface="Calibri"/>
+                <a:cs typeface="JasmineUPC"/>
+              </a:rPr>
+              <a:t> </a:t>
+            </a:r>
+            <a:r>
+              <a:rPr lang="en-US" sz="6600" b="1" dirty="0">
+                <a:solidFill>
+                  <a:schemeClr val="accent6">
+                    <a:lumMod val="76000"/>
+                  </a:schemeClr>
+                </a:solidFill>
+                <a:latin typeface="JasmineUPC"/>
+                <a:ea typeface="Calibri"/>
+                <a:cs typeface="JasmineUPC"/>
+              </a:rPr>
+              <a:t>C</a:t>
+            </a:r>
+            <a:r>
+              <a:rPr sz="6600" b="1" dirty="0">
+                <a:solidFill>
+                  <a:schemeClr val="accent6">
+                    <a:lumMod val="76000"/>
+                  </a:schemeClr>
+                </a:solidFill>
+                <a:latin typeface="JasmineUPC"/>
+                <a:ea typeface="Calibri"/>
+                <a:cs typeface="JasmineUPC"/>
+              </a:rPr>
+              <a:t>omputers</a:t>
             </a:r>
           </a:p>
         </p:txBody>
@@ -15673,13 +15409,13 @@
   <p:clrMapOvr>
     <a:masterClrMapping/>
   </p:clrMapOvr>
-  <mc:AlternateContent xmlns:mc="http://schemas.openxmlformats.org/markup-compatibility/2006">
-    <mc:Choice xmlns:p14="http://schemas.microsoft.com/office/powerpoint/2010/main" Requires="p14">
+  <mc:AlternateContent xmlns:mc="http://schemas.openxmlformats.org/markup-compatibility/2006" xmlns:p14="http://schemas.microsoft.com/office/powerpoint/2010/main">
+    <mc:Choice Requires="p14">
       <p:transition spd="med" p14:dur="700">
         <p:fade/>
       </p:transition>
     </mc:Choice>
-    <mc:Fallback>
+    <mc:Fallback xmlns="">
       <p:transition spd="med">
         <p:fade/>
       </p:transition>
@@ -15780,57 +15516,6 @@
           </a:p>
         </p:txBody>
       </p:sp>
-      <mc:AlternateContent xmlns:mc="http://schemas.openxmlformats.org/markup-compatibility/2006" xmlns:p14="http://schemas.microsoft.com/office/powerpoint/2010/main">
-        <mc:Choice Requires="p14">
-          <p:contentPart p14:bwMode="auto" r:id="rId2">
-            <p14:nvContentPartPr>
-              <p14:cNvPr id="7" name="Ink 6">
-                <a:extLst>
-                  <a:ext uri="{FF2B5EF4-FFF2-40B4-BE49-F238E27FC236}">
-                    <a16:creationId xmlns:a16="http://schemas.microsoft.com/office/drawing/2014/main" id="{C92D1B9D-04EE-2DA7-B019-401B2C965821}"/>
-                  </a:ext>
-                </a:extLst>
-              </p14:cNvPr>
-              <p14:cNvContentPartPr/>
-              <p14:nvPr/>
-            </p14:nvContentPartPr>
-            <p14:xfrm>
-              <a:off x="855657" y="9616075"/>
-              <a:ext cx="2621397" cy="345903"/>
-            </p14:xfrm>
-          </p:contentPart>
-        </mc:Choice>
-        <mc:Fallback xmlns="">
-          <p:pic>
-            <p:nvPicPr>
-              <p:cNvPr id="7" name="Ink 6">
-                <a:extLst>
-                  <a:ext uri="{FF2B5EF4-FFF2-40B4-BE49-F238E27FC236}">
-                    <a16:creationId xmlns:a16="http://schemas.microsoft.com/office/drawing/2014/main" id="{C92D1B9D-04EE-2DA7-B019-401B2C965821}"/>
-                  </a:ext>
-                </a:extLst>
-              </p:cNvPr>
-              <p:cNvPicPr/>
-              <p:nvPr/>
-            </p:nvPicPr>
-            <p:blipFill>
-              <a:blip r:embed="rId3"/>
-              <a:stretch>
-                <a:fillRect/>
-              </a:stretch>
-            </p:blipFill>
-            <p:spPr>
-              <a:xfrm>
-                <a:off x="792660" y="9553151"/>
-                <a:ext cx="2747031" cy="471392"/>
-              </a:xfrm>
-              <a:prstGeom prst="rect">
-                <a:avLst/>
-              </a:prstGeom>
-            </p:spPr>
-          </p:pic>
-        </mc:Fallback>
-      </mc:AlternateContent>
       <p:pic>
         <p:nvPicPr>
           <p:cNvPr id="12" name="Picture Placeholder 11" descr="Ethernet cables connected to a networking patch">
@@ -15848,24 +15533,78 @@
           </p:nvPr>
         </p:nvPicPr>
         <p:blipFill>
-          <a:blip r:embed="rId4"/>
+          <a:blip r:embed="rId2"/>
           <a:srcRect l="5556" r="5556"/>
           <a:stretch/>
         </p:blipFill>
         <p:spPr/>
       </p:pic>
+      <p:sp>
+        <p:nvSpPr>
+          <p:cNvPr id="2" name="Rectangle 1">
+            <a:extLst>
+              <a:ext uri="{FF2B5EF4-FFF2-40B4-BE49-F238E27FC236}">
+                <a16:creationId xmlns:a16="http://schemas.microsoft.com/office/drawing/2014/main" id="{D5CA019B-1603-1772-FD6B-0E25E426653A}"/>
+              </a:ext>
+            </a:extLst>
+          </p:cNvPr>
+          <p:cNvSpPr/>
+          <p:nvPr/>
+        </p:nvSpPr>
+        <p:spPr>
+          <a:xfrm>
+            <a:off x="999460" y="9505507"/>
+            <a:ext cx="1978244" cy="425302"/>
+          </a:xfrm>
+          <a:prstGeom prst="rect">
+            <a:avLst/>
+          </a:prstGeom>
+          <a:solidFill>
+            <a:schemeClr val="bg1"/>
+          </a:solidFill>
+          <a:ln>
+            <a:solidFill>
+              <a:schemeClr val="bg1"/>
+            </a:solidFill>
+          </a:ln>
+        </p:spPr>
+        <p:style>
+          <a:lnRef idx="2">
+            <a:schemeClr val="accent1">
+              <a:shade val="15000"/>
+            </a:schemeClr>
+          </a:lnRef>
+          <a:fillRef idx="1">
+            <a:schemeClr val="accent1"/>
+          </a:fillRef>
+          <a:effectRef idx="0">
+            <a:schemeClr val="accent1"/>
+          </a:effectRef>
+          <a:fontRef idx="minor">
+            <a:schemeClr val="lt1"/>
+          </a:fontRef>
+        </p:style>
+        <p:txBody>
+          <a:bodyPr rtlCol="0" anchor="ctr"/>
+          <a:lstStyle/>
+          <a:p>
+            <a:pPr algn="ctr"/>
+            <a:endParaRPr lang="en-US"/>
+          </a:p>
+        </p:txBody>
+      </p:sp>
     </p:spTree>
   </p:cSld>
   <p:clrMapOvr>
     <a:masterClrMapping/>
   </p:clrMapOvr>
-  <mc:AlternateContent xmlns:mc="http://schemas.openxmlformats.org/markup-compatibility/2006">
-    <mc:Choice xmlns:p14="http://schemas.microsoft.com/office/powerpoint/2010/main" Requires="p14">
+  <mc:AlternateContent xmlns:mc="http://schemas.openxmlformats.org/markup-compatibility/2006" xmlns:p14="http://schemas.microsoft.com/office/powerpoint/2010/main">
+    <mc:Choice Requires="p14">
       <p:transition spd="med" p14:dur="700">
         <p:fade/>
       </p:transition>
     </mc:Choice>
-    <mc:Fallback>
+    <mc:Fallback xmlns="">
       <p:transition spd="med">
         <p:fade/>
       </p:transition>
@@ -16008,69 +15747,72 @@
           </a:prstGeom>
         </p:spPr>
       </p:pic>
-      <mc:AlternateContent xmlns:mc="http://schemas.openxmlformats.org/markup-compatibility/2006" xmlns:p14="http://schemas.microsoft.com/office/powerpoint/2010/main">
-        <mc:Choice Requires="p14">
-          <p:contentPart p14:bwMode="auto" r:id="rId3">
-            <p14:nvContentPartPr>
-              <p14:cNvPr id="14" name="Ink 13">
-                <a:extLst>
-                  <a:ext uri="{FF2B5EF4-FFF2-40B4-BE49-F238E27FC236}">
-                    <a16:creationId xmlns:a16="http://schemas.microsoft.com/office/drawing/2014/main" id="{8A50056E-69B7-E2BE-62B2-545C4786CCFB}"/>
-                  </a:ext>
-                </a:extLst>
-              </p14:cNvPr>
-              <p14:cNvContentPartPr/>
-              <p14:nvPr/>
-            </p14:nvContentPartPr>
-            <p14:xfrm>
-              <a:off x="10226" y="9585805"/>
-              <a:ext cx="3835927" cy="481160"/>
-            </p14:xfrm>
-          </p:contentPart>
-        </mc:Choice>
-        <mc:Fallback xmlns="">
-          <p:pic>
-            <p:nvPicPr>
-              <p:cNvPr id="14" name="Ink 13">
-                <a:extLst>
-                  <a:ext uri="{FF2B5EF4-FFF2-40B4-BE49-F238E27FC236}">
-                    <a16:creationId xmlns:a16="http://schemas.microsoft.com/office/drawing/2014/main" id="{8A50056E-69B7-E2BE-62B2-545C4786CCFB}"/>
-                  </a:ext>
-                </a:extLst>
-              </p:cNvPr>
-              <p:cNvPicPr/>
-              <p:nvPr/>
-            </p:nvPicPr>
-            <p:blipFill>
-              <a:blip r:embed="rId4"/>
-              <a:stretch>
-                <a:fillRect/>
-              </a:stretch>
-            </p:blipFill>
-            <p:spPr>
-              <a:xfrm>
-                <a:off x="-52770" y="9522873"/>
-                <a:ext cx="3961559" cy="606664"/>
-              </a:xfrm>
-              <a:prstGeom prst="rect">
-                <a:avLst/>
-              </a:prstGeom>
-            </p:spPr>
-          </p:pic>
-        </mc:Fallback>
-      </mc:AlternateContent>
+      <p:sp>
+        <p:nvSpPr>
+          <p:cNvPr id="2" name="Rectangle 1">
+            <a:extLst>
+              <a:ext uri="{FF2B5EF4-FFF2-40B4-BE49-F238E27FC236}">
+                <a16:creationId xmlns:a16="http://schemas.microsoft.com/office/drawing/2014/main" id="{CEBADF30-E0B9-4D6D-A1DE-E8D042CA85C3}"/>
+              </a:ext>
+            </a:extLst>
+          </p:cNvPr>
+          <p:cNvSpPr/>
+          <p:nvPr/>
+        </p:nvSpPr>
+        <p:spPr>
+          <a:xfrm>
+            <a:off x="999460" y="9505507"/>
+            <a:ext cx="1978244" cy="425302"/>
+          </a:xfrm>
+          <a:prstGeom prst="rect">
+            <a:avLst/>
+          </a:prstGeom>
+          <a:solidFill>
+            <a:schemeClr val="bg1"/>
+          </a:solidFill>
+          <a:ln>
+            <a:solidFill>
+              <a:schemeClr val="bg1"/>
+            </a:solidFill>
+          </a:ln>
+        </p:spPr>
+        <p:style>
+          <a:lnRef idx="2">
+            <a:schemeClr val="accent1">
+              <a:shade val="15000"/>
+            </a:schemeClr>
+          </a:lnRef>
+          <a:fillRef idx="1">
+            <a:schemeClr val="accent1"/>
+          </a:fillRef>
+          <a:effectRef idx="0">
+            <a:schemeClr val="accent1"/>
+          </a:effectRef>
+          <a:fontRef idx="minor">
+            <a:schemeClr val="lt1"/>
+          </a:fontRef>
+        </p:style>
+        <p:txBody>
+          <a:bodyPr rtlCol="0" anchor="ctr"/>
+          <a:lstStyle/>
+          <a:p>
+            <a:pPr algn="ctr"/>
+            <a:endParaRPr lang="en-US"/>
+          </a:p>
+        </p:txBody>
+      </p:sp>
     </p:spTree>
   </p:cSld>
   <p:clrMapOvr>
     <a:masterClrMapping/>
   </p:clrMapOvr>
-  <mc:AlternateContent xmlns:mc="http://schemas.openxmlformats.org/markup-compatibility/2006">
-    <mc:Choice xmlns:p14="http://schemas.microsoft.com/office/powerpoint/2010/main" Requires="p14">
+  <mc:AlternateContent xmlns:mc="http://schemas.openxmlformats.org/markup-compatibility/2006" xmlns:p14="http://schemas.microsoft.com/office/powerpoint/2010/main">
+    <mc:Choice Requires="p14">
       <p:transition spd="med" p14:dur="700">
         <p:fade/>
       </p:transition>
     </mc:Choice>
-    <mc:Fallback>
+    <mc:Fallback xmlns="">
       <p:transition spd="med">
         <p:fade/>
       </p:transition>
@@ -16133,108 +15875,6 @@
           </a:p>
         </p:txBody>
       </p:sp>
-      <mc:AlternateContent xmlns:mc="http://schemas.openxmlformats.org/markup-compatibility/2006" xmlns:p14="http://schemas.microsoft.com/office/powerpoint/2010/main">
-        <mc:Choice Requires="p14">
-          <p:contentPart p14:bwMode="auto" r:id="rId2">
-            <p14:nvContentPartPr>
-              <p14:cNvPr id="8" name="Ink 7">
-                <a:extLst>
-                  <a:ext uri="{FF2B5EF4-FFF2-40B4-BE49-F238E27FC236}">
-                    <a16:creationId xmlns:a16="http://schemas.microsoft.com/office/drawing/2014/main" id="{993D8623-ADB0-91D7-0563-C2F07375194F}"/>
-                  </a:ext>
-                </a:extLst>
-              </p14:cNvPr>
-              <p14:cNvContentPartPr/>
-              <p14:nvPr/>
-            </p14:nvContentPartPr>
-            <p14:xfrm>
-              <a:off x="893270" y="9722275"/>
-              <a:ext cx="2476592" cy="253460"/>
-            </p14:xfrm>
-          </p:contentPart>
-        </mc:Choice>
-        <mc:Fallback xmlns="">
-          <p:pic>
-            <p:nvPicPr>
-              <p:cNvPr id="8" name="Ink 7">
-                <a:extLst>
-                  <a:ext uri="{FF2B5EF4-FFF2-40B4-BE49-F238E27FC236}">
-                    <a16:creationId xmlns:a16="http://schemas.microsoft.com/office/drawing/2014/main" id="{993D8623-ADB0-91D7-0563-C2F07375194F}"/>
-                  </a:ext>
-                </a:extLst>
-              </p:cNvPr>
-              <p:cNvPicPr/>
-              <p:nvPr/>
-            </p:nvPicPr>
-            <p:blipFill>
-              <a:blip r:embed="rId3"/>
-              <a:stretch>
-                <a:fillRect/>
-              </a:stretch>
-            </p:blipFill>
-            <p:spPr>
-              <a:xfrm>
-                <a:off x="830275" y="9659359"/>
-                <a:ext cx="2602221" cy="378932"/>
-              </a:xfrm>
-              <a:prstGeom prst="rect">
-                <a:avLst/>
-              </a:prstGeom>
-            </p:spPr>
-          </p:pic>
-        </mc:Fallback>
-      </mc:AlternateContent>
-      <mc:AlternateContent xmlns:mc="http://schemas.openxmlformats.org/markup-compatibility/2006" xmlns:p14="http://schemas.microsoft.com/office/powerpoint/2010/main">
-        <mc:Choice Requires="p14">
-          <p:contentPart p14:bwMode="auto" r:id="rId4">
-            <p14:nvContentPartPr>
-              <p14:cNvPr id="9" name="Ink 8">
-                <a:extLst>
-                  <a:ext uri="{FF2B5EF4-FFF2-40B4-BE49-F238E27FC236}">
-                    <a16:creationId xmlns:a16="http://schemas.microsoft.com/office/drawing/2014/main" id="{163C222C-273C-6881-A806-BF6972C9D578}"/>
-                  </a:ext>
-                </a:extLst>
-              </p14:cNvPr>
-              <p14:cNvContentPartPr/>
-              <p14:nvPr/>
-            </p14:nvContentPartPr>
-            <p14:xfrm>
-              <a:off x="778819" y="9811986"/>
-              <a:ext cx="1551596" cy="30335"/>
-            </p14:xfrm>
-          </p:contentPart>
-        </mc:Choice>
-        <mc:Fallback xmlns="">
-          <p:pic>
-            <p:nvPicPr>
-              <p:cNvPr id="9" name="Ink 8">
-                <a:extLst>
-                  <a:ext uri="{FF2B5EF4-FFF2-40B4-BE49-F238E27FC236}">
-                    <a16:creationId xmlns:a16="http://schemas.microsoft.com/office/drawing/2014/main" id="{163C222C-273C-6881-A806-BF6972C9D578}"/>
-                  </a:ext>
-                </a:extLst>
-              </p:cNvPr>
-              <p:cNvPicPr/>
-              <p:nvPr/>
-            </p:nvPicPr>
-            <p:blipFill>
-              <a:blip r:embed="rId5"/>
-              <a:stretch>
-                <a:fillRect/>
-              </a:stretch>
-            </p:blipFill>
-            <p:spPr>
-              <a:xfrm>
-                <a:off x="715834" y="9749532"/>
-                <a:ext cx="1677207" cy="154887"/>
-              </a:xfrm>
-              <a:prstGeom prst="rect">
-                <a:avLst/>
-              </a:prstGeom>
-            </p:spPr>
-          </p:pic>
-        </mc:Fallback>
-      </mc:AlternateContent>
       <p:pic>
         <p:nvPicPr>
           <p:cNvPr id="19" name="Picture Placeholder 18" descr="Doctors monitoring patient condition on monitors">
@@ -16252,7 +15892,7 @@
           </p:nvPr>
         </p:nvPicPr>
         <p:blipFill>
-          <a:blip r:embed="rId6"/>
+          <a:blip r:embed="rId2"/>
           <a:srcRect l="30406" r="30406"/>
           <a:stretch/>
         </p:blipFill>
@@ -16345,10 +15985,10 @@
           <p:nvPr/>
         </p:nvPicPr>
         <p:blipFill>
-          <a:blip r:embed="rId7">
+          <a:blip r:embed="rId3">
             <a:extLst>
               <a:ext uri="{96DAC541-7B7A-43D3-8B79-37D633B846F1}">
-                <asvg:svgBlip xmlns:asvg="http://schemas.microsoft.com/office/drawing/2016/SVG/main" r:embed="rId8"/>
+                <asvg:svgBlip xmlns:asvg="http://schemas.microsoft.com/office/drawing/2016/SVG/main" r:embed="rId4"/>
               </a:ext>
             </a:extLst>
           </a:blip>
@@ -16381,10 +16021,10 @@
           <p:nvPr/>
         </p:nvPicPr>
         <p:blipFill>
-          <a:blip r:embed="rId7">
+          <a:blip r:embed="rId3">
             <a:extLst>
               <a:ext uri="{96DAC541-7B7A-43D3-8B79-37D633B846F1}">
-                <asvg:svgBlip xmlns:asvg="http://schemas.microsoft.com/office/drawing/2016/SVG/main" r:embed="rId8"/>
+                <asvg:svgBlip xmlns:asvg="http://schemas.microsoft.com/office/drawing/2016/SVG/main" r:embed="rId4"/>
               </a:ext>
             </a:extLst>
           </a:blip>
@@ -16402,18 +16042,72 @@
           </a:prstGeom>
         </p:spPr>
       </p:pic>
+      <p:sp>
+        <p:nvSpPr>
+          <p:cNvPr id="3" name="Rectangle 2">
+            <a:extLst>
+              <a:ext uri="{FF2B5EF4-FFF2-40B4-BE49-F238E27FC236}">
+                <a16:creationId xmlns:a16="http://schemas.microsoft.com/office/drawing/2014/main" id="{B1485E56-D192-0374-769D-C2A4BBFCB1A0}"/>
+              </a:ext>
+            </a:extLst>
+          </p:cNvPr>
+          <p:cNvSpPr/>
+          <p:nvPr/>
+        </p:nvSpPr>
+        <p:spPr>
+          <a:xfrm>
+            <a:off x="999460" y="9505507"/>
+            <a:ext cx="1978244" cy="425302"/>
+          </a:xfrm>
+          <a:prstGeom prst="rect">
+            <a:avLst/>
+          </a:prstGeom>
+          <a:solidFill>
+            <a:schemeClr val="bg1"/>
+          </a:solidFill>
+          <a:ln>
+            <a:solidFill>
+              <a:schemeClr val="bg1"/>
+            </a:solidFill>
+          </a:ln>
+        </p:spPr>
+        <p:style>
+          <a:lnRef idx="2">
+            <a:schemeClr val="accent1">
+              <a:shade val="15000"/>
+            </a:schemeClr>
+          </a:lnRef>
+          <a:fillRef idx="1">
+            <a:schemeClr val="accent1"/>
+          </a:fillRef>
+          <a:effectRef idx="0">
+            <a:schemeClr val="accent1"/>
+          </a:effectRef>
+          <a:fontRef idx="minor">
+            <a:schemeClr val="lt1"/>
+          </a:fontRef>
+        </p:style>
+        <p:txBody>
+          <a:bodyPr rtlCol="0" anchor="ctr"/>
+          <a:lstStyle/>
+          <a:p>
+            <a:pPr algn="ctr"/>
+            <a:endParaRPr lang="en-US"/>
+          </a:p>
+        </p:txBody>
+      </p:sp>
     </p:spTree>
   </p:cSld>
   <p:clrMapOvr>
     <a:masterClrMapping/>
   </p:clrMapOvr>
-  <mc:AlternateContent xmlns:mc="http://schemas.openxmlformats.org/markup-compatibility/2006">
-    <mc:Choice xmlns:p14="http://schemas.microsoft.com/office/powerpoint/2010/main" Requires="p14">
+  <mc:AlternateContent xmlns:mc="http://schemas.openxmlformats.org/markup-compatibility/2006" xmlns:p14="http://schemas.microsoft.com/office/powerpoint/2010/main">
+    <mc:Choice Requires="p14">
       <p:transition spd="med" p14:dur="700">
         <p:fade/>
       </p:transition>
     </mc:Choice>
-    <mc:Fallback>
+    <mc:Fallback xmlns="">
       <p:transition spd="med">
         <p:fade/>
       </p:transition>
@@ -17069,57 +16763,6 @@
           </a:p>
         </p:txBody>
       </p:sp>
-      <mc:AlternateContent xmlns:mc="http://schemas.openxmlformats.org/markup-compatibility/2006" xmlns:p14="http://schemas.microsoft.com/office/powerpoint/2010/main">
-        <mc:Choice Requires="p14">
-          <p:contentPart p14:bwMode="auto" r:id="rId2">
-            <p14:nvContentPartPr>
-              <p14:cNvPr id="11" name="Ink 10">
-                <a:extLst>
-                  <a:ext uri="{FF2B5EF4-FFF2-40B4-BE49-F238E27FC236}">
-                    <a16:creationId xmlns:a16="http://schemas.microsoft.com/office/drawing/2014/main" id="{EDA36862-1CAF-7108-9B95-45D80A80E10F}"/>
-                  </a:ext>
-                </a:extLst>
-              </p14:cNvPr>
-              <p14:cNvContentPartPr/>
-              <p14:nvPr/>
-            </p14:nvContentPartPr>
-            <p14:xfrm>
-              <a:off x="750846" y="9707430"/>
-              <a:ext cx="2760783" cy="222617"/>
-            </p14:xfrm>
-          </p:contentPart>
-        </mc:Choice>
-        <mc:Fallback xmlns="">
-          <p:pic>
-            <p:nvPicPr>
-              <p:cNvPr id="11" name="Ink 10">
-                <a:extLst>
-                  <a:ext uri="{FF2B5EF4-FFF2-40B4-BE49-F238E27FC236}">
-                    <a16:creationId xmlns:a16="http://schemas.microsoft.com/office/drawing/2014/main" id="{EDA36862-1CAF-7108-9B95-45D80A80E10F}"/>
-                  </a:ext>
-                </a:extLst>
-              </p:cNvPr>
-              <p:cNvPicPr/>
-              <p:nvPr/>
-            </p:nvPicPr>
-            <p:blipFill>
-              <a:blip r:embed="rId3"/>
-              <a:stretch>
-                <a:fillRect/>
-              </a:stretch>
-            </p:blipFill>
-            <p:spPr>
-              <a:xfrm>
-                <a:off x="687856" y="9644595"/>
-                <a:ext cx="2886404" cy="347929"/>
-              </a:xfrm>
-              <a:prstGeom prst="rect">
-                <a:avLst/>
-              </a:prstGeom>
-            </p:spPr>
-          </p:pic>
-        </mc:Fallback>
-      </mc:AlternateContent>
       <p:pic>
         <p:nvPicPr>
           <p:cNvPr id="12" name="Picture 11" descr="Mother Board">
@@ -17135,7 +16778,7 @@
           <p:nvPr/>
         </p:nvPicPr>
         <p:blipFill>
-          <a:blip r:embed="rId4"/>
+          <a:blip r:embed="rId2"/>
           <a:stretch>
             <a:fillRect/>
           </a:stretch>
@@ -17150,6 +16793,60 @@
           </a:prstGeom>
         </p:spPr>
       </p:pic>
+      <p:sp>
+        <p:nvSpPr>
+          <p:cNvPr id="2" name="Rectangle 1">
+            <a:extLst>
+              <a:ext uri="{FF2B5EF4-FFF2-40B4-BE49-F238E27FC236}">
+                <a16:creationId xmlns:a16="http://schemas.microsoft.com/office/drawing/2014/main" id="{EECA691D-8827-2C31-26CB-E5935DE74109}"/>
+              </a:ext>
+            </a:extLst>
+          </p:cNvPr>
+          <p:cNvSpPr/>
+          <p:nvPr/>
+        </p:nvSpPr>
+        <p:spPr>
+          <a:xfrm>
+            <a:off x="999460" y="9505507"/>
+            <a:ext cx="1978244" cy="425302"/>
+          </a:xfrm>
+          <a:prstGeom prst="rect">
+            <a:avLst/>
+          </a:prstGeom>
+          <a:solidFill>
+            <a:schemeClr val="bg1"/>
+          </a:solidFill>
+          <a:ln>
+            <a:solidFill>
+              <a:schemeClr val="bg1"/>
+            </a:solidFill>
+          </a:ln>
+        </p:spPr>
+        <p:style>
+          <a:lnRef idx="2">
+            <a:schemeClr val="accent1">
+              <a:shade val="15000"/>
+            </a:schemeClr>
+          </a:lnRef>
+          <a:fillRef idx="1">
+            <a:schemeClr val="accent1"/>
+          </a:fillRef>
+          <a:effectRef idx="0">
+            <a:schemeClr val="accent1"/>
+          </a:effectRef>
+          <a:fontRef idx="minor">
+            <a:schemeClr val="lt1"/>
+          </a:fontRef>
+        </p:style>
+        <p:txBody>
+          <a:bodyPr rtlCol="0" anchor="ctr"/>
+          <a:lstStyle/>
+          <a:p>
+            <a:pPr algn="ctr"/>
+            <a:endParaRPr lang="en-US"/>
+          </a:p>
+        </p:txBody>
+      </p:sp>
     </p:spTree>
     <p:extLst>
       <p:ext uri="{BB962C8B-B14F-4D97-AF65-F5344CB8AC3E}">
@@ -17160,13 +16857,13 @@
   <p:clrMapOvr>
     <a:masterClrMapping/>
   </p:clrMapOvr>
-  <mc:AlternateContent xmlns:mc="http://schemas.openxmlformats.org/markup-compatibility/2006">
-    <mc:Choice xmlns:p14="http://schemas.microsoft.com/office/powerpoint/2010/main" Requires="p14">
+  <mc:AlternateContent xmlns:mc="http://schemas.openxmlformats.org/markup-compatibility/2006" xmlns:p14="http://schemas.microsoft.com/office/powerpoint/2010/main">
+    <mc:Choice Requires="p14">
       <p:transition spd="med" p14:dur="700">
         <p:fade/>
       </p:transition>
     </mc:Choice>
-    <mc:Fallback>
+    <mc:Fallback xmlns="">
       <p:transition spd="med">
         <p:fade/>
       </p:transition>
@@ -17192,57 +16889,6 @@
           <a:chExt cx="0" cy="0"/>
         </a:xfrm>
       </p:grpSpPr>
-      <mc:AlternateContent xmlns:mc="http://schemas.openxmlformats.org/markup-compatibility/2006" xmlns:p14="http://schemas.microsoft.com/office/powerpoint/2010/main">
-        <mc:Choice Requires="p14">
-          <p:contentPart p14:bwMode="auto" r:id="rId2">
-            <p14:nvContentPartPr>
-              <p14:cNvPr id="7" name="Ink 6">
-                <a:extLst>
-                  <a:ext uri="{FF2B5EF4-FFF2-40B4-BE49-F238E27FC236}">
-                    <a16:creationId xmlns:a16="http://schemas.microsoft.com/office/drawing/2014/main" id="{7B5C03EC-D7A7-E487-BB1E-A603A020F511}"/>
-                  </a:ext>
-                </a:extLst>
-              </p14:cNvPr>
-              <p14:cNvContentPartPr/>
-              <p14:nvPr/>
-            </p14:nvContentPartPr>
-            <p14:xfrm>
-              <a:off x="915428" y="9720613"/>
-              <a:ext cx="2185869" cy="210953"/>
-            </p14:xfrm>
-          </p:contentPart>
-        </mc:Choice>
-        <mc:Fallback xmlns="">
-          <p:pic>
-            <p:nvPicPr>
-              <p:cNvPr id="7" name="Ink 6">
-                <a:extLst>
-                  <a:ext uri="{FF2B5EF4-FFF2-40B4-BE49-F238E27FC236}">
-                    <a16:creationId xmlns:a16="http://schemas.microsoft.com/office/drawing/2014/main" id="{7B5C03EC-D7A7-E487-BB1E-A603A020F511}"/>
-                  </a:ext>
-                </a:extLst>
-              </p:cNvPr>
-              <p:cNvPicPr/>
-              <p:nvPr/>
-            </p:nvPicPr>
-            <p:blipFill>
-              <a:blip r:embed="rId3"/>
-              <a:stretch>
-                <a:fillRect/>
-              </a:stretch>
-            </p:blipFill>
-            <p:spPr>
-              <a:xfrm>
-                <a:off x="852440" y="9657722"/>
-                <a:ext cx="2311485" cy="336375"/>
-              </a:xfrm>
-              <a:prstGeom prst="rect">
-                <a:avLst/>
-              </a:prstGeom>
-            </p:spPr>
-          </p:pic>
-        </mc:Fallback>
-      </mc:AlternateContent>
       <p:pic>
         <p:nvPicPr>
           <p:cNvPr id="8" name="Picture 7">
@@ -17258,7 +16904,7 @@
           <p:nvPr/>
         </p:nvPicPr>
         <p:blipFill>
-          <a:blip r:embed="rId4"/>
+          <a:blip r:embed="rId2"/>
           <a:srcRect l="20370" r="20370"/>
           <a:stretch>
             <a:fillRect/>
@@ -17907,6 +17553,60 @@
           </a:p>
         </p:txBody>
       </p:sp>
+      <p:sp>
+        <p:nvSpPr>
+          <p:cNvPr id="2" name="Rectangle 1">
+            <a:extLst>
+              <a:ext uri="{FF2B5EF4-FFF2-40B4-BE49-F238E27FC236}">
+                <a16:creationId xmlns:a16="http://schemas.microsoft.com/office/drawing/2014/main" id="{FB9761CF-2C38-4C1E-A3C3-022AA6893473}"/>
+              </a:ext>
+            </a:extLst>
+          </p:cNvPr>
+          <p:cNvSpPr/>
+          <p:nvPr/>
+        </p:nvSpPr>
+        <p:spPr>
+          <a:xfrm>
+            <a:off x="999460" y="9505507"/>
+            <a:ext cx="1978244" cy="425302"/>
+          </a:xfrm>
+          <a:prstGeom prst="rect">
+            <a:avLst/>
+          </a:prstGeom>
+          <a:solidFill>
+            <a:schemeClr val="bg1"/>
+          </a:solidFill>
+          <a:ln>
+            <a:solidFill>
+              <a:schemeClr val="bg1"/>
+            </a:solidFill>
+          </a:ln>
+        </p:spPr>
+        <p:style>
+          <a:lnRef idx="2">
+            <a:schemeClr val="accent1">
+              <a:shade val="15000"/>
+            </a:schemeClr>
+          </a:lnRef>
+          <a:fillRef idx="1">
+            <a:schemeClr val="accent1"/>
+          </a:fillRef>
+          <a:effectRef idx="0">
+            <a:schemeClr val="accent1"/>
+          </a:effectRef>
+          <a:fontRef idx="minor">
+            <a:schemeClr val="lt1"/>
+          </a:fontRef>
+        </p:style>
+        <p:txBody>
+          <a:bodyPr rtlCol="0" anchor="ctr"/>
+          <a:lstStyle/>
+          <a:p>
+            <a:pPr algn="ctr"/>
+            <a:endParaRPr lang="en-US"/>
+          </a:p>
+        </p:txBody>
+      </p:sp>
     </p:spTree>
     <p:extLst>
       <p:ext uri="{BB962C8B-B14F-4D97-AF65-F5344CB8AC3E}">
@@ -17917,13 +17617,13 @@
   <p:clrMapOvr>
     <a:masterClrMapping/>
   </p:clrMapOvr>
-  <mc:AlternateContent xmlns:mc="http://schemas.openxmlformats.org/markup-compatibility/2006">
-    <mc:Choice xmlns:p14="http://schemas.microsoft.com/office/powerpoint/2010/main" Requires="p14">
+  <mc:AlternateContent xmlns:mc="http://schemas.openxmlformats.org/markup-compatibility/2006" xmlns:p14="http://schemas.microsoft.com/office/powerpoint/2010/main">
+    <mc:Choice Requires="p14">
       <p:transition spd="med" p14:dur="700">
         <p:fade/>
       </p:transition>
     </mc:Choice>
-    <mc:Fallback>
+    <mc:Fallback xmlns="">
       <p:transition spd="med">
         <p:fade/>
       </p:transition>
@@ -18043,57 +17743,6 @@
           </a:p>
         </p:txBody>
       </p:sp>
-      <mc:AlternateContent xmlns:mc="http://schemas.openxmlformats.org/markup-compatibility/2006" xmlns:p14="http://schemas.microsoft.com/office/powerpoint/2010/main">
-        <mc:Choice Requires="p14">
-          <p:contentPart p14:bwMode="auto" r:id="rId3">
-            <p14:nvContentPartPr>
-              <p14:cNvPr id="7" name="Ink 6">
-                <a:extLst>
-                  <a:ext uri="{FF2B5EF4-FFF2-40B4-BE49-F238E27FC236}">
-                    <a16:creationId xmlns:a16="http://schemas.microsoft.com/office/drawing/2014/main" id="{61013392-51C7-FC93-978B-D5DD2BCCB8D4}"/>
-                  </a:ext>
-                </a:extLst>
-              </p14:cNvPr>
-              <p14:cNvContentPartPr/>
-              <p14:nvPr/>
-            </p14:nvContentPartPr>
-            <p14:xfrm>
-              <a:off x="-331475" y="9466059"/>
-              <a:ext cx="3928219" cy="436884"/>
-            </p14:xfrm>
-          </p:contentPart>
-        </mc:Choice>
-        <mc:Fallback xmlns="">
-          <p:pic>
-            <p:nvPicPr>
-              <p:cNvPr id="7" name="Ink 6">
-                <a:extLst>
-                  <a:ext uri="{FF2B5EF4-FFF2-40B4-BE49-F238E27FC236}">
-                    <a16:creationId xmlns:a16="http://schemas.microsoft.com/office/drawing/2014/main" id="{61013392-51C7-FC93-978B-D5DD2BCCB8D4}"/>
-                  </a:ext>
-                </a:extLst>
-              </p:cNvPr>
-              <p:cNvPicPr/>
-              <p:nvPr/>
-            </p:nvPicPr>
-            <p:blipFill>
-              <a:blip r:embed="rId4"/>
-              <a:stretch>
-                <a:fillRect/>
-              </a:stretch>
-            </p:blipFill>
-            <p:spPr>
-              <a:xfrm>
-                <a:off x="-349475" y="9448080"/>
-                <a:ext cx="3963858" cy="472482"/>
-              </a:xfrm>
-              <a:prstGeom prst="rect">
-                <a:avLst/>
-              </a:prstGeom>
-            </p:spPr>
-          </p:pic>
-        </mc:Fallback>
-      </mc:AlternateContent>
       <p:sp>
         <p:nvSpPr>
           <p:cNvPr id="9" name="Content Placeholder 8">
@@ -18119,18 +17768,72 @@
           </a:p>
         </p:txBody>
       </p:sp>
+      <p:sp>
+        <p:nvSpPr>
+          <p:cNvPr id="6" name="Rectangle 5">
+            <a:extLst>
+              <a:ext uri="{FF2B5EF4-FFF2-40B4-BE49-F238E27FC236}">
+                <a16:creationId xmlns:a16="http://schemas.microsoft.com/office/drawing/2014/main" id="{F920FF87-722A-52DB-B7D3-7568228022AD}"/>
+              </a:ext>
+            </a:extLst>
+          </p:cNvPr>
+          <p:cNvSpPr/>
+          <p:nvPr/>
+        </p:nvSpPr>
+        <p:spPr>
+          <a:xfrm>
+            <a:off x="999460" y="9505507"/>
+            <a:ext cx="1978244" cy="425302"/>
+          </a:xfrm>
+          <a:prstGeom prst="rect">
+            <a:avLst/>
+          </a:prstGeom>
+          <a:solidFill>
+            <a:schemeClr val="bg1"/>
+          </a:solidFill>
+          <a:ln>
+            <a:solidFill>
+              <a:schemeClr val="bg1"/>
+            </a:solidFill>
+          </a:ln>
+        </p:spPr>
+        <p:style>
+          <a:lnRef idx="2">
+            <a:schemeClr val="accent1">
+              <a:shade val="15000"/>
+            </a:schemeClr>
+          </a:lnRef>
+          <a:fillRef idx="1">
+            <a:schemeClr val="accent1"/>
+          </a:fillRef>
+          <a:effectRef idx="0">
+            <a:schemeClr val="accent1"/>
+          </a:effectRef>
+          <a:fontRef idx="minor">
+            <a:schemeClr val="lt1"/>
+          </a:fontRef>
+        </p:style>
+        <p:txBody>
+          <a:bodyPr rtlCol="0" anchor="ctr"/>
+          <a:lstStyle/>
+          <a:p>
+            <a:pPr algn="ctr"/>
+            <a:endParaRPr lang="en-US"/>
+          </a:p>
+        </p:txBody>
+      </p:sp>
     </p:spTree>
   </p:cSld>
   <p:clrMapOvr>
     <a:masterClrMapping/>
   </p:clrMapOvr>
-  <mc:AlternateContent xmlns:mc="http://schemas.openxmlformats.org/markup-compatibility/2006">
-    <mc:Choice xmlns:p14="http://schemas.microsoft.com/office/powerpoint/2010/main" Requires="p14">
+  <mc:AlternateContent xmlns:mc="http://schemas.openxmlformats.org/markup-compatibility/2006" xmlns:p14="http://schemas.microsoft.com/office/powerpoint/2010/main">
+    <mc:Choice Requires="p14">
       <p:transition spd="med" p14:dur="700">
         <p:fade/>
       </p:transition>
     </mc:Choice>
-    <mc:Fallback>
+    <mc:Fallback xmlns="">
       <p:transition spd="med">
         <p:fade/>
       </p:transition>
@@ -18156,8 +17859,8 @@
           <a:chExt cx="0" cy="0"/>
         </a:xfrm>
       </p:grpSpPr>
-      <mc:AlternateContent xmlns:mc="http://schemas.openxmlformats.org/markup-compatibility/2006" xmlns:p14="http://schemas.microsoft.com/office/powerpoint/2010/main">
-        <mc:Choice Requires="p14">
+      <mc:AlternateContent xmlns:mc="http://schemas.openxmlformats.org/markup-compatibility/2006">
+        <mc:Choice xmlns:p14="http://schemas.microsoft.com/office/powerpoint/2010/main" Requires="p14">
           <p:contentPart p14:bwMode="auto" r:id="rId2">
             <p14:nvContentPartPr>
               <p14:cNvPr id="7" name="Ink 6">
@@ -18171,12 +17874,12 @@
               <p14:nvPr/>
             </p14:nvContentPartPr>
             <p14:xfrm>
-              <a:off x="-250402" y="9413280"/>
-              <a:ext cx="3990778" cy="397388"/>
+              <a:off x="233916" y="9413279"/>
+              <a:ext cx="3506460" cy="800219"/>
             </p14:xfrm>
           </p:contentPart>
         </mc:Choice>
-        <mc:Fallback xmlns="">
+        <mc:Fallback>
           <p:pic>
             <p:nvPicPr>
               <p:cNvPr id="7" name="Ink 6">
@@ -18197,8 +17900,8 @@
             </p:blipFill>
             <p:spPr>
               <a:xfrm>
-                <a:off x="-313399" y="9350345"/>
-                <a:ext cx="4116412" cy="522898"/>
+                <a:off x="170928" y="9350672"/>
+                <a:ext cx="3632076" cy="925793"/>
               </a:xfrm>
               <a:prstGeom prst="rect">
                 <a:avLst/>
@@ -18295,57 +17998,6 @@
               <a:xfrm>
                 <a:off x="2155787" y="9471289"/>
                 <a:ext cx="1131278" cy="528220"/>
-              </a:xfrm>
-              <a:prstGeom prst="rect">
-                <a:avLst/>
-              </a:prstGeom>
-            </p:spPr>
-          </p:pic>
-        </mc:Fallback>
-      </mc:AlternateContent>
-      <mc:AlternateContent xmlns:mc="http://schemas.openxmlformats.org/markup-compatibility/2006" xmlns:p14="http://schemas.microsoft.com/office/powerpoint/2010/main">
-        <mc:Choice Requires="p14">
-          <p:contentPart p14:bwMode="auto" r:id="rId6">
-            <p14:nvContentPartPr>
-              <p14:cNvPr id="11" name="Ink 10">
-                <a:extLst>
-                  <a:ext uri="{FF2B5EF4-FFF2-40B4-BE49-F238E27FC236}">
-                    <a16:creationId xmlns:a16="http://schemas.microsoft.com/office/drawing/2014/main" id="{53B81D5D-2C16-D0AA-156B-2CC699686A9F}"/>
-                  </a:ext>
-                </a:extLst>
-              </p14:cNvPr>
-              <p14:cNvContentPartPr/>
-              <p14:nvPr/>
-            </p14:nvContentPartPr>
-            <p14:xfrm>
-              <a:off x="547861" y="9749671"/>
-              <a:ext cx="2788767" cy="121692"/>
-            </p14:xfrm>
-          </p:contentPart>
-        </mc:Choice>
-        <mc:Fallback xmlns="">
-          <p:pic>
-            <p:nvPicPr>
-              <p:cNvPr id="11" name="Ink 10">
-                <a:extLst>
-                  <a:ext uri="{FF2B5EF4-FFF2-40B4-BE49-F238E27FC236}">
-                    <a16:creationId xmlns:a16="http://schemas.microsoft.com/office/drawing/2014/main" id="{53B81D5D-2C16-D0AA-156B-2CC699686A9F}"/>
-                  </a:ext>
-                </a:extLst>
-              </p:cNvPr>
-              <p:cNvPicPr/>
-              <p:nvPr/>
-            </p:nvPicPr>
-            <p:blipFill>
-              <a:blip r:embed="rId7"/>
-              <a:stretch>
-                <a:fillRect/>
-              </a:stretch>
-            </p:blipFill>
-            <p:spPr>
-              <a:xfrm>
-                <a:off x="485233" y="9687210"/>
-                <a:ext cx="2914384" cy="246974"/>
               </a:xfrm>
               <a:prstGeom prst="rect">
                 <a:avLst/>
@@ -18489,7 +18141,7 @@
           <p:nvPr/>
         </p:nvPicPr>
         <p:blipFill>
-          <a:blip r:embed="rId8"/>
+          <a:blip r:embed="rId6"/>
           <a:stretch>
             <a:fillRect/>
           </a:stretch>
@@ -18504,6 +18156,60 @@
           </a:prstGeom>
         </p:spPr>
       </p:pic>
+      <p:sp>
+        <p:nvSpPr>
+          <p:cNvPr id="2" name="Rectangle 1">
+            <a:extLst>
+              <a:ext uri="{FF2B5EF4-FFF2-40B4-BE49-F238E27FC236}">
+                <a16:creationId xmlns:a16="http://schemas.microsoft.com/office/drawing/2014/main" id="{A72782A9-4F22-5AB8-32E2-3653FF379047}"/>
+              </a:ext>
+            </a:extLst>
+          </p:cNvPr>
+          <p:cNvSpPr/>
+          <p:nvPr/>
+        </p:nvSpPr>
+        <p:spPr>
+          <a:xfrm>
+            <a:off x="999460" y="9505507"/>
+            <a:ext cx="1978244" cy="425302"/>
+          </a:xfrm>
+          <a:prstGeom prst="rect">
+            <a:avLst/>
+          </a:prstGeom>
+          <a:solidFill>
+            <a:schemeClr val="bg1"/>
+          </a:solidFill>
+          <a:ln>
+            <a:solidFill>
+              <a:schemeClr val="bg1"/>
+            </a:solidFill>
+          </a:ln>
+        </p:spPr>
+        <p:style>
+          <a:lnRef idx="2">
+            <a:schemeClr val="accent1">
+              <a:shade val="15000"/>
+            </a:schemeClr>
+          </a:lnRef>
+          <a:fillRef idx="1">
+            <a:schemeClr val="accent1"/>
+          </a:fillRef>
+          <a:effectRef idx="0">
+            <a:schemeClr val="accent1"/>
+          </a:effectRef>
+          <a:fontRef idx="minor">
+            <a:schemeClr val="lt1"/>
+          </a:fontRef>
+        </p:style>
+        <p:txBody>
+          <a:bodyPr rtlCol="0" anchor="ctr"/>
+          <a:lstStyle/>
+          <a:p>
+            <a:pPr algn="ctr"/>
+            <a:endParaRPr lang="en-US"/>
+          </a:p>
+        </p:txBody>
+      </p:sp>
     </p:spTree>
     <p:extLst>
       <p:ext uri="{BB962C8B-B14F-4D97-AF65-F5344CB8AC3E}">
@@ -18758,69 +18464,72 @@
           </a:prstGeom>
         </p:spPr>
       </p:pic>
-      <mc:AlternateContent xmlns:mc="http://schemas.openxmlformats.org/markup-compatibility/2006" xmlns:p14="http://schemas.microsoft.com/office/powerpoint/2010/main">
-        <mc:Choice Requires="p14">
-          <p:contentPart p14:bwMode="auto" r:id="rId6">
-            <p14:nvContentPartPr>
-              <p14:cNvPr id="20" name="Ink 19">
-                <a:extLst>
-                  <a:ext uri="{FF2B5EF4-FFF2-40B4-BE49-F238E27FC236}">
-                    <a16:creationId xmlns:a16="http://schemas.microsoft.com/office/drawing/2014/main" id="{0A51A899-03AB-1906-5001-2EB8A30A3D1E}"/>
-                  </a:ext>
-                </a:extLst>
-              </p14:cNvPr>
-              <p14:cNvContentPartPr/>
-              <p14:nvPr/>
-            </p14:nvContentPartPr>
-            <p14:xfrm>
-              <a:off x="585422" y="9631867"/>
-              <a:ext cx="2799708" cy="211450"/>
-            </p14:xfrm>
-          </p:contentPart>
-        </mc:Choice>
-        <mc:Fallback xmlns="">
-          <p:pic>
-            <p:nvPicPr>
-              <p:cNvPr id="20" name="Ink 19">
-                <a:extLst>
-                  <a:ext uri="{FF2B5EF4-FFF2-40B4-BE49-F238E27FC236}">
-                    <a16:creationId xmlns:a16="http://schemas.microsoft.com/office/drawing/2014/main" id="{0A51A899-03AB-1906-5001-2EB8A30A3D1E}"/>
-                  </a:ext>
-                </a:extLst>
-              </p:cNvPr>
-              <p:cNvPicPr/>
-              <p:nvPr/>
-            </p:nvPicPr>
-            <p:blipFill>
-              <a:blip r:embed="rId7"/>
-              <a:stretch>
-                <a:fillRect/>
-              </a:stretch>
-            </p:blipFill>
-            <p:spPr>
-              <a:xfrm>
-                <a:off x="522430" y="9568935"/>
-                <a:ext cx="2925331" cy="336953"/>
-              </a:xfrm>
-              <a:prstGeom prst="rect">
-                <a:avLst/>
-              </a:prstGeom>
-            </p:spPr>
-          </p:pic>
-        </mc:Fallback>
-      </mc:AlternateContent>
+      <p:sp>
+        <p:nvSpPr>
+          <p:cNvPr id="2" name="Rectangle 1">
+            <a:extLst>
+              <a:ext uri="{FF2B5EF4-FFF2-40B4-BE49-F238E27FC236}">
+                <a16:creationId xmlns:a16="http://schemas.microsoft.com/office/drawing/2014/main" id="{0F9F732E-23BE-057E-C1DC-88237E645E84}"/>
+              </a:ext>
+            </a:extLst>
+          </p:cNvPr>
+          <p:cNvSpPr/>
+          <p:nvPr/>
+        </p:nvSpPr>
+        <p:spPr>
+          <a:xfrm>
+            <a:off x="999460" y="9505507"/>
+            <a:ext cx="1978244" cy="425302"/>
+          </a:xfrm>
+          <a:prstGeom prst="rect">
+            <a:avLst/>
+          </a:prstGeom>
+          <a:solidFill>
+            <a:schemeClr val="bg1"/>
+          </a:solidFill>
+          <a:ln>
+            <a:solidFill>
+              <a:schemeClr val="bg1"/>
+            </a:solidFill>
+          </a:ln>
+        </p:spPr>
+        <p:style>
+          <a:lnRef idx="2">
+            <a:schemeClr val="accent1">
+              <a:shade val="15000"/>
+            </a:schemeClr>
+          </a:lnRef>
+          <a:fillRef idx="1">
+            <a:schemeClr val="accent1"/>
+          </a:fillRef>
+          <a:effectRef idx="0">
+            <a:schemeClr val="accent1"/>
+          </a:effectRef>
+          <a:fontRef idx="minor">
+            <a:schemeClr val="lt1"/>
+          </a:fontRef>
+        </p:style>
+        <p:txBody>
+          <a:bodyPr rtlCol="0" anchor="ctr"/>
+          <a:lstStyle/>
+          <a:p>
+            <a:pPr algn="ctr"/>
+            <a:endParaRPr lang="en-US"/>
+          </a:p>
+        </p:txBody>
+      </p:sp>
     </p:spTree>
   </p:cSld>
   <p:clrMapOvr>
     <a:masterClrMapping/>
   </p:clrMapOvr>
-  <mc:AlternateContent xmlns:mc="http://schemas.openxmlformats.org/markup-compatibility/2006">
-    <mc:Choice xmlns:p14="http://schemas.microsoft.com/office/powerpoint/2010/main" Requires="p14">
+  <mc:AlternateContent xmlns:mc="http://schemas.openxmlformats.org/markup-compatibility/2006" xmlns:p14="http://schemas.microsoft.com/office/powerpoint/2010/main">
+    <mc:Choice Requires="p14">
       <p:transition spd="med" p14:dur="700">
         <p:fade/>
       </p:transition>
     </mc:Choice>
-    <mc:Fallback>
+    <mc:Fallback xmlns="">
       <p:transition spd="med">
         <p:fade/>
       </p:transition>
@@ -18846,57 +18555,6 @@
           <a:chExt cx="0" cy="0"/>
         </a:xfrm>
       </p:grpSpPr>
-      <mc:AlternateContent xmlns:mc="http://schemas.openxmlformats.org/markup-compatibility/2006" xmlns:p14="http://schemas.microsoft.com/office/powerpoint/2010/main">
-        <mc:Choice Requires="p14">
-          <p:contentPart p14:bwMode="auto" r:id="rId2">
-            <p14:nvContentPartPr>
-              <p14:cNvPr id="7" name="Ink 6">
-                <a:extLst>
-                  <a:ext uri="{FF2B5EF4-FFF2-40B4-BE49-F238E27FC236}">
-                    <a16:creationId xmlns:a16="http://schemas.microsoft.com/office/drawing/2014/main" id="{3387E203-0245-F6CF-1CFB-35403AFF83DE}"/>
-                  </a:ext>
-                </a:extLst>
-              </p14:cNvPr>
-              <p14:cNvContentPartPr/>
-              <p14:nvPr/>
-            </p14:nvContentPartPr>
-            <p14:xfrm>
-              <a:off x="545345" y="9677742"/>
-              <a:ext cx="2950835" cy="195023"/>
-            </p14:xfrm>
-          </p:contentPart>
-        </mc:Choice>
-        <mc:Fallback xmlns="">
-          <p:pic>
-            <p:nvPicPr>
-              <p:cNvPr id="7" name="Ink 6">
-                <a:extLst>
-                  <a:ext uri="{FF2B5EF4-FFF2-40B4-BE49-F238E27FC236}">
-                    <a16:creationId xmlns:a16="http://schemas.microsoft.com/office/drawing/2014/main" id="{3387E203-0245-F6CF-1CFB-35403AFF83DE}"/>
-                  </a:ext>
-                </a:extLst>
-              </p:cNvPr>
-              <p:cNvPicPr/>
-              <p:nvPr/>
-            </p:nvPicPr>
-            <p:blipFill>
-              <a:blip r:embed="rId3"/>
-              <a:stretch>
-                <a:fillRect/>
-              </a:stretch>
-            </p:blipFill>
-            <p:spPr>
-              <a:xfrm>
-                <a:off x="482354" y="9614889"/>
-                <a:ext cx="3076456" cy="320369"/>
-              </a:xfrm>
-              <a:prstGeom prst="rect">
-                <a:avLst/>
-              </a:prstGeom>
-            </p:spPr>
-          </p:pic>
-        </mc:Fallback>
-      </mc:AlternateContent>
       <p:sp>
         <p:nvSpPr>
           <p:cNvPr id="9" name="Text Placeholder 2">
@@ -19502,7 +19160,7 @@
       </p:sp>
       <mc:AlternateContent xmlns:mc="http://schemas.openxmlformats.org/markup-compatibility/2006" xmlns:p14="http://schemas.microsoft.com/office/powerpoint/2010/main">
         <mc:Choice Requires="p14">
-          <p:contentPart p14:bwMode="auto" r:id="rId4">
+          <p:contentPart p14:bwMode="auto" r:id="rId2">
             <p14:nvContentPartPr>
               <p14:cNvPr id="12" name="Ink 11">
                 <a:extLst>
@@ -19581,6 +19239,60 @@
           </a:prstGeom>
         </p:spPr>
       </p:pic>
+      <p:sp>
+        <p:nvSpPr>
+          <p:cNvPr id="2" name="Rectangle 1">
+            <a:extLst>
+              <a:ext uri="{FF2B5EF4-FFF2-40B4-BE49-F238E27FC236}">
+                <a16:creationId xmlns:a16="http://schemas.microsoft.com/office/drawing/2014/main" id="{EDBAC1DE-7484-5D5F-E0A8-9B8341497D42}"/>
+              </a:ext>
+            </a:extLst>
+          </p:cNvPr>
+          <p:cNvSpPr/>
+          <p:nvPr/>
+        </p:nvSpPr>
+        <p:spPr>
+          <a:xfrm>
+            <a:off x="999460" y="9505507"/>
+            <a:ext cx="1978244" cy="425302"/>
+          </a:xfrm>
+          <a:prstGeom prst="rect">
+            <a:avLst/>
+          </a:prstGeom>
+          <a:solidFill>
+            <a:schemeClr val="bg1"/>
+          </a:solidFill>
+          <a:ln>
+            <a:solidFill>
+              <a:schemeClr val="bg1"/>
+            </a:solidFill>
+          </a:ln>
+        </p:spPr>
+        <p:style>
+          <a:lnRef idx="2">
+            <a:schemeClr val="accent1">
+              <a:shade val="15000"/>
+            </a:schemeClr>
+          </a:lnRef>
+          <a:fillRef idx="1">
+            <a:schemeClr val="accent1"/>
+          </a:fillRef>
+          <a:effectRef idx="0">
+            <a:schemeClr val="accent1"/>
+          </a:effectRef>
+          <a:fontRef idx="minor">
+            <a:schemeClr val="lt1"/>
+          </a:fontRef>
+        </p:style>
+        <p:txBody>
+          <a:bodyPr rtlCol="0" anchor="ctr"/>
+          <a:lstStyle/>
+          <a:p>
+            <a:pPr algn="ctr"/>
+            <a:endParaRPr lang="en-US"/>
+          </a:p>
+        </p:txBody>
+      </p:sp>
     </p:spTree>
     <p:extLst>
       <p:ext uri="{BB962C8B-B14F-4D97-AF65-F5344CB8AC3E}">
@@ -19591,13 +19303,13 @@
   <p:clrMapOvr>
     <a:masterClrMapping/>
   </p:clrMapOvr>
-  <mc:AlternateContent xmlns:mc="http://schemas.openxmlformats.org/markup-compatibility/2006">
-    <mc:Choice xmlns:p14="http://schemas.microsoft.com/office/powerpoint/2010/main" Requires="p14">
+  <mc:AlternateContent xmlns:mc="http://schemas.openxmlformats.org/markup-compatibility/2006" xmlns:p14="http://schemas.microsoft.com/office/powerpoint/2010/main">
+    <mc:Choice Requires="p14">
       <p:transition spd="med" p14:dur="700">
         <p:fade/>
       </p:transition>
     </mc:Choice>
-    <mc:Fallback>
+    <mc:Fallback xmlns="">
       <p:transition spd="med">
         <p:fade/>
       </p:transition>
@@ -19729,69 +19441,72 @@
           </a:p>
         </p:txBody>
       </p:sp>
-      <mc:AlternateContent xmlns:mc="http://schemas.openxmlformats.org/markup-compatibility/2006" xmlns:p14="http://schemas.microsoft.com/office/powerpoint/2010/main">
-        <mc:Choice Requires="p14">
-          <p:contentPart p14:bwMode="auto" r:id="rId3">
-            <p14:nvContentPartPr>
-              <p14:cNvPr id="7" name="Ink 6">
-                <a:extLst>
-                  <a:ext uri="{FF2B5EF4-FFF2-40B4-BE49-F238E27FC236}">
-                    <a16:creationId xmlns:a16="http://schemas.microsoft.com/office/drawing/2014/main" id="{6797640E-D0D1-85AF-C50B-6CEC0CC06AAD}"/>
-                  </a:ext>
-                </a:extLst>
-              </p14:cNvPr>
-              <p14:cNvContentPartPr/>
-              <p14:nvPr/>
-            </p14:nvContentPartPr>
-            <p14:xfrm>
-              <a:off x="920338" y="9662088"/>
-              <a:ext cx="2233810" cy="210011"/>
-            </p14:xfrm>
-          </p:contentPart>
-        </mc:Choice>
-        <mc:Fallback xmlns="">
-          <p:pic>
-            <p:nvPicPr>
-              <p:cNvPr id="7" name="Ink 6">
-                <a:extLst>
-                  <a:ext uri="{FF2B5EF4-FFF2-40B4-BE49-F238E27FC236}">
-                    <a16:creationId xmlns:a16="http://schemas.microsoft.com/office/drawing/2014/main" id="{6797640E-D0D1-85AF-C50B-6CEC0CC06AAD}"/>
-                  </a:ext>
-                </a:extLst>
-              </p:cNvPr>
-              <p:cNvPicPr/>
-              <p:nvPr/>
-            </p:nvPicPr>
-            <p:blipFill>
-              <a:blip r:embed="rId4"/>
-              <a:stretch>
-                <a:fillRect/>
-              </a:stretch>
-            </p:blipFill>
-            <p:spPr>
-              <a:xfrm>
-                <a:off x="857348" y="9599264"/>
-                <a:ext cx="2359430" cy="335300"/>
-              </a:xfrm>
-              <a:prstGeom prst="rect">
-                <a:avLst/>
-              </a:prstGeom>
-            </p:spPr>
-          </p:pic>
-        </mc:Fallback>
-      </mc:AlternateContent>
+      <p:sp>
+        <p:nvSpPr>
+          <p:cNvPr id="5" name="Rectangle 4">
+            <a:extLst>
+              <a:ext uri="{FF2B5EF4-FFF2-40B4-BE49-F238E27FC236}">
+                <a16:creationId xmlns:a16="http://schemas.microsoft.com/office/drawing/2014/main" id="{18265BD0-53B2-D3EE-3036-DB81FF0BF21F}"/>
+              </a:ext>
+            </a:extLst>
+          </p:cNvPr>
+          <p:cNvSpPr/>
+          <p:nvPr/>
+        </p:nvSpPr>
+        <p:spPr>
+          <a:xfrm>
+            <a:off x="999460" y="9505507"/>
+            <a:ext cx="1978244" cy="425302"/>
+          </a:xfrm>
+          <a:prstGeom prst="rect">
+            <a:avLst/>
+          </a:prstGeom>
+          <a:solidFill>
+            <a:schemeClr val="bg1"/>
+          </a:solidFill>
+          <a:ln>
+            <a:solidFill>
+              <a:schemeClr val="bg1"/>
+            </a:solidFill>
+          </a:ln>
+        </p:spPr>
+        <p:style>
+          <a:lnRef idx="2">
+            <a:schemeClr val="accent1">
+              <a:shade val="15000"/>
+            </a:schemeClr>
+          </a:lnRef>
+          <a:fillRef idx="1">
+            <a:schemeClr val="accent1"/>
+          </a:fillRef>
+          <a:effectRef idx="0">
+            <a:schemeClr val="accent1"/>
+          </a:effectRef>
+          <a:fontRef idx="minor">
+            <a:schemeClr val="lt1"/>
+          </a:fontRef>
+        </p:style>
+        <p:txBody>
+          <a:bodyPr rtlCol="0" anchor="ctr"/>
+          <a:lstStyle/>
+          <a:p>
+            <a:pPr algn="ctr"/>
+            <a:endParaRPr lang="en-US"/>
+          </a:p>
+        </p:txBody>
+      </p:sp>
     </p:spTree>
   </p:cSld>
   <p:clrMapOvr>
     <a:masterClrMapping/>
   </p:clrMapOvr>
-  <mc:AlternateContent xmlns:mc="http://schemas.openxmlformats.org/markup-compatibility/2006">
-    <mc:Choice xmlns:p14="http://schemas.microsoft.com/office/powerpoint/2010/main" Requires="p14">
+  <mc:AlternateContent xmlns:mc="http://schemas.openxmlformats.org/markup-compatibility/2006" xmlns:p14="http://schemas.microsoft.com/office/powerpoint/2010/main">
+    <mc:Choice Requires="p14">
       <p:transition spd="med" p14:dur="700">
         <p:fade/>
       </p:transition>
     </mc:Choice>
-    <mc:Fallback>
+    <mc:Fallback xmlns="">
       <p:transition spd="med">
         <p:fade/>
       </p:transition>
@@ -19922,69 +19637,72 @@
           </a:prstGeom>
         </p:spPr>
       </p:pic>
-      <mc:AlternateContent xmlns:mc="http://schemas.openxmlformats.org/markup-compatibility/2006" xmlns:p14="http://schemas.microsoft.com/office/powerpoint/2010/main">
-        <mc:Choice Requires="p14">
-          <p:contentPart p14:bwMode="auto" r:id="rId3">
-            <p14:nvContentPartPr>
-              <p14:cNvPr id="14" name="Ink 13">
-                <a:extLst>
-                  <a:ext uri="{FF2B5EF4-FFF2-40B4-BE49-F238E27FC236}">
-                    <a16:creationId xmlns:a16="http://schemas.microsoft.com/office/drawing/2014/main" id="{CE6F5418-A14F-326B-FB6A-6F4EB3E34FFF}"/>
-                  </a:ext>
-                </a:extLst>
-              </p14:cNvPr>
-              <p14:cNvContentPartPr/>
-              <p14:nvPr/>
-            </p14:nvContentPartPr>
-            <p14:xfrm>
-              <a:off x="502968" y="9662448"/>
-              <a:ext cx="2708464" cy="254349"/>
-            </p14:xfrm>
-          </p:contentPart>
-        </mc:Choice>
-        <mc:Fallback xmlns="">
-          <p:pic>
-            <p:nvPicPr>
-              <p:cNvPr id="14" name="Ink 13">
-                <a:extLst>
-                  <a:ext uri="{FF2B5EF4-FFF2-40B4-BE49-F238E27FC236}">
-                    <a16:creationId xmlns:a16="http://schemas.microsoft.com/office/drawing/2014/main" id="{CE6F5418-A14F-326B-FB6A-6F4EB3E34FFF}"/>
-                  </a:ext>
-                </a:extLst>
-              </p:cNvPr>
-              <p:cNvPicPr/>
-              <p:nvPr/>
-            </p:nvPicPr>
-            <p:blipFill>
-              <a:blip r:embed="rId4"/>
-              <a:stretch>
-                <a:fillRect/>
-              </a:stretch>
-            </p:blipFill>
-            <p:spPr>
-              <a:xfrm>
-                <a:off x="439972" y="9599579"/>
-                <a:ext cx="2834096" cy="379727"/>
-              </a:xfrm>
-              <a:prstGeom prst="rect">
-                <a:avLst/>
-              </a:prstGeom>
-            </p:spPr>
-          </p:pic>
-        </mc:Fallback>
-      </mc:AlternateContent>
+      <p:sp>
+        <p:nvSpPr>
+          <p:cNvPr id="2" name="Rectangle 1">
+            <a:extLst>
+              <a:ext uri="{FF2B5EF4-FFF2-40B4-BE49-F238E27FC236}">
+                <a16:creationId xmlns:a16="http://schemas.microsoft.com/office/drawing/2014/main" id="{AC6EAD23-7E61-01D7-4477-308B12F01695}"/>
+              </a:ext>
+            </a:extLst>
+          </p:cNvPr>
+          <p:cNvSpPr/>
+          <p:nvPr/>
+        </p:nvSpPr>
+        <p:spPr>
+          <a:xfrm>
+            <a:off x="999460" y="9505507"/>
+            <a:ext cx="1978244" cy="425302"/>
+          </a:xfrm>
+          <a:prstGeom prst="rect">
+            <a:avLst/>
+          </a:prstGeom>
+          <a:solidFill>
+            <a:schemeClr val="bg1"/>
+          </a:solidFill>
+          <a:ln>
+            <a:solidFill>
+              <a:schemeClr val="bg1"/>
+            </a:solidFill>
+          </a:ln>
+        </p:spPr>
+        <p:style>
+          <a:lnRef idx="2">
+            <a:schemeClr val="accent1">
+              <a:shade val="15000"/>
+            </a:schemeClr>
+          </a:lnRef>
+          <a:fillRef idx="1">
+            <a:schemeClr val="accent1"/>
+          </a:fillRef>
+          <a:effectRef idx="0">
+            <a:schemeClr val="accent1"/>
+          </a:effectRef>
+          <a:fontRef idx="minor">
+            <a:schemeClr val="lt1"/>
+          </a:fontRef>
+        </p:style>
+        <p:txBody>
+          <a:bodyPr rtlCol="0" anchor="ctr"/>
+          <a:lstStyle/>
+          <a:p>
+            <a:pPr algn="ctr"/>
+            <a:endParaRPr lang="en-US"/>
+          </a:p>
+        </p:txBody>
+      </p:sp>
     </p:spTree>
   </p:cSld>
   <p:clrMapOvr>
     <a:masterClrMapping/>
   </p:clrMapOvr>
-  <mc:AlternateContent xmlns:mc="http://schemas.openxmlformats.org/markup-compatibility/2006">
-    <mc:Choice xmlns:p14="http://schemas.microsoft.com/office/powerpoint/2010/main" Requires="p14">
+  <mc:AlternateContent xmlns:mc="http://schemas.openxmlformats.org/markup-compatibility/2006" xmlns:p14="http://schemas.microsoft.com/office/powerpoint/2010/main">
+    <mc:Choice Requires="p14">
       <p:transition spd="med" p14:dur="700">
         <p:fade/>
       </p:transition>
     </mc:Choice>
-    <mc:Fallback>
+    <mc:Fallback xmlns="">
       <p:transition spd="med">
         <p:fade/>
       </p:transition>
